--- a/Dortmund Meetings/Update_2025_01_14.pptx
+++ b/Dortmund Meetings/Update_2025_01_14.pptx
@@ -20,6 +20,8 @@
     <p:sldId id="269" r:id="rId14"/>
     <p:sldId id="268" r:id="rId15"/>
     <p:sldId id="270" r:id="rId16"/>
+    <p:sldId id="271" r:id="rId17"/>
+    <p:sldId id="272" r:id="rId18"/>
   </p:sldIdLst>
   <p:sldSz cx="12192000" cy="6858000"/>
   <p:notesSz cx="6858000" cy="9144000"/>
@@ -126,6 +128,6768 @@
 </p:presentation>
 </file>
 
+<file path=ppt/diagrams/colors1.xml><?xml version="1.0" encoding="utf-8"?>
+<dgm:colorsDef xmlns:dgm="http://schemas.openxmlformats.org/drawingml/2006/diagram" xmlns:a="http://schemas.openxmlformats.org/drawingml/2006/main" uniqueId="urn:microsoft.com/office/officeart/2005/8/colors/accent1_2">
+  <dgm:title val=""/>
+  <dgm:desc val=""/>
+  <dgm:catLst>
+    <dgm:cat type="accent1" pri="11200"/>
+  </dgm:catLst>
+  <dgm:styleLbl name="node0">
+    <dgm:fillClrLst meth="repeat">
+      <a:schemeClr val="accent1"/>
+    </dgm:fillClrLst>
+    <dgm:linClrLst meth="repeat">
+      <a:schemeClr val="lt1"/>
+    </dgm:linClrLst>
+    <dgm:effectClrLst/>
+    <dgm:txLinClrLst/>
+    <dgm:txFillClrLst/>
+    <dgm:txEffectClrLst/>
+  </dgm:styleLbl>
+  <dgm:styleLbl name="alignNode1">
+    <dgm:fillClrLst meth="repeat">
+      <a:schemeClr val="accent1"/>
+    </dgm:fillClrLst>
+    <dgm:linClrLst meth="repeat">
+      <a:schemeClr val="accent1"/>
+    </dgm:linClrLst>
+    <dgm:effectClrLst/>
+    <dgm:txLinClrLst/>
+    <dgm:txFillClrLst/>
+    <dgm:txEffectClrLst/>
+  </dgm:styleLbl>
+  <dgm:styleLbl name="node1">
+    <dgm:fillClrLst meth="repeat">
+      <a:schemeClr val="accent1"/>
+    </dgm:fillClrLst>
+    <dgm:linClrLst meth="repeat">
+      <a:schemeClr val="lt1"/>
+    </dgm:linClrLst>
+    <dgm:effectClrLst/>
+    <dgm:txLinClrLst/>
+    <dgm:txFillClrLst/>
+    <dgm:txEffectClrLst/>
+  </dgm:styleLbl>
+  <dgm:styleLbl name="lnNode1">
+    <dgm:fillClrLst meth="repeat">
+      <a:schemeClr val="accent1"/>
+    </dgm:fillClrLst>
+    <dgm:linClrLst meth="repeat">
+      <a:schemeClr val="lt1"/>
+    </dgm:linClrLst>
+    <dgm:effectClrLst/>
+    <dgm:txLinClrLst/>
+    <dgm:txFillClrLst/>
+    <dgm:txEffectClrLst/>
+  </dgm:styleLbl>
+  <dgm:styleLbl name="vennNode1">
+    <dgm:fillClrLst meth="repeat">
+      <a:schemeClr val="accent1">
+        <a:alpha val="50000"/>
+      </a:schemeClr>
+    </dgm:fillClrLst>
+    <dgm:linClrLst meth="repeat">
+      <a:schemeClr val="lt1"/>
+    </dgm:linClrLst>
+    <dgm:effectClrLst/>
+    <dgm:txLinClrLst/>
+    <dgm:txFillClrLst/>
+    <dgm:txEffectClrLst/>
+  </dgm:styleLbl>
+  <dgm:styleLbl name="node2">
+    <dgm:fillClrLst meth="repeat">
+      <a:schemeClr val="accent1"/>
+    </dgm:fillClrLst>
+    <dgm:linClrLst meth="repeat">
+      <a:schemeClr val="lt1"/>
+    </dgm:linClrLst>
+    <dgm:effectClrLst/>
+    <dgm:txLinClrLst/>
+    <dgm:txFillClrLst/>
+    <dgm:txEffectClrLst/>
+  </dgm:styleLbl>
+  <dgm:styleLbl name="node3">
+    <dgm:fillClrLst meth="repeat">
+      <a:schemeClr val="accent1"/>
+    </dgm:fillClrLst>
+    <dgm:linClrLst meth="repeat">
+      <a:schemeClr val="lt1"/>
+    </dgm:linClrLst>
+    <dgm:effectClrLst/>
+    <dgm:txLinClrLst/>
+    <dgm:txFillClrLst/>
+    <dgm:txEffectClrLst/>
+  </dgm:styleLbl>
+  <dgm:styleLbl name="node4">
+    <dgm:fillClrLst meth="repeat">
+      <a:schemeClr val="accent1"/>
+    </dgm:fillClrLst>
+    <dgm:linClrLst meth="repeat">
+      <a:schemeClr val="lt1"/>
+    </dgm:linClrLst>
+    <dgm:effectClrLst/>
+    <dgm:txLinClrLst/>
+    <dgm:txFillClrLst/>
+    <dgm:txEffectClrLst/>
+  </dgm:styleLbl>
+  <dgm:styleLbl name="fgImgPlace1">
+    <dgm:fillClrLst meth="repeat">
+      <a:schemeClr val="accent1">
+        <a:tint val="50000"/>
+      </a:schemeClr>
+    </dgm:fillClrLst>
+    <dgm:linClrLst meth="repeat">
+      <a:schemeClr val="lt1"/>
+    </dgm:linClrLst>
+    <dgm:effectClrLst/>
+    <dgm:txLinClrLst/>
+    <dgm:txFillClrLst meth="repeat">
+      <a:schemeClr val="lt1"/>
+    </dgm:txFillClrLst>
+    <dgm:txEffectClrLst/>
+  </dgm:styleLbl>
+  <dgm:styleLbl name="alignImgPlace1">
+    <dgm:fillClrLst meth="repeat">
+      <a:schemeClr val="accent1">
+        <a:tint val="50000"/>
+      </a:schemeClr>
+    </dgm:fillClrLst>
+    <dgm:linClrLst meth="repeat">
+      <a:schemeClr val="lt1"/>
+    </dgm:linClrLst>
+    <dgm:effectClrLst/>
+    <dgm:txLinClrLst/>
+    <dgm:txFillClrLst meth="repeat">
+      <a:schemeClr val="lt1"/>
+    </dgm:txFillClrLst>
+    <dgm:txEffectClrLst/>
+  </dgm:styleLbl>
+  <dgm:styleLbl name="bgImgPlace1">
+    <dgm:fillClrLst meth="repeat">
+      <a:schemeClr val="accent1">
+        <a:tint val="50000"/>
+      </a:schemeClr>
+    </dgm:fillClrLst>
+    <dgm:linClrLst meth="repeat">
+      <a:schemeClr val="lt1"/>
+    </dgm:linClrLst>
+    <dgm:effectClrLst/>
+    <dgm:txLinClrLst/>
+    <dgm:txFillClrLst meth="repeat">
+      <a:schemeClr val="lt1"/>
+    </dgm:txFillClrLst>
+    <dgm:txEffectClrLst/>
+  </dgm:styleLbl>
+  <dgm:styleLbl name="sibTrans2D1">
+    <dgm:fillClrLst meth="repeat">
+      <a:schemeClr val="accent1">
+        <a:tint val="60000"/>
+      </a:schemeClr>
+    </dgm:fillClrLst>
+    <dgm:linClrLst meth="repeat">
+      <a:schemeClr val="accent1">
+        <a:tint val="60000"/>
+      </a:schemeClr>
+    </dgm:linClrLst>
+    <dgm:effectClrLst/>
+    <dgm:txLinClrLst/>
+    <dgm:txFillClrLst/>
+    <dgm:txEffectClrLst/>
+  </dgm:styleLbl>
+  <dgm:styleLbl name="fgSibTrans2D1">
+    <dgm:fillClrLst meth="repeat">
+      <a:schemeClr val="accent1">
+        <a:tint val="60000"/>
+      </a:schemeClr>
+    </dgm:fillClrLst>
+    <dgm:linClrLst meth="repeat">
+      <a:schemeClr val="accent1">
+        <a:tint val="60000"/>
+      </a:schemeClr>
+    </dgm:linClrLst>
+    <dgm:effectClrLst/>
+    <dgm:txLinClrLst/>
+    <dgm:txFillClrLst/>
+    <dgm:txEffectClrLst/>
+  </dgm:styleLbl>
+  <dgm:styleLbl name="bgSibTrans2D1">
+    <dgm:fillClrLst meth="repeat">
+      <a:schemeClr val="accent1">
+        <a:tint val="60000"/>
+      </a:schemeClr>
+    </dgm:fillClrLst>
+    <dgm:linClrLst meth="repeat">
+      <a:schemeClr val="accent1">
+        <a:tint val="60000"/>
+      </a:schemeClr>
+    </dgm:linClrLst>
+    <dgm:effectClrLst/>
+    <dgm:txLinClrLst/>
+    <dgm:txFillClrLst/>
+    <dgm:txEffectClrLst/>
+  </dgm:styleLbl>
+  <dgm:styleLbl name="sibTrans1D1">
+    <dgm:fillClrLst meth="repeat">
+      <a:schemeClr val="accent1"/>
+    </dgm:fillClrLst>
+    <dgm:linClrLst meth="repeat">
+      <a:schemeClr val="accent1"/>
+    </dgm:linClrLst>
+    <dgm:effectClrLst/>
+    <dgm:txLinClrLst/>
+    <dgm:txFillClrLst meth="repeat">
+      <a:schemeClr val="tx1"/>
+    </dgm:txFillClrLst>
+    <dgm:txEffectClrLst/>
+  </dgm:styleLbl>
+  <dgm:styleLbl name="callout">
+    <dgm:fillClrLst meth="repeat">
+      <a:schemeClr val="accent1"/>
+    </dgm:fillClrLst>
+    <dgm:linClrLst meth="repeat">
+      <a:schemeClr val="accent1">
+        <a:tint val="50000"/>
+      </a:schemeClr>
+    </dgm:linClrLst>
+    <dgm:effectClrLst/>
+    <dgm:txLinClrLst/>
+    <dgm:txFillClrLst meth="repeat">
+      <a:schemeClr val="tx1"/>
+    </dgm:txFillClrLst>
+    <dgm:txEffectClrLst/>
+  </dgm:styleLbl>
+  <dgm:styleLbl name="asst0">
+    <dgm:fillClrLst meth="repeat">
+      <a:schemeClr val="accent1"/>
+    </dgm:fillClrLst>
+    <dgm:linClrLst meth="repeat">
+      <a:schemeClr val="lt1"/>
+    </dgm:linClrLst>
+    <dgm:effectClrLst/>
+    <dgm:txLinClrLst/>
+    <dgm:txFillClrLst/>
+    <dgm:txEffectClrLst/>
+  </dgm:styleLbl>
+  <dgm:styleLbl name="asst1">
+    <dgm:fillClrLst meth="repeat">
+      <a:schemeClr val="accent1"/>
+    </dgm:fillClrLst>
+    <dgm:linClrLst meth="repeat">
+      <a:schemeClr val="lt1"/>
+    </dgm:linClrLst>
+    <dgm:effectClrLst/>
+    <dgm:txLinClrLst/>
+    <dgm:txFillClrLst/>
+    <dgm:txEffectClrLst/>
+  </dgm:styleLbl>
+  <dgm:styleLbl name="asst2">
+    <dgm:fillClrLst meth="repeat">
+      <a:schemeClr val="accent1"/>
+    </dgm:fillClrLst>
+    <dgm:linClrLst meth="repeat">
+      <a:schemeClr val="lt1"/>
+    </dgm:linClrLst>
+    <dgm:effectClrLst/>
+    <dgm:txLinClrLst/>
+    <dgm:txFillClrLst/>
+    <dgm:txEffectClrLst/>
+  </dgm:styleLbl>
+  <dgm:styleLbl name="asst3">
+    <dgm:fillClrLst meth="repeat">
+      <a:schemeClr val="accent1"/>
+    </dgm:fillClrLst>
+    <dgm:linClrLst meth="repeat">
+      <a:schemeClr val="lt1"/>
+    </dgm:linClrLst>
+    <dgm:effectClrLst/>
+    <dgm:txLinClrLst/>
+    <dgm:txFillClrLst/>
+    <dgm:txEffectClrLst/>
+  </dgm:styleLbl>
+  <dgm:styleLbl name="asst4">
+    <dgm:fillClrLst meth="repeat">
+      <a:schemeClr val="accent1"/>
+    </dgm:fillClrLst>
+    <dgm:linClrLst meth="repeat">
+      <a:schemeClr val="lt1"/>
+    </dgm:linClrLst>
+    <dgm:effectClrLst/>
+    <dgm:txLinClrLst/>
+    <dgm:txFillClrLst/>
+    <dgm:txEffectClrLst/>
+  </dgm:styleLbl>
+  <dgm:styleLbl name="parChTrans2D1">
+    <dgm:fillClrLst meth="repeat">
+      <a:schemeClr val="accent1">
+        <a:tint val="60000"/>
+      </a:schemeClr>
+    </dgm:fillClrLst>
+    <dgm:linClrLst meth="repeat">
+      <a:schemeClr val="accent1">
+        <a:tint val="60000"/>
+      </a:schemeClr>
+    </dgm:linClrLst>
+    <dgm:effectClrLst/>
+    <dgm:txLinClrLst/>
+    <dgm:txFillClrLst meth="repeat">
+      <a:schemeClr val="lt1"/>
+    </dgm:txFillClrLst>
+    <dgm:txEffectClrLst/>
+  </dgm:styleLbl>
+  <dgm:styleLbl name="parChTrans2D2">
+    <dgm:fillClrLst meth="repeat">
+      <a:schemeClr val="accent1"/>
+    </dgm:fillClrLst>
+    <dgm:linClrLst meth="repeat">
+      <a:schemeClr val="accent1"/>
+    </dgm:linClrLst>
+    <dgm:effectClrLst/>
+    <dgm:txLinClrLst/>
+    <dgm:txFillClrLst meth="repeat">
+      <a:schemeClr val="lt1"/>
+    </dgm:txFillClrLst>
+    <dgm:txEffectClrLst/>
+  </dgm:styleLbl>
+  <dgm:styleLbl name="parChTrans2D3">
+    <dgm:fillClrLst meth="repeat">
+      <a:schemeClr val="accent1"/>
+    </dgm:fillClrLst>
+    <dgm:linClrLst meth="repeat">
+      <a:schemeClr val="accent1"/>
+    </dgm:linClrLst>
+    <dgm:effectClrLst/>
+    <dgm:txLinClrLst/>
+    <dgm:txFillClrLst meth="repeat">
+      <a:schemeClr val="lt1"/>
+    </dgm:txFillClrLst>
+    <dgm:txEffectClrLst/>
+  </dgm:styleLbl>
+  <dgm:styleLbl name="parChTrans2D4">
+    <dgm:fillClrLst meth="repeat">
+      <a:schemeClr val="accent1"/>
+    </dgm:fillClrLst>
+    <dgm:linClrLst meth="repeat">
+      <a:schemeClr val="accent1"/>
+    </dgm:linClrLst>
+    <dgm:effectClrLst/>
+    <dgm:txLinClrLst/>
+    <dgm:txFillClrLst meth="repeat">
+      <a:schemeClr val="lt1"/>
+    </dgm:txFillClrLst>
+    <dgm:txEffectClrLst/>
+  </dgm:styleLbl>
+  <dgm:styleLbl name="parChTrans1D1">
+    <dgm:fillClrLst meth="repeat">
+      <a:schemeClr val="accent1"/>
+    </dgm:fillClrLst>
+    <dgm:linClrLst meth="repeat">
+      <a:schemeClr val="accent1">
+        <a:shade val="60000"/>
+      </a:schemeClr>
+    </dgm:linClrLst>
+    <dgm:effectClrLst/>
+    <dgm:txLinClrLst/>
+    <dgm:txFillClrLst meth="repeat">
+      <a:schemeClr val="tx1"/>
+    </dgm:txFillClrLst>
+    <dgm:txEffectClrLst/>
+  </dgm:styleLbl>
+  <dgm:styleLbl name="parChTrans1D2">
+    <dgm:fillClrLst meth="repeat">
+      <a:schemeClr val="accent1"/>
+    </dgm:fillClrLst>
+    <dgm:linClrLst meth="repeat">
+      <a:schemeClr val="accent1">
+        <a:shade val="60000"/>
+      </a:schemeClr>
+    </dgm:linClrLst>
+    <dgm:effectClrLst/>
+    <dgm:txLinClrLst/>
+    <dgm:txFillClrLst meth="repeat">
+      <a:schemeClr val="tx1"/>
+    </dgm:txFillClrLst>
+    <dgm:txEffectClrLst/>
+  </dgm:styleLbl>
+  <dgm:styleLbl name="parChTrans1D3">
+    <dgm:fillClrLst meth="repeat">
+      <a:schemeClr val="accent1"/>
+    </dgm:fillClrLst>
+    <dgm:linClrLst meth="repeat">
+      <a:schemeClr val="accent1">
+        <a:shade val="80000"/>
+      </a:schemeClr>
+    </dgm:linClrLst>
+    <dgm:effectClrLst/>
+    <dgm:txLinClrLst/>
+    <dgm:txFillClrLst meth="repeat">
+      <a:schemeClr val="tx1"/>
+    </dgm:txFillClrLst>
+    <dgm:txEffectClrLst/>
+  </dgm:styleLbl>
+  <dgm:styleLbl name="parChTrans1D4">
+    <dgm:fillClrLst meth="repeat">
+      <a:schemeClr val="accent1"/>
+    </dgm:fillClrLst>
+    <dgm:linClrLst meth="repeat">
+      <a:schemeClr val="accent1">
+        <a:shade val="80000"/>
+      </a:schemeClr>
+    </dgm:linClrLst>
+    <dgm:effectClrLst/>
+    <dgm:txLinClrLst/>
+    <dgm:txFillClrLst meth="repeat">
+      <a:schemeClr val="tx1"/>
+    </dgm:txFillClrLst>
+    <dgm:txEffectClrLst/>
+  </dgm:styleLbl>
+  <dgm:styleLbl name="fgAcc1">
+    <dgm:fillClrLst meth="repeat">
+      <a:schemeClr val="lt1">
+        <a:alpha val="90000"/>
+      </a:schemeClr>
+    </dgm:fillClrLst>
+    <dgm:linClrLst meth="repeat">
+      <a:schemeClr val="accent1"/>
+    </dgm:linClrLst>
+    <dgm:effectClrLst/>
+    <dgm:txLinClrLst/>
+    <dgm:txFillClrLst meth="repeat">
+      <a:schemeClr val="dk1"/>
+    </dgm:txFillClrLst>
+    <dgm:txEffectClrLst/>
+  </dgm:styleLbl>
+  <dgm:styleLbl name="conFgAcc1">
+    <dgm:fillClrLst meth="repeat">
+      <a:schemeClr val="lt1">
+        <a:alpha val="90000"/>
+      </a:schemeClr>
+    </dgm:fillClrLst>
+    <dgm:linClrLst meth="repeat">
+      <a:schemeClr val="accent1"/>
+    </dgm:linClrLst>
+    <dgm:effectClrLst/>
+    <dgm:txLinClrLst/>
+    <dgm:txFillClrLst meth="repeat">
+      <a:schemeClr val="dk1"/>
+    </dgm:txFillClrLst>
+    <dgm:txEffectClrLst/>
+  </dgm:styleLbl>
+  <dgm:styleLbl name="alignAcc1">
+    <dgm:fillClrLst meth="repeat">
+      <a:schemeClr val="lt1">
+        <a:alpha val="90000"/>
+      </a:schemeClr>
+    </dgm:fillClrLst>
+    <dgm:linClrLst meth="repeat">
+      <a:schemeClr val="accent1"/>
+    </dgm:linClrLst>
+    <dgm:effectClrLst/>
+    <dgm:txLinClrLst/>
+    <dgm:txFillClrLst meth="repeat">
+      <a:schemeClr val="dk1"/>
+    </dgm:txFillClrLst>
+    <dgm:txEffectClrLst/>
+  </dgm:styleLbl>
+  <dgm:styleLbl name="trAlignAcc1">
+    <dgm:fillClrLst meth="repeat">
+      <a:schemeClr val="lt1">
+        <a:alpha val="40000"/>
+      </a:schemeClr>
+    </dgm:fillClrLst>
+    <dgm:linClrLst meth="repeat">
+      <a:schemeClr val="accent1"/>
+    </dgm:linClrLst>
+    <dgm:effectClrLst/>
+    <dgm:txLinClrLst/>
+    <dgm:txFillClrLst meth="repeat">
+      <a:schemeClr val="dk1"/>
+    </dgm:txFillClrLst>
+    <dgm:txEffectClrLst/>
+  </dgm:styleLbl>
+  <dgm:styleLbl name="bgAcc1">
+    <dgm:fillClrLst meth="repeat">
+      <a:schemeClr val="lt1">
+        <a:alpha val="90000"/>
+      </a:schemeClr>
+    </dgm:fillClrLst>
+    <dgm:linClrLst meth="repeat">
+      <a:schemeClr val="accent1"/>
+    </dgm:linClrLst>
+    <dgm:effectClrLst/>
+    <dgm:txLinClrLst/>
+    <dgm:txFillClrLst meth="repeat">
+      <a:schemeClr val="dk1"/>
+    </dgm:txFillClrLst>
+    <dgm:txEffectClrLst/>
+  </dgm:styleLbl>
+  <dgm:styleLbl name="solidFgAcc1">
+    <dgm:fillClrLst meth="repeat">
+      <a:schemeClr val="lt1"/>
+    </dgm:fillClrLst>
+    <dgm:linClrLst meth="repeat">
+      <a:schemeClr val="accent1"/>
+    </dgm:linClrLst>
+    <dgm:effectClrLst/>
+    <dgm:txLinClrLst/>
+    <dgm:txFillClrLst meth="repeat">
+      <a:schemeClr val="dk1"/>
+    </dgm:txFillClrLst>
+    <dgm:txEffectClrLst/>
+  </dgm:styleLbl>
+  <dgm:styleLbl name="solidAlignAcc1">
+    <dgm:fillClrLst meth="repeat">
+      <a:schemeClr val="lt1"/>
+    </dgm:fillClrLst>
+    <dgm:linClrLst meth="repeat">
+      <a:schemeClr val="accent1"/>
+    </dgm:linClrLst>
+    <dgm:effectClrLst/>
+    <dgm:txLinClrLst/>
+    <dgm:txFillClrLst meth="repeat">
+      <a:schemeClr val="dk1"/>
+    </dgm:txFillClrLst>
+    <dgm:txEffectClrLst/>
+  </dgm:styleLbl>
+  <dgm:styleLbl name="solidBgAcc1">
+    <dgm:fillClrLst meth="repeat">
+      <a:schemeClr val="lt1"/>
+    </dgm:fillClrLst>
+    <dgm:linClrLst meth="repeat">
+      <a:schemeClr val="accent1"/>
+    </dgm:linClrLst>
+    <dgm:effectClrLst/>
+    <dgm:txLinClrLst/>
+    <dgm:txFillClrLst meth="repeat">
+      <a:schemeClr val="dk1"/>
+    </dgm:txFillClrLst>
+    <dgm:txEffectClrLst/>
+  </dgm:styleLbl>
+  <dgm:styleLbl name="fgAccFollowNode1">
+    <dgm:fillClrLst meth="repeat">
+      <a:schemeClr val="accent1">
+        <a:alpha val="90000"/>
+        <a:tint val="40000"/>
+      </a:schemeClr>
+    </dgm:fillClrLst>
+    <dgm:linClrLst meth="repeat">
+      <a:schemeClr val="accent1">
+        <a:alpha val="90000"/>
+        <a:tint val="40000"/>
+      </a:schemeClr>
+    </dgm:linClrLst>
+    <dgm:effectClrLst/>
+    <dgm:txLinClrLst/>
+    <dgm:txFillClrLst meth="repeat">
+      <a:schemeClr val="dk1"/>
+    </dgm:txFillClrLst>
+    <dgm:txEffectClrLst/>
+  </dgm:styleLbl>
+  <dgm:styleLbl name="alignAccFollowNode1">
+    <dgm:fillClrLst meth="repeat">
+      <a:schemeClr val="accent1">
+        <a:alpha val="90000"/>
+        <a:tint val="40000"/>
+      </a:schemeClr>
+    </dgm:fillClrLst>
+    <dgm:linClrLst meth="repeat">
+      <a:schemeClr val="accent1">
+        <a:alpha val="90000"/>
+        <a:tint val="40000"/>
+      </a:schemeClr>
+    </dgm:linClrLst>
+    <dgm:effectClrLst/>
+    <dgm:txLinClrLst/>
+    <dgm:txFillClrLst meth="repeat">
+      <a:schemeClr val="dk1"/>
+    </dgm:txFillClrLst>
+    <dgm:txEffectClrLst/>
+  </dgm:styleLbl>
+  <dgm:styleLbl name="bgAccFollowNode1">
+    <dgm:fillClrLst meth="repeat">
+      <a:schemeClr val="accent1">
+        <a:alpha val="90000"/>
+        <a:tint val="40000"/>
+      </a:schemeClr>
+    </dgm:fillClrLst>
+    <dgm:linClrLst meth="repeat">
+      <a:schemeClr val="accent1">
+        <a:alpha val="90000"/>
+        <a:tint val="40000"/>
+      </a:schemeClr>
+    </dgm:linClrLst>
+    <dgm:effectClrLst/>
+    <dgm:txLinClrLst/>
+    <dgm:txFillClrLst meth="repeat">
+      <a:schemeClr val="dk1"/>
+    </dgm:txFillClrLst>
+    <dgm:txEffectClrLst/>
+  </dgm:styleLbl>
+  <dgm:styleLbl name="fgAcc0">
+    <dgm:fillClrLst meth="repeat">
+      <a:schemeClr val="lt1">
+        <a:alpha val="90000"/>
+      </a:schemeClr>
+    </dgm:fillClrLst>
+    <dgm:linClrLst meth="repeat">
+      <a:schemeClr val="accent1"/>
+    </dgm:linClrLst>
+    <dgm:effectClrLst/>
+    <dgm:txLinClrLst/>
+    <dgm:txFillClrLst meth="repeat">
+      <a:schemeClr val="dk1"/>
+    </dgm:txFillClrLst>
+    <dgm:txEffectClrLst/>
+  </dgm:styleLbl>
+  <dgm:styleLbl name="fgAcc2">
+    <dgm:fillClrLst meth="repeat">
+      <a:schemeClr val="lt1">
+        <a:alpha val="90000"/>
+      </a:schemeClr>
+    </dgm:fillClrLst>
+    <dgm:linClrLst meth="repeat">
+      <a:schemeClr val="accent1"/>
+    </dgm:linClrLst>
+    <dgm:effectClrLst/>
+    <dgm:txLinClrLst/>
+    <dgm:txFillClrLst meth="repeat">
+      <a:schemeClr val="dk1"/>
+    </dgm:txFillClrLst>
+    <dgm:txEffectClrLst/>
+  </dgm:styleLbl>
+  <dgm:styleLbl name="fgAcc3">
+    <dgm:fillClrLst meth="repeat">
+      <a:schemeClr val="lt1">
+        <a:alpha val="90000"/>
+      </a:schemeClr>
+    </dgm:fillClrLst>
+    <dgm:linClrLst meth="repeat">
+      <a:schemeClr val="accent1"/>
+    </dgm:linClrLst>
+    <dgm:effectClrLst/>
+    <dgm:txLinClrLst/>
+    <dgm:txFillClrLst meth="repeat">
+      <a:schemeClr val="dk1"/>
+    </dgm:txFillClrLst>
+    <dgm:txEffectClrLst/>
+  </dgm:styleLbl>
+  <dgm:styleLbl name="fgAcc4">
+    <dgm:fillClrLst meth="repeat">
+      <a:schemeClr val="lt1">
+        <a:alpha val="90000"/>
+      </a:schemeClr>
+    </dgm:fillClrLst>
+    <dgm:linClrLst meth="repeat">
+      <a:schemeClr val="accent1"/>
+    </dgm:linClrLst>
+    <dgm:effectClrLst/>
+    <dgm:txLinClrLst/>
+    <dgm:txFillClrLst meth="repeat">
+      <a:schemeClr val="dk1"/>
+    </dgm:txFillClrLst>
+    <dgm:txEffectClrLst/>
+  </dgm:styleLbl>
+  <dgm:styleLbl name="bgShp">
+    <dgm:fillClrLst meth="repeat">
+      <a:schemeClr val="accent1">
+        <a:tint val="40000"/>
+      </a:schemeClr>
+    </dgm:fillClrLst>
+    <dgm:linClrLst meth="repeat">
+      <a:schemeClr val="accent1"/>
+    </dgm:linClrLst>
+    <dgm:effectClrLst/>
+    <dgm:txLinClrLst/>
+    <dgm:txFillClrLst meth="repeat">
+      <a:schemeClr val="dk1"/>
+    </dgm:txFillClrLst>
+    <dgm:txEffectClrLst/>
+  </dgm:styleLbl>
+  <dgm:styleLbl name="dkBgShp">
+    <dgm:fillClrLst meth="repeat">
+      <a:schemeClr val="accent1">
+        <a:shade val="80000"/>
+      </a:schemeClr>
+    </dgm:fillClrLst>
+    <dgm:linClrLst meth="repeat">
+      <a:schemeClr val="accent1"/>
+    </dgm:linClrLst>
+    <dgm:effectClrLst/>
+    <dgm:txLinClrLst/>
+    <dgm:txFillClrLst meth="repeat">
+      <a:schemeClr val="lt1"/>
+    </dgm:txFillClrLst>
+    <dgm:txEffectClrLst/>
+  </dgm:styleLbl>
+  <dgm:styleLbl name="trBgShp">
+    <dgm:fillClrLst meth="repeat">
+      <a:schemeClr val="accent1">
+        <a:tint val="50000"/>
+        <a:alpha val="40000"/>
+      </a:schemeClr>
+    </dgm:fillClrLst>
+    <dgm:linClrLst meth="repeat">
+      <a:schemeClr val="accent1"/>
+    </dgm:linClrLst>
+    <dgm:effectClrLst/>
+    <dgm:txLinClrLst/>
+    <dgm:txFillClrLst meth="repeat">
+      <a:schemeClr val="lt1"/>
+    </dgm:txFillClrLst>
+    <dgm:txEffectClrLst/>
+  </dgm:styleLbl>
+  <dgm:styleLbl name="fgShp">
+    <dgm:fillClrLst meth="repeat">
+      <a:schemeClr val="accent1">
+        <a:tint val="60000"/>
+      </a:schemeClr>
+    </dgm:fillClrLst>
+    <dgm:linClrLst meth="repeat">
+      <a:schemeClr val="lt1"/>
+    </dgm:linClrLst>
+    <dgm:effectClrLst/>
+    <dgm:txLinClrLst/>
+    <dgm:txFillClrLst meth="repeat">
+      <a:schemeClr val="dk1"/>
+    </dgm:txFillClrLst>
+    <dgm:txEffectClrLst/>
+  </dgm:styleLbl>
+  <dgm:styleLbl name="revTx">
+    <dgm:fillClrLst meth="repeat">
+      <a:schemeClr val="lt1">
+        <a:alpha val="0"/>
+      </a:schemeClr>
+    </dgm:fillClrLst>
+    <dgm:linClrLst meth="repeat">
+      <a:schemeClr val="dk1">
+        <a:alpha val="0"/>
+      </a:schemeClr>
+    </dgm:linClrLst>
+    <dgm:effectClrLst/>
+    <dgm:txLinClrLst/>
+    <dgm:txFillClrLst meth="repeat">
+      <a:schemeClr val="tx1"/>
+    </dgm:txFillClrLst>
+    <dgm:txEffectClrLst/>
+  </dgm:styleLbl>
+</dgm:colorsDef>
+</file>
+
+<file path=ppt/diagrams/colors2.xml><?xml version="1.0" encoding="utf-8"?>
+<dgm:colorsDef xmlns:dgm="http://schemas.openxmlformats.org/drawingml/2006/diagram" xmlns:a="http://schemas.openxmlformats.org/drawingml/2006/main" uniqueId="urn:microsoft.com/office/officeart/2005/8/colors/accent1_2">
+  <dgm:title val=""/>
+  <dgm:desc val=""/>
+  <dgm:catLst>
+    <dgm:cat type="accent1" pri="11200"/>
+  </dgm:catLst>
+  <dgm:styleLbl name="node0">
+    <dgm:fillClrLst meth="repeat">
+      <a:schemeClr val="accent1"/>
+    </dgm:fillClrLst>
+    <dgm:linClrLst meth="repeat">
+      <a:schemeClr val="lt1"/>
+    </dgm:linClrLst>
+    <dgm:effectClrLst/>
+    <dgm:txLinClrLst/>
+    <dgm:txFillClrLst/>
+    <dgm:txEffectClrLst/>
+  </dgm:styleLbl>
+  <dgm:styleLbl name="alignNode1">
+    <dgm:fillClrLst meth="repeat">
+      <a:schemeClr val="accent1"/>
+    </dgm:fillClrLst>
+    <dgm:linClrLst meth="repeat">
+      <a:schemeClr val="accent1"/>
+    </dgm:linClrLst>
+    <dgm:effectClrLst/>
+    <dgm:txLinClrLst/>
+    <dgm:txFillClrLst/>
+    <dgm:txEffectClrLst/>
+  </dgm:styleLbl>
+  <dgm:styleLbl name="node1">
+    <dgm:fillClrLst meth="repeat">
+      <a:schemeClr val="accent1"/>
+    </dgm:fillClrLst>
+    <dgm:linClrLst meth="repeat">
+      <a:schemeClr val="lt1"/>
+    </dgm:linClrLst>
+    <dgm:effectClrLst/>
+    <dgm:txLinClrLst/>
+    <dgm:txFillClrLst/>
+    <dgm:txEffectClrLst/>
+  </dgm:styleLbl>
+  <dgm:styleLbl name="lnNode1">
+    <dgm:fillClrLst meth="repeat">
+      <a:schemeClr val="accent1"/>
+    </dgm:fillClrLst>
+    <dgm:linClrLst meth="repeat">
+      <a:schemeClr val="lt1"/>
+    </dgm:linClrLst>
+    <dgm:effectClrLst/>
+    <dgm:txLinClrLst/>
+    <dgm:txFillClrLst/>
+    <dgm:txEffectClrLst/>
+  </dgm:styleLbl>
+  <dgm:styleLbl name="vennNode1">
+    <dgm:fillClrLst meth="repeat">
+      <a:schemeClr val="accent1">
+        <a:alpha val="50000"/>
+      </a:schemeClr>
+    </dgm:fillClrLst>
+    <dgm:linClrLst meth="repeat">
+      <a:schemeClr val="lt1"/>
+    </dgm:linClrLst>
+    <dgm:effectClrLst/>
+    <dgm:txLinClrLst/>
+    <dgm:txFillClrLst/>
+    <dgm:txEffectClrLst/>
+  </dgm:styleLbl>
+  <dgm:styleLbl name="node2">
+    <dgm:fillClrLst meth="repeat">
+      <a:schemeClr val="accent1"/>
+    </dgm:fillClrLst>
+    <dgm:linClrLst meth="repeat">
+      <a:schemeClr val="lt1"/>
+    </dgm:linClrLst>
+    <dgm:effectClrLst/>
+    <dgm:txLinClrLst/>
+    <dgm:txFillClrLst/>
+    <dgm:txEffectClrLst/>
+  </dgm:styleLbl>
+  <dgm:styleLbl name="node3">
+    <dgm:fillClrLst meth="repeat">
+      <a:schemeClr val="accent1"/>
+    </dgm:fillClrLst>
+    <dgm:linClrLst meth="repeat">
+      <a:schemeClr val="lt1"/>
+    </dgm:linClrLst>
+    <dgm:effectClrLst/>
+    <dgm:txLinClrLst/>
+    <dgm:txFillClrLst/>
+    <dgm:txEffectClrLst/>
+  </dgm:styleLbl>
+  <dgm:styleLbl name="node4">
+    <dgm:fillClrLst meth="repeat">
+      <a:schemeClr val="accent1"/>
+    </dgm:fillClrLst>
+    <dgm:linClrLst meth="repeat">
+      <a:schemeClr val="lt1"/>
+    </dgm:linClrLst>
+    <dgm:effectClrLst/>
+    <dgm:txLinClrLst/>
+    <dgm:txFillClrLst/>
+    <dgm:txEffectClrLst/>
+  </dgm:styleLbl>
+  <dgm:styleLbl name="fgImgPlace1">
+    <dgm:fillClrLst meth="repeat">
+      <a:schemeClr val="accent1">
+        <a:tint val="50000"/>
+      </a:schemeClr>
+    </dgm:fillClrLst>
+    <dgm:linClrLst meth="repeat">
+      <a:schemeClr val="lt1"/>
+    </dgm:linClrLst>
+    <dgm:effectClrLst/>
+    <dgm:txLinClrLst/>
+    <dgm:txFillClrLst meth="repeat">
+      <a:schemeClr val="lt1"/>
+    </dgm:txFillClrLst>
+    <dgm:txEffectClrLst/>
+  </dgm:styleLbl>
+  <dgm:styleLbl name="alignImgPlace1">
+    <dgm:fillClrLst meth="repeat">
+      <a:schemeClr val="accent1">
+        <a:tint val="50000"/>
+      </a:schemeClr>
+    </dgm:fillClrLst>
+    <dgm:linClrLst meth="repeat">
+      <a:schemeClr val="lt1"/>
+    </dgm:linClrLst>
+    <dgm:effectClrLst/>
+    <dgm:txLinClrLst/>
+    <dgm:txFillClrLst meth="repeat">
+      <a:schemeClr val="lt1"/>
+    </dgm:txFillClrLst>
+    <dgm:txEffectClrLst/>
+  </dgm:styleLbl>
+  <dgm:styleLbl name="bgImgPlace1">
+    <dgm:fillClrLst meth="repeat">
+      <a:schemeClr val="accent1">
+        <a:tint val="50000"/>
+      </a:schemeClr>
+    </dgm:fillClrLst>
+    <dgm:linClrLst meth="repeat">
+      <a:schemeClr val="lt1"/>
+    </dgm:linClrLst>
+    <dgm:effectClrLst/>
+    <dgm:txLinClrLst/>
+    <dgm:txFillClrLst meth="repeat">
+      <a:schemeClr val="lt1"/>
+    </dgm:txFillClrLst>
+    <dgm:txEffectClrLst/>
+  </dgm:styleLbl>
+  <dgm:styleLbl name="sibTrans2D1">
+    <dgm:fillClrLst meth="repeat">
+      <a:schemeClr val="accent1">
+        <a:tint val="60000"/>
+      </a:schemeClr>
+    </dgm:fillClrLst>
+    <dgm:linClrLst meth="repeat">
+      <a:schemeClr val="accent1">
+        <a:tint val="60000"/>
+      </a:schemeClr>
+    </dgm:linClrLst>
+    <dgm:effectClrLst/>
+    <dgm:txLinClrLst/>
+    <dgm:txFillClrLst/>
+    <dgm:txEffectClrLst/>
+  </dgm:styleLbl>
+  <dgm:styleLbl name="fgSibTrans2D1">
+    <dgm:fillClrLst meth="repeat">
+      <a:schemeClr val="accent1">
+        <a:tint val="60000"/>
+      </a:schemeClr>
+    </dgm:fillClrLst>
+    <dgm:linClrLst meth="repeat">
+      <a:schemeClr val="accent1">
+        <a:tint val="60000"/>
+      </a:schemeClr>
+    </dgm:linClrLst>
+    <dgm:effectClrLst/>
+    <dgm:txLinClrLst/>
+    <dgm:txFillClrLst/>
+    <dgm:txEffectClrLst/>
+  </dgm:styleLbl>
+  <dgm:styleLbl name="bgSibTrans2D1">
+    <dgm:fillClrLst meth="repeat">
+      <a:schemeClr val="accent1">
+        <a:tint val="60000"/>
+      </a:schemeClr>
+    </dgm:fillClrLst>
+    <dgm:linClrLst meth="repeat">
+      <a:schemeClr val="accent1">
+        <a:tint val="60000"/>
+      </a:schemeClr>
+    </dgm:linClrLst>
+    <dgm:effectClrLst/>
+    <dgm:txLinClrLst/>
+    <dgm:txFillClrLst/>
+    <dgm:txEffectClrLst/>
+  </dgm:styleLbl>
+  <dgm:styleLbl name="sibTrans1D1">
+    <dgm:fillClrLst meth="repeat">
+      <a:schemeClr val="accent1"/>
+    </dgm:fillClrLst>
+    <dgm:linClrLst meth="repeat">
+      <a:schemeClr val="accent1"/>
+    </dgm:linClrLst>
+    <dgm:effectClrLst/>
+    <dgm:txLinClrLst/>
+    <dgm:txFillClrLst meth="repeat">
+      <a:schemeClr val="tx1"/>
+    </dgm:txFillClrLst>
+    <dgm:txEffectClrLst/>
+  </dgm:styleLbl>
+  <dgm:styleLbl name="callout">
+    <dgm:fillClrLst meth="repeat">
+      <a:schemeClr val="accent1"/>
+    </dgm:fillClrLst>
+    <dgm:linClrLst meth="repeat">
+      <a:schemeClr val="accent1">
+        <a:tint val="50000"/>
+      </a:schemeClr>
+    </dgm:linClrLst>
+    <dgm:effectClrLst/>
+    <dgm:txLinClrLst/>
+    <dgm:txFillClrLst meth="repeat">
+      <a:schemeClr val="tx1"/>
+    </dgm:txFillClrLst>
+    <dgm:txEffectClrLst/>
+  </dgm:styleLbl>
+  <dgm:styleLbl name="asst0">
+    <dgm:fillClrLst meth="repeat">
+      <a:schemeClr val="accent1"/>
+    </dgm:fillClrLst>
+    <dgm:linClrLst meth="repeat">
+      <a:schemeClr val="lt1"/>
+    </dgm:linClrLst>
+    <dgm:effectClrLst/>
+    <dgm:txLinClrLst/>
+    <dgm:txFillClrLst/>
+    <dgm:txEffectClrLst/>
+  </dgm:styleLbl>
+  <dgm:styleLbl name="asst1">
+    <dgm:fillClrLst meth="repeat">
+      <a:schemeClr val="accent1"/>
+    </dgm:fillClrLst>
+    <dgm:linClrLst meth="repeat">
+      <a:schemeClr val="lt1"/>
+    </dgm:linClrLst>
+    <dgm:effectClrLst/>
+    <dgm:txLinClrLst/>
+    <dgm:txFillClrLst/>
+    <dgm:txEffectClrLst/>
+  </dgm:styleLbl>
+  <dgm:styleLbl name="asst2">
+    <dgm:fillClrLst meth="repeat">
+      <a:schemeClr val="accent1"/>
+    </dgm:fillClrLst>
+    <dgm:linClrLst meth="repeat">
+      <a:schemeClr val="lt1"/>
+    </dgm:linClrLst>
+    <dgm:effectClrLst/>
+    <dgm:txLinClrLst/>
+    <dgm:txFillClrLst/>
+    <dgm:txEffectClrLst/>
+  </dgm:styleLbl>
+  <dgm:styleLbl name="asst3">
+    <dgm:fillClrLst meth="repeat">
+      <a:schemeClr val="accent1"/>
+    </dgm:fillClrLst>
+    <dgm:linClrLst meth="repeat">
+      <a:schemeClr val="lt1"/>
+    </dgm:linClrLst>
+    <dgm:effectClrLst/>
+    <dgm:txLinClrLst/>
+    <dgm:txFillClrLst/>
+    <dgm:txEffectClrLst/>
+  </dgm:styleLbl>
+  <dgm:styleLbl name="asst4">
+    <dgm:fillClrLst meth="repeat">
+      <a:schemeClr val="accent1"/>
+    </dgm:fillClrLst>
+    <dgm:linClrLst meth="repeat">
+      <a:schemeClr val="lt1"/>
+    </dgm:linClrLst>
+    <dgm:effectClrLst/>
+    <dgm:txLinClrLst/>
+    <dgm:txFillClrLst/>
+    <dgm:txEffectClrLst/>
+  </dgm:styleLbl>
+  <dgm:styleLbl name="parChTrans2D1">
+    <dgm:fillClrLst meth="repeat">
+      <a:schemeClr val="accent1">
+        <a:tint val="60000"/>
+      </a:schemeClr>
+    </dgm:fillClrLst>
+    <dgm:linClrLst meth="repeat">
+      <a:schemeClr val="accent1">
+        <a:tint val="60000"/>
+      </a:schemeClr>
+    </dgm:linClrLst>
+    <dgm:effectClrLst/>
+    <dgm:txLinClrLst/>
+    <dgm:txFillClrLst meth="repeat">
+      <a:schemeClr val="lt1"/>
+    </dgm:txFillClrLst>
+    <dgm:txEffectClrLst/>
+  </dgm:styleLbl>
+  <dgm:styleLbl name="parChTrans2D2">
+    <dgm:fillClrLst meth="repeat">
+      <a:schemeClr val="accent1"/>
+    </dgm:fillClrLst>
+    <dgm:linClrLst meth="repeat">
+      <a:schemeClr val="accent1"/>
+    </dgm:linClrLst>
+    <dgm:effectClrLst/>
+    <dgm:txLinClrLst/>
+    <dgm:txFillClrLst meth="repeat">
+      <a:schemeClr val="lt1"/>
+    </dgm:txFillClrLst>
+    <dgm:txEffectClrLst/>
+  </dgm:styleLbl>
+  <dgm:styleLbl name="parChTrans2D3">
+    <dgm:fillClrLst meth="repeat">
+      <a:schemeClr val="accent1"/>
+    </dgm:fillClrLst>
+    <dgm:linClrLst meth="repeat">
+      <a:schemeClr val="accent1"/>
+    </dgm:linClrLst>
+    <dgm:effectClrLst/>
+    <dgm:txLinClrLst/>
+    <dgm:txFillClrLst meth="repeat">
+      <a:schemeClr val="lt1"/>
+    </dgm:txFillClrLst>
+    <dgm:txEffectClrLst/>
+  </dgm:styleLbl>
+  <dgm:styleLbl name="parChTrans2D4">
+    <dgm:fillClrLst meth="repeat">
+      <a:schemeClr val="accent1"/>
+    </dgm:fillClrLst>
+    <dgm:linClrLst meth="repeat">
+      <a:schemeClr val="accent1"/>
+    </dgm:linClrLst>
+    <dgm:effectClrLst/>
+    <dgm:txLinClrLst/>
+    <dgm:txFillClrLst meth="repeat">
+      <a:schemeClr val="lt1"/>
+    </dgm:txFillClrLst>
+    <dgm:txEffectClrLst/>
+  </dgm:styleLbl>
+  <dgm:styleLbl name="parChTrans1D1">
+    <dgm:fillClrLst meth="repeat">
+      <a:schemeClr val="accent1"/>
+    </dgm:fillClrLst>
+    <dgm:linClrLst meth="repeat">
+      <a:schemeClr val="accent1">
+        <a:shade val="60000"/>
+      </a:schemeClr>
+    </dgm:linClrLst>
+    <dgm:effectClrLst/>
+    <dgm:txLinClrLst/>
+    <dgm:txFillClrLst meth="repeat">
+      <a:schemeClr val="tx1"/>
+    </dgm:txFillClrLst>
+    <dgm:txEffectClrLst/>
+  </dgm:styleLbl>
+  <dgm:styleLbl name="parChTrans1D2">
+    <dgm:fillClrLst meth="repeat">
+      <a:schemeClr val="accent1"/>
+    </dgm:fillClrLst>
+    <dgm:linClrLst meth="repeat">
+      <a:schemeClr val="accent1">
+        <a:shade val="60000"/>
+      </a:schemeClr>
+    </dgm:linClrLst>
+    <dgm:effectClrLst/>
+    <dgm:txLinClrLst/>
+    <dgm:txFillClrLst meth="repeat">
+      <a:schemeClr val="tx1"/>
+    </dgm:txFillClrLst>
+    <dgm:txEffectClrLst/>
+  </dgm:styleLbl>
+  <dgm:styleLbl name="parChTrans1D3">
+    <dgm:fillClrLst meth="repeat">
+      <a:schemeClr val="accent1"/>
+    </dgm:fillClrLst>
+    <dgm:linClrLst meth="repeat">
+      <a:schemeClr val="accent1">
+        <a:shade val="80000"/>
+      </a:schemeClr>
+    </dgm:linClrLst>
+    <dgm:effectClrLst/>
+    <dgm:txLinClrLst/>
+    <dgm:txFillClrLst meth="repeat">
+      <a:schemeClr val="tx1"/>
+    </dgm:txFillClrLst>
+    <dgm:txEffectClrLst/>
+  </dgm:styleLbl>
+  <dgm:styleLbl name="parChTrans1D4">
+    <dgm:fillClrLst meth="repeat">
+      <a:schemeClr val="accent1"/>
+    </dgm:fillClrLst>
+    <dgm:linClrLst meth="repeat">
+      <a:schemeClr val="accent1">
+        <a:shade val="80000"/>
+      </a:schemeClr>
+    </dgm:linClrLst>
+    <dgm:effectClrLst/>
+    <dgm:txLinClrLst/>
+    <dgm:txFillClrLst meth="repeat">
+      <a:schemeClr val="tx1"/>
+    </dgm:txFillClrLst>
+    <dgm:txEffectClrLst/>
+  </dgm:styleLbl>
+  <dgm:styleLbl name="fgAcc1">
+    <dgm:fillClrLst meth="repeat">
+      <a:schemeClr val="lt1">
+        <a:alpha val="90000"/>
+      </a:schemeClr>
+    </dgm:fillClrLst>
+    <dgm:linClrLst meth="repeat">
+      <a:schemeClr val="accent1"/>
+    </dgm:linClrLst>
+    <dgm:effectClrLst/>
+    <dgm:txLinClrLst/>
+    <dgm:txFillClrLst meth="repeat">
+      <a:schemeClr val="dk1"/>
+    </dgm:txFillClrLst>
+    <dgm:txEffectClrLst/>
+  </dgm:styleLbl>
+  <dgm:styleLbl name="conFgAcc1">
+    <dgm:fillClrLst meth="repeat">
+      <a:schemeClr val="lt1">
+        <a:alpha val="90000"/>
+      </a:schemeClr>
+    </dgm:fillClrLst>
+    <dgm:linClrLst meth="repeat">
+      <a:schemeClr val="accent1"/>
+    </dgm:linClrLst>
+    <dgm:effectClrLst/>
+    <dgm:txLinClrLst/>
+    <dgm:txFillClrLst meth="repeat">
+      <a:schemeClr val="dk1"/>
+    </dgm:txFillClrLst>
+    <dgm:txEffectClrLst/>
+  </dgm:styleLbl>
+  <dgm:styleLbl name="alignAcc1">
+    <dgm:fillClrLst meth="repeat">
+      <a:schemeClr val="lt1">
+        <a:alpha val="90000"/>
+      </a:schemeClr>
+    </dgm:fillClrLst>
+    <dgm:linClrLst meth="repeat">
+      <a:schemeClr val="accent1"/>
+    </dgm:linClrLst>
+    <dgm:effectClrLst/>
+    <dgm:txLinClrLst/>
+    <dgm:txFillClrLst meth="repeat">
+      <a:schemeClr val="dk1"/>
+    </dgm:txFillClrLst>
+    <dgm:txEffectClrLst/>
+  </dgm:styleLbl>
+  <dgm:styleLbl name="trAlignAcc1">
+    <dgm:fillClrLst meth="repeat">
+      <a:schemeClr val="lt1">
+        <a:alpha val="40000"/>
+      </a:schemeClr>
+    </dgm:fillClrLst>
+    <dgm:linClrLst meth="repeat">
+      <a:schemeClr val="accent1"/>
+    </dgm:linClrLst>
+    <dgm:effectClrLst/>
+    <dgm:txLinClrLst/>
+    <dgm:txFillClrLst meth="repeat">
+      <a:schemeClr val="dk1"/>
+    </dgm:txFillClrLst>
+    <dgm:txEffectClrLst/>
+  </dgm:styleLbl>
+  <dgm:styleLbl name="bgAcc1">
+    <dgm:fillClrLst meth="repeat">
+      <a:schemeClr val="lt1">
+        <a:alpha val="90000"/>
+      </a:schemeClr>
+    </dgm:fillClrLst>
+    <dgm:linClrLst meth="repeat">
+      <a:schemeClr val="accent1"/>
+    </dgm:linClrLst>
+    <dgm:effectClrLst/>
+    <dgm:txLinClrLst/>
+    <dgm:txFillClrLst meth="repeat">
+      <a:schemeClr val="dk1"/>
+    </dgm:txFillClrLst>
+    <dgm:txEffectClrLst/>
+  </dgm:styleLbl>
+  <dgm:styleLbl name="solidFgAcc1">
+    <dgm:fillClrLst meth="repeat">
+      <a:schemeClr val="lt1"/>
+    </dgm:fillClrLst>
+    <dgm:linClrLst meth="repeat">
+      <a:schemeClr val="accent1"/>
+    </dgm:linClrLst>
+    <dgm:effectClrLst/>
+    <dgm:txLinClrLst/>
+    <dgm:txFillClrLst meth="repeat">
+      <a:schemeClr val="dk1"/>
+    </dgm:txFillClrLst>
+    <dgm:txEffectClrLst/>
+  </dgm:styleLbl>
+  <dgm:styleLbl name="solidAlignAcc1">
+    <dgm:fillClrLst meth="repeat">
+      <a:schemeClr val="lt1"/>
+    </dgm:fillClrLst>
+    <dgm:linClrLst meth="repeat">
+      <a:schemeClr val="accent1"/>
+    </dgm:linClrLst>
+    <dgm:effectClrLst/>
+    <dgm:txLinClrLst/>
+    <dgm:txFillClrLst meth="repeat">
+      <a:schemeClr val="dk1"/>
+    </dgm:txFillClrLst>
+    <dgm:txEffectClrLst/>
+  </dgm:styleLbl>
+  <dgm:styleLbl name="solidBgAcc1">
+    <dgm:fillClrLst meth="repeat">
+      <a:schemeClr val="lt1"/>
+    </dgm:fillClrLst>
+    <dgm:linClrLst meth="repeat">
+      <a:schemeClr val="accent1"/>
+    </dgm:linClrLst>
+    <dgm:effectClrLst/>
+    <dgm:txLinClrLst/>
+    <dgm:txFillClrLst meth="repeat">
+      <a:schemeClr val="dk1"/>
+    </dgm:txFillClrLst>
+    <dgm:txEffectClrLst/>
+  </dgm:styleLbl>
+  <dgm:styleLbl name="fgAccFollowNode1">
+    <dgm:fillClrLst meth="repeat">
+      <a:schemeClr val="accent1">
+        <a:alpha val="90000"/>
+        <a:tint val="40000"/>
+      </a:schemeClr>
+    </dgm:fillClrLst>
+    <dgm:linClrLst meth="repeat">
+      <a:schemeClr val="accent1">
+        <a:alpha val="90000"/>
+        <a:tint val="40000"/>
+      </a:schemeClr>
+    </dgm:linClrLst>
+    <dgm:effectClrLst/>
+    <dgm:txLinClrLst/>
+    <dgm:txFillClrLst meth="repeat">
+      <a:schemeClr val="dk1"/>
+    </dgm:txFillClrLst>
+    <dgm:txEffectClrLst/>
+  </dgm:styleLbl>
+  <dgm:styleLbl name="alignAccFollowNode1">
+    <dgm:fillClrLst meth="repeat">
+      <a:schemeClr val="accent1">
+        <a:alpha val="90000"/>
+        <a:tint val="40000"/>
+      </a:schemeClr>
+    </dgm:fillClrLst>
+    <dgm:linClrLst meth="repeat">
+      <a:schemeClr val="accent1">
+        <a:alpha val="90000"/>
+        <a:tint val="40000"/>
+      </a:schemeClr>
+    </dgm:linClrLst>
+    <dgm:effectClrLst/>
+    <dgm:txLinClrLst/>
+    <dgm:txFillClrLst meth="repeat">
+      <a:schemeClr val="dk1"/>
+    </dgm:txFillClrLst>
+    <dgm:txEffectClrLst/>
+  </dgm:styleLbl>
+  <dgm:styleLbl name="bgAccFollowNode1">
+    <dgm:fillClrLst meth="repeat">
+      <a:schemeClr val="accent1">
+        <a:alpha val="90000"/>
+        <a:tint val="40000"/>
+      </a:schemeClr>
+    </dgm:fillClrLst>
+    <dgm:linClrLst meth="repeat">
+      <a:schemeClr val="accent1">
+        <a:alpha val="90000"/>
+        <a:tint val="40000"/>
+      </a:schemeClr>
+    </dgm:linClrLst>
+    <dgm:effectClrLst/>
+    <dgm:txLinClrLst/>
+    <dgm:txFillClrLst meth="repeat">
+      <a:schemeClr val="dk1"/>
+    </dgm:txFillClrLst>
+    <dgm:txEffectClrLst/>
+  </dgm:styleLbl>
+  <dgm:styleLbl name="fgAcc0">
+    <dgm:fillClrLst meth="repeat">
+      <a:schemeClr val="lt1">
+        <a:alpha val="90000"/>
+      </a:schemeClr>
+    </dgm:fillClrLst>
+    <dgm:linClrLst meth="repeat">
+      <a:schemeClr val="accent1"/>
+    </dgm:linClrLst>
+    <dgm:effectClrLst/>
+    <dgm:txLinClrLst/>
+    <dgm:txFillClrLst meth="repeat">
+      <a:schemeClr val="dk1"/>
+    </dgm:txFillClrLst>
+    <dgm:txEffectClrLst/>
+  </dgm:styleLbl>
+  <dgm:styleLbl name="fgAcc2">
+    <dgm:fillClrLst meth="repeat">
+      <a:schemeClr val="lt1">
+        <a:alpha val="90000"/>
+      </a:schemeClr>
+    </dgm:fillClrLst>
+    <dgm:linClrLst meth="repeat">
+      <a:schemeClr val="accent1"/>
+    </dgm:linClrLst>
+    <dgm:effectClrLst/>
+    <dgm:txLinClrLst/>
+    <dgm:txFillClrLst meth="repeat">
+      <a:schemeClr val="dk1"/>
+    </dgm:txFillClrLst>
+    <dgm:txEffectClrLst/>
+  </dgm:styleLbl>
+  <dgm:styleLbl name="fgAcc3">
+    <dgm:fillClrLst meth="repeat">
+      <a:schemeClr val="lt1">
+        <a:alpha val="90000"/>
+      </a:schemeClr>
+    </dgm:fillClrLst>
+    <dgm:linClrLst meth="repeat">
+      <a:schemeClr val="accent1"/>
+    </dgm:linClrLst>
+    <dgm:effectClrLst/>
+    <dgm:txLinClrLst/>
+    <dgm:txFillClrLst meth="repeat">
+      <a:schemeClr val="dk1"/>
+    </dgm:txFillClrLst>
+    <dgm:txEffectClrLst/>
+  </dgm:styleLbl>
+  <dgm:styleLbl name="fgAcc4">
+    <dgm:fillClrLst meth="repeat">
+      <a:schemeClr val="lt1">
+        <a:alpha val="90000"/>
+      </a:schemeClr>
+    </dgm:fillClrLst>
+    <dgm:linClrLst meth="repeat">
+      <a:schemeClr val="accent1"/>
+    </dgm:linClrLst>
+    <dgm:effectClrLst/>
+    <dgm:txLinClrLst/>
+    <dgm:txFillClrLst meth="repeat">
+      <a:schemeClr val="dk1"/>
+    </dgm:txFillClrLst>
+    <dgm:txEffectClrLst/>
+  </dgm:styleLbl>
+  <dgm:styleLbl name="bgShp">
+    <dgm:fillClrLst meth="repeat">
+      <a:schemeClr val="accent1">
+        <a:tint val="40000"/>
+      </a:schemeClr>
+    </dgm:fillClrLst>
+    <dgm:linClrLst meth="repeat">
+      <a:schemeClr val="accent1"/>
+    </dgm:linClrLst>
+    <dgm:effectClrLst/>
+    <dgm:txLinClrLst/>
+    <dgm:txFillClrLst meth="repeat">
+      <a:schemeClr val="dk1"/>
+    </dgm:txFillClrLst>
+    <dgm:txEffectClrLst/>
+  </dgm:styleLbl>
+  <dgm:styleLbl name="dkBgShp">
+    <dgm:fillClrLst meth="repeat">
+      <a:schemeClr val="accent1">
+        <a:shade val="80000"/>
+      </a:schemeClr>
+    </dgm:fillClrLst>
+    <dgm:linClrLst meth="repeat">
+      <a:schemeClr val="accent1"/>
+    </dgm:linClrLst>
+    <dgm:effectClrLst/>
+    <dgm:txLinClrLst/>
+    <dgm:txFillClrLst meth="repeat">
+      <a:schemeClr val="lt1"/>
+    </dgm:txFillClrLst>
+    <dgm:txEffectClrLst/>
+  </dgm:styleLbl>
+  <dgm:styleLbl name="trBgShp">
+    <dgm:fillClrLst meth="repeat">
+      <a:schemeClr val="accent1">
+        <a:tint val="50000"/>
+        <a:alpha val="40000"/>
+      </a:schemeClr>
+    </dgm:fillClrLst>
+    <dgm:linClrLst meth="repeat">
+      <a:schemeClr val="accent1"/>
+    </dgm:linClrLst>
+    <dgm:effectClrLst/>
+    <dgm:txLinClrLst/>
+    <dgm:txFillClrLst meth="repeat">
+      <a:schemeClr val="lt1"/>
+    </dgm:txFillClrLst>
+    <dgm:txEffectClrLst/>
+  </dgm:styleLbl>
+  <dgm:styleLbl name="fgShp">
+    <dgm:fillClrLst meth="repeat">
+      <a:schemeClr val="accent1">
+        <a:tint val="60000"/>
+      </a:schemeClr>
+    </dgm:fillClrLst>
+    <dgm:linClrLst meth="repeat">
+      <a:schemeClr val="lt1"/>
+    </dgm:linClrLst>
+    <dgm:effectClrLst/>
+    <dgm:txLinClrLst/>
+    <dgm:txFillClrLst meth="repeat">
+      <a:schemeClr val="dk1"/>
+    </dgm:txFillClrLst>
+    <dgm:txEffectClrLst/>
+  </dgm:styleLbl>
+  <dgm:styleLbl name="revTx">
+    <dgm:fillClrLst meth="repeat">
+      <a:schemeClr val="lt1">
+        <a:alpha val="0"/>
+      </a:schemeClr>
+    </dgm:fillClrLst>
+    <dgm:linClrLst meth="repeat">
+      <a:schemeClr val="dk1">
+        <a:alpha val="0"/>
+      </a:schemeClr>
+    </dgm:linClrLst>
+    <dgm:effectClrLst/>
+    <dgm:txLinClrLst/>
+    <dgm:txFillClrLst meth="repeat">
+      <a:schemeClr val="tx1"/>
+    </dgm:txFillClrLst>
+    <dgm:txEffectClrLst/>
+  </dgm:styleLbl>
+</dgm:colorsDef>
+</file>
+
+<file path=ppt/diagrams/data1.xml><?xml version="1.0" encoding="utf-8"?>
+<dgm:dataModel xmlns:dgm="http://schemas.openxmlformats.org/drawingml/2006/diagram" xmlns:a="http://schemas.openxmlformats.org/drawingml/2006/main">
+  <dgm:ptLst>
+    <dgm:pt modelId="{7A637E52-F532-CF44-AC17-9D2BB237AA4F}" type="doc">
+      <dgm:prSet loTypeId="urn:microsoft.com/office/officeart/2005/8/layout/hierarchy2" loCatId="" qsTypeId="urn:microsoft.com/office/officeart/2005/8/quickstyle/simple1" qsCatId="simple" csTypeId="urn:microsoft.com/office/officeart/2005/8/colors/accent1_2" csCatId="accent1" phldr="1"/>
+      <dgm:spPr/>
+      <dgm:t>
+        <a:bodyPr/>
+        <a:lstStyle/>
+        <a:p>
+          <a:endParaRPr lang="en-GB"/>
+        </a:p>
+      </dgm:t>
+    </dgm:pt>
+    <dgm:pt modelId="{1853638F-E52D-4E46-8306-42CF0A783501}">
+      <dgm:prSet phldrT="[Text]"/>
+      <dgm:spPr/>
+      <dgm:t>
+        <a:bodyPr/>
+        <a:lstStyle/>
+        <a:p>
+          <a:r>
+            <a:rPr lang="en-GB" dirty="0"/>
+            <a:t> y = 1</a:t>
+          </a:r>
+        </a:p>
+        <a:p>
+          <a:r>
+            <a:rPr lang="en-GB" dirty="0"/>
+            <a:t>(chi2 test)</a:t>
+          </a:r>
+        </a:p>
+      </dgm:t>
+    </dgm:pt>
+    <dgm:pt modelId="{28B3BC6A-A87A-7444-B69A-5126EA57C515}" type="parTrans" cxnId="{12721A78-3B20-D744-835C-D4F2056FFC17}">
+      <dgm:prSet/>
+      <dgm:spPr/>
+      <dgm:t>
+        <a:bodyPr/>
+        <a:lstStyle/>
+        <a:p>
+          <a:endParaRPr lang="en-GB"/>
+        </a:p>
+      </dgm:t>
+    </dgm:pt>
+    <dgm:pt modelId="{68BE1D66-1B70-3140-9D27-A5BA698F3D5D}" type="sibTrans" cxnId="{12721A78-3B20-D744-835C-D4F2056FFC17}">
+      <dgm:prSet/>
+      <dgm:spPr/>
+      <dgm:t>
+        <a:bodyPr/>
+        <a:lstStyle/>
+        <a:p>
+          <a:endParaRPr lang="en-GB"/>
+        </a:p>
+      </dgm:t>
+    </dgm:pt>
+    <dgm:pt modelId="{44981C7D-3919-544E-A02B-825CB90B3C42}">
+      <dgm:prSet phldrT="[Text]"/>
+      <dgm:spPr/>
+      <dgm:t>
+        <a:bodyPr/>
+        <a:lstStyle/>
+        <a:p>
+          <a:r>
+            <a:rPr lang="en-GB" dirty="0"/>
+            <a:t>Fit constant c  </a:t>
+          </a:r>
+        </a:p>
+        <a:p>
+          <a:r>
+            <a:rPr lang="en-GB" dirty="0"/>
+            <a:t>(chi2 test)</a:t>
+          </a:r>
+        </a:p>
+      </dgm:t>
+    </dgm:pt>
+    <dgm:pt modelId="{4C24FA98-9B46-D34F-A7E9-5C770A3A221B}" type="parTrans" cxnId="{046EED0A-07F7-A44A-BD29-F1B257300DB7}">
+      <dgm:prSet/>
+      <dgm:spPr>
+        <a:ln>
+          <a:solidFill>
+            <a:srgbClr val="C00000"/>
+          </a:solidFill>
+        </a:ln>
+      </dgm:spPr>
+      <dgm:t>
+        <a:bodyPr/>
+        <a:lstStyle/>
+        <a:p>
+          <a:endParaRPr lang="en-GB"/>
+        </a:p>
+      </dgm:t>
+    </dgm:pt>
+    <dgm:pt modelId="{CDC014AF-5461-3040-902A-4B6E6DED4911}" type="sibTrans" cxnId="{046EED0A-07F7-A44A-BD29-F1B257300DB7}">
+      <dgm:prSet/>
+      <dgm:spPr/>
+      <dgm:t>
+        <a:bodyPr/>
+        <a:lstStyle/>
+        <a:p>
+          <a:endParaRPr lang="en-GB"/>
+        </a:p>
+      </dgm:t>
+    </dgm:pt>
+    <dgm:pt modelId="{1CA95793-C744-664F-9724-D6E6CD78AC0E}">
+      <dgm:prSet phldrT="[Text]"/>
+      <dgm:spPr/>
+      <dgm:t>
+        <a:bodyPr/>
+        <a:lstStyle/>
+        <a:p>
+          <a:r>
+            <a:rPr lang="en-GB" dirty="0"/>
+            <a:t>Fit linear </a:t>
+          </a:r>
+        </a:p>
+        <a:p>
+          <a:r>
+            <a:rPr lang="en-GB" dirty="0"/>
+            <a:t>mx + n</a:t>
+          </a:r>
+        </a:p>
+        <a:p>
+          <a:r>
+            <a:rPr lang="en-GB" dirty="0"/>
+            <a:t>(chi2 test)</a:t>
+          </a:r>
+        </a:p>
+      </dgm:t>
+    </dgm:pt>
+    <dgm:pt modelId="{B5C7B50C-CD58-8A43-A48B-0897C0310A77}" type="parTrans" cxnId="{FBAB2BF9-671A-4142-8F8F-351F6A1FFF29}">
+      <dgm:prSet/>
+      <dgm:spPr>
+        <a:ln>
+          <a:solidFill>
+            <a:srgbClr val="C00000"/>
+          </a:solidFill>
+        </a:ln>
+      </dgm:spPr>
+      <dgm:t>
+        <a:bodyPr/>
+        <a:lstStyle/>
+        <a:p>
+          <a:endParaRPr lang="en-GB"/>
+        </a:p>
+      </dgm:t>
+    </dgm:pt>
+    <dgm:pt modelId="{4B12B2B0-B0ED-2549-8AD0-FE8B6FE2D1AD}" type="sibTrans" cxnId="{FBAB2BF9-671A-4142-8F8F-351F6A1FFF29}">
+      <dgm:prSet/>
+      <dgm:spPr/>
+      <dgm:t>
+        <a:bodyPr/>
+        <a:lstStyle/>
+        <a:p>
+          <a:endParaRPr lang="en-GB"/>
+        </a:p>
+      </dgm:t>
+    </dgm:pt>
+    <dgm:pt modelId="{04DBFE41-7F04-8447-9198-9CE32B90920D}">
+      <dgm:prSet phldrT="[Text]"/>
+      <dgm:spPr/>
+      <dgm:t>
+        <a:bodyPr/>
+        <a:lstStyle/>
+        <a:p>
+          <a:r>
+            <a:rPr lang="en-GB" dirty="0"/>
+            <a:t>Set f(x) = c </a:t>
+          </a:r>
+        </a:p>
+      </dgm:t>
+    </dgm:pt>
+    <dgm:pt modelId="{59DDC025-002E-0348-B732-6E2062E10636}" type="parTrans" cxnId="{C506382D-E5AA-5141-90E1-971EBCDD8EE5}">
+      <dgm:prSet/>
+      <dgm:spPr>
+        <a:ln>
+          <a:solidFill>
+            <a:schemeClr val="accent6"/>
+          </a:solidFill>
+        </a:ln>
+      </dgm:spPr>
+      <dgm:t>
+        <a:bodyPr/>
+        <a:lstStyle/>
+        <a:p>
+          <a:endParaRPr lang="en-GB">
+            <a:highlight>
+              <a:srgbClr val="008000"/>
+            </a:highlight>
+          </a:endParaRPr>
+        </a:p>
+      </dgm:t>
+    </dgm:pt>
+    <dgm:pt modelId="{5C1A25C1-71DD-C046-986A-CB0E3E4AC83C}" type="sibTrans" cxnId="{C506382D-E5AA-5141-90E1-971EBCDD8EE5}">
+      <dgm:prSet/>
+      <dgm:spPr/>
+      <dgm:t>
+        <a:bodyPr/>
+        <a:lstStyle/>
+        <a:p>
+          <a:endParaRPr lang="en-GB"/>
+        </a:p>
+      </dgm:t>
+    </dgm:pt>
+    <dgm:pt modelId="{F11CFEE3-813B-6E47-802C-95C1AE294D9C}">
+      <dgm:prSet phldrT="[Text]"/>
+      <dgm:spPr/>
+      <dgm:t>
+        <a:bodyPr/>
+        <a:lstStyle/>
+        <a:p>
+          <a:r>
+            <a:rPr lang="en-GB" dirty="0"/>
+            <a:t>Set f(x) = 1</a:t>
+          </a:r>
+        </a:p>
+      </dgm:t>
+    </dgm:pt>
+    <dgm:pt modelId="{0078718C-AB5C-284F-B084-28F897D7E550}" type="parTrans" cxnId="{0B0EA864-5A83-8C47-AC9F-BAE00EC65FDB}">
+      <dgm:prSet/>
+      <dgm:spPr>
+        <a:ln>
+          <a:solidFill>
+            <a:schemeClr val="accent6"/>
+          </a:solidFill>
+        </a:ln>
+      </dgm:spPr>
+      <dgm:t>
+        <a:bodyPr/>
+        <a:lstStyle/>
+        <a:p>
+          <a:endParaRPr lang="en-GB">
+            <a:highlight>
+              <a:srgbClr val="008000"/>
+            </a:highlight>
+          </a:endParaRPr>
+        </a:p>
+      </dgm:t>
+    </dgm:pt>
+    <dgm:pt modelId="{B58D0520-FA3E-1749-AAAB-806B15854862}" type="sibTrans" cxnId="{0B0EA864-5A83-8C47-AC9F-BAE00EC65FDB}">
+      <dgm:prSet/>
+      <dgm:spPr/>
+      <dgm:t>
+        <a:bodyPr/>
+        <a:lstStyle/>
+        <a:p>
+          <a:endParaRPr lang="en-GB"/>
+        </a:p>
+      </dgm:t>
+    </dgm:pt>
+    <dgm:pt modelId="{513BC027-A583-DC43-B1E3-EA2877713C8A}">
+      <dgm:prSet/>
+      <dgm:spPr/>
+      <dgm:t>
+        <a:bodyPr/>
+        <a:lstStyle/>
+        <a:p>
+          <a:r>
+            <a:rPr lang="en-GB" dirty="0"/>
+            <a:t>Set f(x) = mx + n</a:t>
+          </a:r>
+        </a:p>
+      </dgm:t>
+    </dgm:pt>
+    <dgm:pt modelId="{04DA3FEB-E024-3D44-9BC6-095CC4AC0459}" type="parTrans" cxnId="{593ACD1A-D02A-604E-8B3E-5B04DF71E8DA}">
+      <dgm:prSet/>
+      <dgm:spPr/>
+      <dgm:t>
+        <a:bodyPr/>
+        <a:lstStyle/>
+        <a:p>
+          <a:endParaRPr lang="en-GB"/>
+        </a:p>
+      </dgm:t>
+    </dgm:pt>
+    <dgm:pt modelId="{90CD8DAA-B1C2-D045-B1C4-48F3B523E4CC}" type="sibTrans" cxnId="{593ACD1A-D02A-604E-8B3E-5B04DF71E8DA}">
+      <dgm:prSet/>
+      <dgm:spPr/>
+      <dgm:t>
+        <a:bodyPr/>
+        <a:lstStyle/>
+        <a:p>
+          <a:endParaRPr lang="en-GB"/>
+        </a:p>
+      </dgm:t>
+    </dgm:pt>
+    <dgm:pt modelId="{21E8807C-D48A-144C-82A6-53E197BE7A92}" type="pres">
+      <dgm:prSet presAssocID="{7A637E52-F532-CF44-AC17-9D2BB237AA4F}" presName="diagram" presStyleCnt="0">
+        <dgm:presLayoutVars>
+          <dgm:chPref val="1"/>
+          <dgm:dir/>
+          <dgm:animOne val="branch"/>
+          <dgm:animLvl val="lvl"/>
+          <dgm:resizeHandles val="exact"/>
+        </dgm:presLayoutVars>
+      </dgm:prSet>
+      <dgm:spPr/>
+    </dgm:pt>
+    <dgm:pt modelId="{43748631-180F-8549-9D3F-3E7242FCE218}" type="pres">
+      <dgm:prSet presAssocID="{1853638F-E52D-4E46-8306-42CF0A783501}" presName="root1" presStyleCnt="0"/>
+      <dgm:spPr/>
+    </dgm:pt>
+    <dgm:pt modelId="{38DC7193-8BD3-1646-BA3D-8C24D30BD2A0}" type="pres">
+      <dgm:prSet presAssocID="{1853638F-E52D-4E46-8306-42CF0A783501}" presName="LevelOneTextNode" presStyleLbl="node0" presStyleIdx="0" presStyleCnt="1" custLinFactNeighborX="-2950" custLinFactNeighborY="-983">
+        <dgm:presLayoutVars>
+          <dgm:chPref val="3"/>
+        </dgm:presLayoutVars>
+      </dgm:prSet>
+      <dgm:spPr/>
+    </dgm:pt>
+    <dgm:pt modelId="{2B240915-1113-0445-9B85-D7D283716073}" type="pres">
+      <dgm:prSet presAssocID="{1853638F-E52D-4E46-8306-42CF0A783501}" presName="level2hierChild" presStyleCnt="0"/>
+      <dgm:spPr/>
+    </dgm:pt>
+    <dgm:pt modelId="{98C19F94-645E-A245-AB3D-F8722B12F77F}" type="pres">
+      <dgm:prSet presAssocID="{4C24FA98-9B46-D34F-A7E9-5C770A3A221B}" presName="conn2-1" presStyleLbl="parChTrans1D2" presStyleIdx="0" presStyleCnt="2"/>
+      <dgm:spPr/>
+    </dgm:pt>
+    <dgm:pt modelId="{BD2D482E-0DCF-A047-B296-5A43E20AEFB1}" type="pres">
+      <dgm:prSet presAssocID="{4C24FA98-9B46-D34F-A7E9-5C770A3A221B}" presName="connTx" presStyleLbl="parChTrans1D2" presStyleIdx="0" presStyleCnt="2"/>
+      <dgm:spPr/>
+    </dgm:pt>
+    <dgm:pt modelId="{2501EC79-DA56-CC4F-B323-FA5E4805DE08}" type="pres">
+      <dgm:prSet presAssocID="{44981C7D-3919-544E-A02B-825CB90B3C42}" presName="root2" presStyleCnt="0"/>
+      <dgm:spPr/>
+    </dgm:pt>
+    <dgm:pt modelId="{CE5E9900-1787-F949-B6B7-99EC59BEBBF0}" type="pres">
+      <dgm:prSet presAssocID="{44981C7D-3919-544E-A02B-825CB90B3C42}" presName="LevelTwoTextNode" presStyleLbl="node2" presStyleIdx="0" presStyleCnt="2">
+        <dgm:presLayoutVars>
+          <dgm:chPref val="3"/>
+        </dgm:presLayoutVars>
+      </dgm:prSet>
+      <dgm:spPr/>
+    </dgm:pt>
+    <dgm:pt modelId="{9CD4E293-5E53-0448-8BAF-B5EED94AB9C3}" type="pres">
+      <dgm:prSet presAssocID="{44981C7D-3919-544E-A02B-825CB90B3C42}" presName="level3hierChild" presStyleCnt="0"/>
+      <dgm:spPr/>
+    </dgm:pt>
+    <dgm:pt modelId="{B445B1AD-B43C-6E49-9C1B-3672B9E8A764}" type="pres">
+      <dgm:prSet presAssocID="{B5C7B50C-CD58-8A43-A48B-0897C0310A77}" presName="conn2-1" presStyleLbl="parChTrans1D3" presStyleIdx="0" presStyleCnt="2"/>
+      <dgm:spPr/>
+    </dgm:pt>
+    <dgm:pt modelId="{C873E855-E81B-974A-A39C-A59826B6E99B}" type="pres">
+      <dgm:prSet presAssocID="{B5C7B50C-CD58-8A43-A48B-0897C0310A77}" presName="connTx" presStyleLbl="parChTrans1D3" presStyleIdx="0" presStyleCnt="2"/>
+      <dgm:spPr/>
+    </dgm:pt>
+    <dgm:pt modelId="{CFF574E8-F21A-0246-8335-1041E6E26280}" type="pres">
+      <dgm:prSet presAssocID="{1CA95793-C744-664F-9724-D6E6CD78AC0E}" presName="root2" presStyleCnt="0"/>
+      <dgm:spPr/>
+    </dgm:pt>
+    <dgm:pt modelId="{D91FA919-03FB-A545-A3E6-2B7A10AE1EDD}" type="pres">
+      <dgm:prSet presAssocID="{1CA95793-C744-664F-9724-D6E6CD78AC0E}" presName="LevelTwoTextNode" presStyleLbl="node3" presStyleIdx="0" presStyleCnt="2">
+        <dgm:presLayoutVars>
+          <dgm:chPref val="3"/>
+        </dgm:presLayoutVars>
+      </dgm:prSet>
+      <dgm:spPr/>
+    </dgm:pt>
+    <dgm:pt modelId="{F1BAADB5-9386-1944-B8DB-1334351B4734}" type="pres">
+      <dgm:prSet presAssocID="{1CA95793-C744-664F-9724-D6E6CD78AC0E}" presName="level3hierChild" presStyleCnt="0"/>
+      <dgm:spPr/>
+    </dgm:pt>
+    <dgm:pt modelId="{9A1F945F-9B0C-F74D-B824-55E3B9FB2C7B}" type="pres">
+      <dgm:prSet presAssocID="{04DA3FEB-E024-3D44-9BC6-095CC4AC0459}" presName="conn2-1" presStyleLbl="parChTrans1D4" presStyleIdx="0" presStyleCnt="1"/>
+      <dgm:spPr/>
+    </dgm:pt>
+    <dgm:pt modelId="{B80D994D-0256-4A45-B6B9-DE1CCDE11234}" type="pres">
+      <dgm:prSet presAssocID="{04DA3FEB-E024-3D44-9BC6-095CC4AC0459}" presName="connTx" presStyleLbl="parChTrans1D4" presStyleIdx="0" presStyleCnt="1"/>
+      <dgm:spPr/>
+    </dgm:pt>
+    <dgm:pt modelId="{92F9A857-7234-8047-857E-C90A0AC8D730}" type="pres">
+      <dgm:prSet presAssocID="{513BC027-A583-DC43-B1E3-EA2877713C8A}" presName="root2" presStyleCnt="0"/>
+      <dgm:spPr/>
+    </dgm:pt>
+    <dgm:pt modelId="{F204EF66-3632-0F4F-883E-F6C60E71E3D6}" type="pres">
+      <dgm:prSet presAssocID="{513BC027-A583-DC43-B1E3-EA2877713C8A}" presName="LevelTwoTextNode" presStyleLbl="node4" presStyleIdx="0" presStyleCnt="1">
+        <dgm:presLayoutVars>
+          <dgm:chPref val="3"/>
+        </dgm:presLayoutVars>
+      </dgm:prSet>
+      <dgm:spPr/>
+    </dgm:pt>
+    <dgm:pt modelId="{B1A7D76A-9E05-2E4B-A127-A02EF4367CF2}" type="pres">
+      <dgm:prSet presAssocID="{513BC027-A583-DC43-B1E3-EA2877713C8A}" presName="level3hierChild" presStyleCnt="0"/>
+      <dgm:spPr/>
+    </dgm:pt>
+    <dgm:pt modelId="{B1EE6702-A627-7A41-AE5E-59AA89F52973}" type="pres">
+      <dgm:prSet presAssocID="{59DDC025-002E-0348-B732-6E2062E10636}" presName="conn2-1" presStyleLbl="parChTrans1D3" presStyleIdx="1" presStyleCnt="2"/>
+      <dgm:spPr/>
+    </dgm:pt>
+    <dgm:pt modelId="{45EB6277-20B3-3745-97C9-D3E843A3D71D}" type="pres">
+      <dgm:prSet presAssocID="{59DDC025-002E-0348-B732-6E2062E10636}" presName="connTx" presStyleLbl="parChTrans1D3" presStyleIdx="1" presStyleCnt="2"/>
+      <dgm:spPr/>
+    </dgm:pt>
+    <dgm:pt modelId="{1065824F-29A3-2E47-A318-3C6DB8691D6D}" type="pres">
+      <dgm:prSet presAssocID="{04DBFE41-7F04-8447-9198-9CE32B90920D}" presName="root2" presStyleCnt="0"/>
+      <dgm:spPr/>
+    </dgm:pt>
+    <dgm:pt modelId="{35D6B2E7-D344-494C-AF3C-9714D2AE73B4}" type="pres">
+      <dgm:prSet presAssocID="{04DBFE41-7F04-8447-9198-9CE32B90920D}" presName="LevelTwoTextNode" presStyleLbl="node3" presStyleIdx="1" presStyleCnt="2">
+        <dgm:presLayoutVars>
+          <dgm:chPref val="3"/>
+        </dgm:presLayoutVars>
+      </dgm:prSet>
+      <dgm:spPr/>
+    </dgm:pt>
+    <dgm:pt modelId="{B3948C73-D213-4D44-AF29-48EADBACBDEF}" type="pres">
+      <dgm:prSet presAssocID="{04DBFE41-7F04-8447-9198-9CE32B90920D}" presName="level3hierChild" presStyleCnt="0"/>
+      <dgm:spPr/>
+    </dgm:pt>
+    <dgm:pt modelId="{1B078242-C4E3-B54B-A7B4-54D40D1D8CD8}" type="pres">
+      <dgm:prSet presAssocID="{0078718C-AB5C-284F-B084-28F897D7E550}" presName="conn2-1" presStyleLbl="parChTrans1D2" presStyleIdx="1" presStyleCnt="2"/>
+      <dgm:spPr/>
+    </dgm:pt>
+    <dgm:pt modelId="{DC23C522-FC23-334E-AD52-87B2FAAD451E}" type="pres">
+      <dgm:prSet presAssocID="{0078718C-AB5C-284F-B084-28F897D7E550}" presName="connTx" presStyleLbl="parChTrans1D2" presStyleIdx="1" presStyleCnt="2"/>
+      <dgm:spPr/>
+    </dgm:pt>
+    <dgm:pt modelId="{3F055A9C-3D2D-AF44-9002-8AD1FB8C0EAA}" type="pres">
+      <dgm:prSet presAssocID="{F11CFEE3-813B-6E47-802C-95C1AE294D9C}" presName="root2" presStyleCnt="0"/>
+      <dgm:spPr/>
+    </dgm:pt>
+    <dgm:pt modelId="{7FD029DC-F19B-4043-AC59-8FAEF4443BC6}" type="pres">
+      <dgm:prSet presAssocID="{F11CFEE3-813B-6E47-802C-95C1AE294D9C}" presName="LevelTwoTextNode" presStyleLbl="node2" presStyleIdx="1" presStyleCnt="2">
+        <dgm:presLayoutVars>
+          <dgm:chPref val="3"/>
+        </dgm:presLayoutVars>
+      </dgm:prSet>
+      <dgm:spPr/>
+    </dgm:pt>
+    <dgm:pt modelId="{EF56F181-F6C6-C548-9B91-8C87C74DF4A6}" type="pres">
+      <dgm:prSet presAssocID="{F11CFEE3-813B-6E47-802C-95C1AE294D9C}" presName="level3hierChild" presStyleCnt="0"/>
+      <dgm:spPr/>
+    </dgm:pt>
+  </dgm:ptLst>
+  <dgm:cxnLst>
+    <dgm:cxn modelId="{046EED0A-07F7-A44A-BD29-F1B257300DB7}" srcId="{1853638F-E52D-4E46-8306-42CF0A783501}" destId="{44981C7D-3919-544E-A02B-825CB90B3C42}" srcOrd="0" destOrd="0" parTransId="{4C24FA98-9B46-D34F-A7E9-5C770A3A221B}" sibTransId="{CDC014AF-5461-3040-902A-4B6E6DED4911}"/>
+    <dgm:cxn modelId="{3B80280F-263B-704D-85BC-A3CE6AB27AE6}" type="presOf" srcId="{59DDC025-002E-0348-B732-6E2062E10636}" destId="{45EB6277-20B3-3745-97C9-D3E843A3D71D}" srcOrd="1" destOrd="0" presId="urn:microsoft.com/office/officeart/2005/8/layout/hierarchy2"/>
+    <dgm:cxn modelId="{48FB4F18-83ED-3D43-A471-ACAFF37FDC94}" type="presOf" srcId="{513BC027-A583-DC43-B1E3-EA2877713C8A}" destId="{F204EF66-3632-0F4F-883E-F6C60E71E3D6}" srcOrd="0" destOrd="0" presId="urn:microsoft.com/office/officeart/2005/8/layout/hierarchy2"/>
+    <dgm:cxn modelId="{593ACD1A-D02A-604E-8B3E-5B04DF71E8DA}" srcId="{1CA95793-C744-664F-9724-D6E6CD78AC0E}" destId="{513BC027-A583-DC43-B1E3-EA2877713C8A}" srcOrd="0" destOrd="0" parTransId="{04DA3FEB-E024-3D44-9BC6-095CC4AC0459}" sibTransId="{90CD8DAA-B1C2-D045-B1C4-48F3B523E4CC}"/>
+    <dgm:cxn modelId="{AF2C352B-8624-1C4A-B96D-A559CBF3E97B}" type="presOf" srcId="{59DDC025-002E-0348-B732-6E2062E10636}" destId="{B1EE6702-A627-7A41-AE5E-59AA89F52973}" srcOrd="0" destOrd="0" presId="urn:microsoft.com/office/officeart/2005/8/layout/hierarchy2"/>
+    <dgm:cxn modelId="{C506382D-E5AA-5141-90E1-971EBCDD8EE5}" srcId="{44981C7D-3919-544E-A02B-825CB90B3C42}" destId="{04DBFE41-7F04-8447-9198-9CE32B90920D}" srcOrd="1" destOrd="0" parTransId="{59DDC025-002E-0348-B732-6E2062E10636}" sibTransId="{5C1A25C1-71DD-C046-986A-CB0E3E4AC83C}"/>
+    <dgm:cxn modelId="{874C3D36-31CF-1F49-A773-8F412939C478}" type="presOf" srcId="{04DA3FEB-E024-3D44-9BC6-095CC4AC0459}" destId="{B80D994D-0256-4A45-B6B9-DE1CCDE11234}" srcOrd="1" destOrd="0" presId="urn:microsoft.com/office/officeart/2005/8/layout/hierarchy2"/>
+    <dgm:cxn modelId="{C86D053B-C547-B449-AA8D-495E93B08B91}" type="presOf" srcId="{04DA3FEB-E024-3D44-9BC6-095CC4AC0459}" destId="{9A1F945F-9B0C-F74D-B824-55E3B9FB2C7B}" srcOrd="0" destOrd="0" presId="urn:microsoft.com/office/officeart/2005/8/layout/hierarchy2"/>
+    <dgm:cxn modelId="{E958A445-D96B-E846-A5E3-AB0C03495AC3}" type="presOf" srcId="{4C24FA98-9B46-D34F-A7E9-5C770A3A221B}" destId="{98C19F94-645E-A245-AB3D-F8722B12F77F}" srcOrd="0" destOrd="0" presId="urn:microsoft.com/office/officeart/2005/8/layout/hierarchy2"/>
+    <dgm:cxn modelId="{2A0CDE46-BC44-8F4F-8865-F277273DC086}" type="presOf" srcId="{B5C7B50C-CD58-8A43-A48B-0897C0310A77}" destId="{B445B1AD-B43C-6E49-9C1B-3672B9E8A764}" srcOrd="0" destOrd="0" presId="urn:microsoft.com/office/officeart/2005/8/layout/hierarchy2"/>
+    <dgm:cxn modelId="{D7F3274F-D9A1-F148-9EC7-038F9287D025}" type="presOf" srcId="{04DBFE41-7F04-8447-9198-9CE32B90920D}" destId="{35D6B2E7-D344-494C-AF3C-9714D2AE73B4}" srcOrd="0" destOrd="0" presId="urn:microsoft.com/office/officeart/2005/8/layout/hierarchy2"/>
+    <dgm:cxn modelId="{E0641957-91EF-5F4A-BFB8-129A9EE1E048}" type="presOf" srcId="{F11CFEE3-813B-6E47-802C-95C1AE294D9C}" destId="{7FD029DC-F19B-4043-AC59-8FAEF4443BC6}" srcOrd="0" destOrd="0" presId="urn:microsoft.com/office/officeart/2005/8/layout/hierarchy2"/>
+    <dgm:cxn modelId="{0B0EA864-5A83-8C47-AC9F-BAE00EC65FDB}" srcId="{1853638F-E52D-4E46-8306-42CF0A783501}" destId="{F11CFEE3-813B-6E47-802C-95C1AE294D9C}" srcOrd="1" destOrd="0" parTransId="{0078718C-AB5C-284F-B084-28F897D7E550}" sibTransId="{B58D0520-FA3E-1749-AAAB-806B15854862}"/>
+    <dgm:cxn modelId="{12721A78-3B20-D744-835C-D4F2056FFC17}" srcId="{7A637E52-F532-CF44-AC17-9D2BB237AA4F}" destId="{1853638F-E52D-4E46-8306-42CF0A783501}" srcOrd="0" destOrd="0" parTransId="{28B3BC6A-A87A-7444-B69A-5126EA57C515}" sibTransId="{68BE1D66-1B70-3140-9D27-A5BA698F3D5D}"/>
+    <dgm:cxn modelId="{8D06727B-0179-7248-8B63-6E2236EDA443}" type="presOf" srcId="{B5C7B50C-CD58-8A43-A48B-0897C0310A77}" destId="{C873E855-E81B-974A-A39C-A59826B6E99B}" srcOrd="1" destOrd="0" presId="urn:microsoft.com/office/officeart/2005/8/layout/hierarchy2"/>
+    <dgm:cxn modelId="{CD3FF081-0613-2A4A-8D27-4D4997BDE6AE}" type="presOf" srcId="{0078718C-AB5C-284F-B084-28F897D7E550}" destId="{1B078242-C4E3-B54B-A7B4-54D40D1D8CD8}" srcOrd="0" destOrd="0" presId="urn:microsoft.com/office/officeart/2005/8/layout/hierarchy2"/>
+    <dgm:cxn modelId="{8521F497-AEDE-5049-8F88-61071D5902B1}" type="presOf" srcId="{1CA95793-C744-664F-9724-D6E6CD78AC0E}" destId="{D91FA919-03FB-A545-A3E6-2B7A10AE1EDD}" srcOrd="0" destOrd="0" presId="urn:microsoft.com/office/officeart/2005/8/layout/hierarchy2"/>
+    <dgm:cxn modelId="{7BDA359B-FC47-FB48-9E24-CB9599800C77}" type="presOf" srcId="{4C24FA98-9B46-D34F-A7E9-5C770A3A221B}" destId="{BD2D482E-0DCF-A047-B296-5A43E20AEFB1}" srcOrd="1" destOrd="0" presId="urn:microsoft.com/office/officeart/2005/8/layout/hierarchy2"/>
+    <dgm:cxn modelId="{9390D0B0-5715-E945-A4F0-8EEA7C1A8969}" type="presOf" srcId="{1853638F-E52D-4E46-8306-42CF0A783501}" destId="{38DC7193-8BD3-1646-BA3D-8C24D30BD2A0}" srcOrd="0" destOrd="0" presId="urn:microsoft.com/office/officeart/2005/8/layout/hierarchy2"/>
+    <dgm:cxn modelId="{8ADC36C3-5CCA-EA48-B1DF-64907A9DDAB8}" type="presOf" srcId="{7A637E52-F532-CF44-AC17-9D2BB237AA4F}" destId="{21E8807C-D48A-144C-82A6-53E197BE7A92}" srcOrd="0" destOrd="0" presId="urn:microsoft.com/office/officeart/2005/8/layout/hierarchy2"/>
+    <dgm:cxn modelId="{9DE419E6-6CD2-514F-895B-C92A16152B49}" type="presOf" srcId="{44981C7D-3919-544E-A02B-825CB90B3C42}" destId="{CE5E9900-1787-F949-B6B7-99EC59BEBBF0}" srcOrd="0" destOrd="0" presId="urn:microsoft.com/office/officeart/2005/8/layout/hierarchy2"/>
+    <dgm:cxn modelId="{FBAB2BF9-671A-4142-8F8F-351F6A1FFF29}" srcId="{44981C7D-3919-544E-A02B-825CB90B3C42}" destId="{1CA95793-C744-664F-9724-D6E6CD78AC0E}" srcOrd="0" destOrd="0" parTransId="{B5C7B50C-CD58-8A43-A48B-0897C0310A77}" sibTransId="{4B12B2B0-B0ED-2549-8AD0-FE8B6FE2D1AD}"/>
+    <dgm:cxn modelId="{F91A8DFE-9768-A44A-A129-22484F14E763}" type="presOf" srcId="{0078718C-AB5C-284F-B084-28F897D7E550}" destId="{DC23C522-FC23-334E-AD52-87B2FAAD451E}" srcOrd="1" destOrd="0" presId="urn:microsoft.com/office/officeart/2005/8/layout/hierarchy2"/>
+    <dgm:cxn modelId="{D381842C-C5AA-B94F-9754-9CAFF065D9B6}" type="presParOf" srcId="{21E8807C-D48A-144C-82A6-53E197BE7A92}" destId="{43748631-180F-8549-9D3F-3E7242FCE218}" srcOrd="0" destOrd="0" presId="urn:microsoft.com/office/officeart/2005/8/layout/hierarchy2"/>
+    <dgm:cxn modelId="{9EAB0F30-D85A-A249-8744-2B048ADC27BA}" type="presParOf" srcId="{43748631-180F-8549-9D3F-3E7242FCE218}" destId="{38DC7193-8BD3-1646-BA3D-8C24D30BD2A0}" srcOrd="0" destOrd="0" presId="urn:microsoft.com/office/officeart/2005/8/layout/hierarchy2"/>
+    <dgm:cxn modelId="{7FE091EA-9550-2040-86E3-EB309C3EA93F}" type="presParOf" srcId="{43748631-180F-8549-9D3F-3E7242FCE218}" destId="{2B240915-1113-0445-9B85-D7D283716073}" srcOrd="1" destOrd="0" presId="urn:microsoft.com/office/officeart/2005/8/layout/hierarchy2"/>
+    <dgm:cxn modelId="{E32A8186-C4CD-8048-8655-DBEA8AB2D2FA}" type="presParOf" srcId="{2B240915-1113-0445-9B85-D7D283716073}" destId="{98C19F94-645E-A245-AB3D-F8722B12F77F}" srcOrd="0" destOrd="0" presId="urn:microsoft.com/office/officeart/2005/8/layout/hierarchy2"/>
+    <dgm:cxn modelId="{B27D9B5E-EF90-9348-995D-F2B37571017D}" type="presParOf" srcId="{98C19F94-645E-A245-AB3D-F8722B12F77F}" destId="{BD2D482E-0DCF-A047-B296-5A43E20AEFB1}" srcOrd="0" destOrd="0" presId="urn:microsoft.com/office/officeart/2005/8/layout/hierarchy2"/>
+    <dgm:cxn modelId="{108714EA-44ED-664D-9E39-2B52A5FFCFAD}" type="presParOf" srcId="{2B240915-1113-0445-9B85-D7D283716073}" destId="{2501EC79-DA56-CC4F-B323-FA5E4805DE08}" srcOrd="1" destOrd="0" presId="urn:microsoft.com/office/officeart/2005/8/layout/hierarchy2"/>
+    <dgm:cxn modelId="{D5D2D49A-2E80-F544-9187-89CBD6EF63A5}" type="presParOf" srcId="{2501EC79-DA56-CC4F-B323-FA5E4805DE08}" destId="{CE5E9900-1787-F949-B6B7-99EC59BEBBF0}" srcOrd="0" destOrd="0" presId="urn:microsoft.com/office/officeart/2005/8/layout/hierarchy2"/>
+    <dgm:cxn modelId="{BABDFF1F-456B-984F-B2D0-C5D2E67D9899}" type="presParOf" srcId="{2501EC79-DA56-CC4F-B323-FA5E4805DE08}" destId="{9CD4E293-5E53-0448-8BAF-B5EED94AB9C3}" srcOrd="1" destOrd="0" presId="urn:microsoft.com/office/officeart/2005/8/layout/hierarchy2"/>
+    <dgm:cxn modelId="{DA8DE957-62DA-ED41-B01E-47BC885DC642}" type="presParOf" srcId="{9CD4E293-5E53-0448-8BAF-B5EED94AB9C3}" destId="{B445B1AD-B43C-6E49-9C1B-3672B9E8A764}" srcOrd="0" destOrd="0" presId="urn:microsoft.com/office/officeart/2005/8/layout/hierarchy2"/>
+    <dgm:cxn modelId="{3E801598-D395-7448-9167-B16655D3F867}" type="presParOf" srcId="{B445B1AD-B43C-6E49-9C1B-3672B9E8A764}" destId="{C873E855-E81B-974A-A39C-A59826B6E99B}" srcOrd="0" destOrd="0" presId="urn:microsoft.com/office/officeart/2005/8/layout/hierarchy2"/>
+    <dgm:cxn modelId="{E251E88F-DDDB-BC47-974F-C63EEFA93819}" type="presParOf" srcId="{9CD4E293-5E53-0448-8BAF-B5EED94AB9C3}" destId="{CFF574E8-F21A-0246-8335-1041E6E26280}" srcOrd="1" destOrd="0" presId="urn:microsoft.com/office/officeart/2005/8/layout/hierarchy2"/>
+    <dgm:cxn modelId="{C490D3B4-0881-CF45-BD34-C51AF7E3374F}" type="presParOf" srcId="{CFF574E8-F21A-0246-8335-1041E6E26280}" destId="{D91FA919-03FB-A545-A3E6-2B7A10AE1EDD}" srcOrd="0" destOrd="0" presId="urn:microsoft.com/office/officeart/2005/8/layout/hierarchy2"/>
+    <dgm:cxn modelId="{57DE009D-68FE-0E4E-88F7-6DF5943BC9E2}" type="presParOf" srcId="{CFF574E8-F21A-0246-8335-1041E6E26280}" destId="{F1BAADB5-9386-1944-B8DB-1334351B4734}" srcOrd="1" destOrd="0" presId="urn:microsoft.com/office/officeart/2005/8/layout/hierarchy2"/>
+    <dgm:cxn modelId="{A1EBF797-B9A5-3D44-968C-68D069B834B7}" type="presParOf" srcId="{F1BAADB5-9386-1944-B8DB-1334351B4734}" destId="{9A1F945F-9B0C-F74D-B824-55E3B9FB2C7B}" srcOrd="0" destOrd="0" presId="urn:microsoft.com/office/officeart/2005/8/layout/hierarchy2"/>
+    <dgm:cxn modelId="{62B97115-EAA8-9940-BF3E-CDF9C9A259B3}" type="presParOf" srcId="{9A1F945F-9B0C-F74D-B824-55E3B9FB2C7B}" destId="{B80D994D-0256-4A45-B6B9-DE1CCDE11234}" srcOrd="0" destOrd="0" presId="urn:microsoft.com/office/officeart/2005/8/layout/hierarchy2"/>
+    <dgm:cxn modelId="{E5C127F8-5A48-6848-B002-6ADE233C3195}" type="presParOf" srcId="{F1BAADB5-9386-1944-B8DB-1334351B4734}" destId="{92F9A857-7234-8047-857E-C90A0AC8D730}" srcOrd="1" destOrd="0" presId="urn:microsoft.com/office/officeart/2005/8/layout/hierarchy2"/>
+    <dgm:cxn modelId="{28315139-3158-B445-BB3F-B381F10EA766}" type="presParOf" srcId="{92F9A857-7234-8047-857E-C90A0AC8D730}" destId="{F204EF66-3632-0F4F-883E-F6C60E71E3D6}" srcOrd="0" destOrd="0" presId="urn:microsoft.com/office/officeart/2005/8/layout/hierarchy2"/>
+    <dgm:cxn modelId="{FEB2F252-7BD7-9D47-8745-AF8E966DB85A}" type="presParOf" srcId="{92F9A857-7234-8047-857E-C90A0AC8D730}" destId="{B1A7D76A-9E05-2E4B-A127-A02EF4367CF2}" srcOrd="1" destOrd="0" presId="urn:microsoft.com/office/officeart/2005/8/layout/hierarchy2"/>
+    <dgm:cxn modelId="{3AE84A92-1FF4-6740-8FA2-3416677DDC31}" type="presParOf" srcId="{9CD4E293-5E53-0448-8BAF-B5EED94AB9C3}" destId="{B1EE6702-A627-7A41-AE5E-59AA89F52973}" srcOrd="2" destOrd="0" presId="urn:microsoft.com/office/officeart/2005/8/layout/hierarchy2"/>
+    <dgm:cxn modelId="{1A3073C0-BACD-7B4F-B908-79D0E082952E}" type="presParOf" srcId="{B1EE6702-A627-7A41-AE5E-59AA89F52973}" destId="{45EB6277-20B3-3745-97C9-D3E843A3D71D}" srcOrd="0" destOrd="0" presId="urn:microsoft.com/office/officeart/2005/8/layout/hierarchy2"/>
+    <dgm:cxn modelId="{204683DD-7EB4-BE42-B0F0-20E0F5D03D79}" type="presParOf" srcId="{9CD4E293-5E53-0448-8BAF-B5EED94AB9C3}" destId="{1065824F-29A3-2E47-A318-3C6DB8691D6D}" srcOrd="3" destOrd="0" presId="urn:microsoft.com/office/officeart/2005/8/layout/hierarchy2"/>
+    <dgm:cxn modelId="{153E59C7-4AFE-C04F-8EAD-9AD7C66E7390}" type="presParOf" srcId="{1065824F-29A3-2E47-A318-3C6DB8691D6D}" destId="{35D6B2E7-D344-494C-AF3C-9714D2AE73B4}" srcOrd="0" destOrd="0" presId="urn:microsoft.com/office/officeart/2005/8/layout/hierarchy2"/>
+    <dgm:cxn modelId="{BA8BF7E3-D0AB-B847-8C62-DCE843C88D96}" type="presParOf" srcId="{1065824F-29A3-2E47-A318-3C6DB8691D6D}" destId="{B3948C73-D213-4D44-AF29-48EADBACBDEF}" srcOrd="1" destOrd="0" presId="urn:microsoft.com/office/officeart/2005/8/layout/hierarchy2"/>
+    <dgm:cxn modelId="{AAB07FB1-8191-7843-929F-E4276BDE5B34}" type="presParOf" srcId="{2B240915-1113-0445-9B85-D7D283716073}" destId="{1B078242-C4E3-B54B-A7B4-54D40D1D8CD8}" srcOrd="2" destOrd="0" presId="urn:microsoft.com/office/officeart/2005/8/layout/hierarchy2"/>
+    <dgm:cxn modelId="{CB3E3912-37A0-0742-B44F-CB8623A9071B}" type="presParOf" srcId="{1B078242-C4E3-B54B-A7B4-54D40D1D8CD8}" destId="{DC23C522-FC23-334E-AD52-87B2FAAD451E}" srcOrd="0" destOrd="0" presId="urn:microsoft.com/office/officeart/2005/8/layout/hierarchy2"/>
+    <dgm:cxn modelId="{1ABAB1E2-686F-0A47-9478-2D65740508E8}" type="presParOf" srcId="{2B240915-1113-0445-9B85-D7D283716073}" destId="{3F055A9C-3D2D-AF44-9002-8AD1FB8C0EAA}" srcOrd="3" destOrd="0" presId="urn:microsoft.com/office/officeart/2005/8/layout/hierarchy2"/>
+    <dgm:cxn modelId="{F78B9E07-6088-0E48-9185-7BC70B8302A9}" type="presParOf" srcId="{3F055A9C-3D2D-AF44-9002-8AD1FB8C0EAA}" destId="{7FD029DC-F19B-4043-AC59-8FAEF4443BC6}" srcOrd="0" destOrd="0" presId="urn:microsoft.com/office/officeart/2005/8/layout/hierarchy2"/>
+    <dgm:cxn modelId="{505C43D5-07CD-2448-B4B4-13BE35542857}" type="presParOf" srcId="{3F055A9C-3D2D-AF44-9002-8AD1FB8C0EAA}" destId="{EF56F181-F6C6-C548-9B91-8C87C74DF4A6}" srcOrd="1" destOrd="0" presId="urn:microsoft.com/office/officeart/2005/8/layout/hierarchy2"/>
+  </dgm:cxnLst>
+  <dgm:bg/>
+  <dgm:whole/>
+  <dgm:extLst>
+    <a:ext uri="http://schemas.microsoft.com/office/drawing/2008/diagram">
+      <dsp:dataModelExt xmlns:dsp="http://schemas.microsoft.com/office/drawing/2008/diagram" relId="rId6" minVer="http://schemas.openxmlformats.org/drawingml/2006/diagram"/>
+    </a:ext>
+  </dgm:extLst>
+</dgm:dataModel>
+</file>
+
+<file path=ppt/diagrams/data2.xml><?xml version="1.0" encoding="utf-8"?>
+<dgm:dataModel xmlns:dgm="http://schemas.openxmlformats.org/drawingml/2006/diagram" xmlns:a="http://schemas.openxmlformats.org/drawingml/2006/main">
+  <dgm:ptLst>
+    <dgm:pt modelId="{09D2DFF9-D0E5-E94B-8659-DECACD6FAD89}" type="doc">
+      <dgm:prSet loTypeId="urn:microsoft.com/office/officeart/2005/8/layout/hierarchy2" loCatId="" qsTypeId="urn:microsoft.com/office/officeart/2005/8/quickstyle/simple1" qsCatId="simple" csTypeId="urn:microsoft.com/office/officeart/2005/8/colors/accent1_2" csCatId="accent1" phldr="1"/>
+      <dgm:spPr/>
+      <dgm:t>
+        <a:bodyPr/>
+        <a:lstStyle/>
+        <a:p>
+          <a:endParaRPr lang="en-GB"/>
+        </a:p>
+      </dgm:t>
+    </dgm:pt>
+    <dgm:pt modelId="{4168FCA8-4F5D-3948-B076-C4BC8DF837F0}">
+      <dgm:prSet phldrT="[Text]"/>
+      <dgm:spPr/>
+      <dgm:t>
+        <a:bodyPr/>
+        <a:lstStyle/>
+        <a:p>
+          <a:r>
+            <a:rPr lang="en-GB" dirty="0"/>
+            <a:t>Intersection of f(x) and baseline uncertainties</a:t>
+          </a:r>
+        </a:p>
+      </dgm:t>
+    </dgm:pt>
+    <dgm:pt modelId="{C5484478-BAE2-054B-B85D-D4A7FCD05049}" type="parTrans" cxnId="{741BFF49-C52A-8D49-99BE-0EFB2AD083D5}">
+      <dgm:prSet/>
+      <dgm:spPr/>
+      <dgm:t>
+        <a:bodyPr/>
+        <a:lstStyle/>
+        <a:p>
+          <a:endParaRPr lang="en-GB"/>
+        </a:p>
+      </dgm:t>
+    </dgm:pt>
+    <dgm:pt modelId="{73AB5B80-36BA-D747-BF29-19150D48D263}" type="sibTrans" cxnId="{741BFF49-C52A-8D49-99BE-0EFB2AD083D5}">
+      <dgm:prSet/>
+      <dgm:spPr/>
+      <dgm:t>
+        <a:bodyPr/>
+        <a:lstStyle/>
+        <a:p>
+          <a:endParaRPr lang="en-GB"/>
+        </a:p>
+      </dgm:t>
+    </dgm:pt>
+    <dgm:pt modelId="{A5002E23-540C-2C44-A2E9-52FB90587361}">
+      <dgm:prSet phldrT="[Text]"/>
+      <dgm:spPr/>
+      <dgm:t>
+        <a:bodyPr/>
+        <a:lstStyle/>
+        <a:p>
+          <a:r>
+            <a:rPr lang="en-GB" dirty="0"/>
+            <a:t>f(x) above/below baseline</a:t>
+          </a:r>
+        </a:p>
+      </dgm:t>
+    </dgm:pt>
+    <dgm:pt modelId="{296BAD65-D139-5846-99A1-F599B327A0F6}" type="parTrans" cxnId="{8AE4EBFA-1F16-AE45-91B5-CB538F247FB4}">
+      <dgm:prSet/>
+      <dgm:spPr>
+        <a:ln>
+          <a:solidFill>
+            <a:srgbClr val="C00000"/>
+          </a:solidFill>
+        </a:ln>
+      </dgm:spPr>
+      <dgm:t>
+        <a:bodyPr/>
+        <a:lstStyle/>
+        <a:p>
+          <a:endParaRPr lang="en-GB"/>
+        </a:p>
+      </dgm:t>
+    </dgm:pt>
+    <dgm:pt modelId="{FFB5F476-B205-8C44-99C1-21FF1BD1D698}" type="sibTrans" cxnId="{8AE4EBFA-1F16-AE45-91B5-CB538F247FB4}">
+      <dgm:prSet/>
+      <dgm:spPr/>
+      <dgm:t>
+        <a:bodyPr/>
+        <a:lstStyle/>
+        <a:p>
+          <a:endParaRPr lang="en-GB"/>
+        </a:p>
+      </dgm:t>
+    </dgm:pt>
+    <dgm:pt modelId="{53F90A62-AF4F-E849-B458-524B1A83ED39}">
+      <dgm:prSet phldrT="[Text]"/>
+      <dgm:spPr/>
+      <dgm:t>
+        <a:bodyPr/>
+        <a:lstStyle/>
+        <a:p>
+          <a:r>
+            <a:rPr lang="en-GB" dirty="0"/>
+            <a:t>Set f(x) to upper limit of baseline uncertainty</a:t>
+          </a:r>
+        </a:p>
+      </dgm:t>
+    </dgm:pt>
+    <dgm:pt modelId="{07EB26FC-3FB5-244F-994D-9829E750590D}" type="parTrans" cxnId="{544BFABA-579D-AE47-BA17-A0AD96F950B7}">
+      <dgm:prSet/>
+      <dgm:spPr/>
+      <dgm:t>
+        <a:bodyPr/>
+        <a:lstStyle/>
+        <a:p>
+          <a:endParaRPr lang="en-GB"/>
+        </a:p>
+      </dgm:t>
+    </dgm:pt>
+    <dgm:pt modelId="{2D9B8D18-403A-AC4E-90E6-3FB368457C39}" type="sibTrans" cxnId="{544BFABA-579D-AE47-BA17-A0AD96F950B7}">
+      <dgm:prSet/>
+      <dgm:spPr/>
+      <dgm:t>
+        <a:bodyPr/>
+        <a:lstStyle/>
+        <a:p>
+          <a:endParaRPr lang="en-GB"/>
+        </a:p>
+      </dgm:t>
+    </dgm:pt>
+    <dgm:pt modelId="{6269372E-3E17-B64B-80C3-89D91844EA5D}">
+      <dgm:prSet phldrT="[Text]"/>
+      <dgm:spPr/>
+      <dgm:t>
+        <a:bodyPr/>
+        <a:lstStyle/>
+        <a:p>
+          <a:r>
+            <a:rPr lang="en-GB" dirty="0"/>
+            <a:t>Set f(x) to lower limit of baseline uncertainty</a:t>
+          </a:r>
+        </a:p>
+      </dgm:t>
+    </dgm:pt>
+    <dgm:pt modelId="{15486C3D-EB42-4E44-A0BC-FCE1CF976681}" type="parTrans" cxnId="{13D63C86-BC7E-C94F-BE9D-B19174245E06}">
+      <dgm:prSet/>
+      <dgm:spPr/>
+      <dgm:t>
+        <a:bodyPr/>
+        <a:lstStyle/>
+        <a:p>
+          <a:endParaRPr lang="en-GB"/>
+        </a:p>
+      </dgm:t>
+    </dgm:pt>
+    <dgm:pt modelId="{77A1A744-5B1B-D04A-B982-3D168FA07B70}" type="sibTrans" cxnId="{13D63C86-BC7E-C94F-BE9D-B19174245E06}">
+      <dgm:prSet/>
+      <dgm:spPr/>
+      <dgm:t>
+        <a:bodyPr/>
+        <a:lstStyle/>
+        <a:p>
+          <a:endParaRPr lang="en-GB"/>
+        </a:p>
+      </dgm:t>
+    </dgm:pt>
+    <dgm:pt modelId="{D3AB9C36-2D66-1846-B585-1EAFB662DC0E}">
+      <dgm:prSet phldrT="[Text]"/>
+      <dgm:spPr/>
+      <dgm:t>
+        <a:bodyPr/>
+        <a:lstStyle/>
+        <a:p>
+          <a:r>
+            <a:rPr lang="en-GB" dirty="0"/>
+            <a:t>done</a:t>
+          </a:r>
+        </a:p>
+      </dgm:t>
+    </dgm:pt>
+    <dgm:pt modelId="{3755310C-431D-1741-9E91-A38866059368}" type="parTrans" cxnId="{DF2703A2-92F4-BC4C-9B94-6EEFF320AC0E}">
+      <dgm:prSet/>
+      <dgm:spPr>
+        <a:ln>
+          <a:solidFill>
+            <a:schemeClr val="accent6"/>
+          </a:solidFill>
+        </a:ln>
+      </dgm:spPr>
+      <dgm:t>
+        <a:bodyPr/>
+        <a:lstStyle/>
+        <a:p>
+          <a:endParaRPr lang="en-GB"/>
+        </a:p>
+      </dgm:t>
+    </dgm:pt>
+    <dgm:pt modelId="{545F9524-5D0A-CF41-A5DF-57AB8544C6AA}" type="sibTrans" cxnId="{DF2703A2-92F4-BC4C-9B94-6EEFF320AC0E}">
+      <dgm:prSet/>
+      <dgm:spPr/>
+      <dgm:t>
+        <a:bodyPr/>
+        <a:lstStyle/>
+        <a:p>
+          <a:endParaRPr lang="en-GB"/>
+        </a:p>
+      </dgm:t>
+    </dgm:pt>
+    <dgm:pt modelId="{3759CDD6-1499-754E-9A97-B55664418248}" type="pres">
+      <dgm:prSet presAssocID="{09D2DFF9-D0E5-E94B-8659-DECACD6FAD89}" presName="diagram" presStyleCnt="0">
+        <dgm:presLayoutVars>
+          <dgm:chPref val="1"/>
+          <dgm:dir/>
+          <dgm:animOne val="branch"/>
+          <dgm:animLvl val="lvl"/>
+          <dgm:resizeHandles val="exact"/>
+        </dgm:presLayoutVars>
+      </dgm:prSet>
+      <dgm:spPr/>
+    </dgm:pt>
+    <dgm:pt modelId="{02FB6803-2369-414F-B1AA-BDA660F109DF}" type="pres">
+      <dgm:prSet presAssocID="{4168FCA8-4F5D-3948-B076-C4BC8DF837F0}" presName="root1" presStyleCnt="0"/>
+      <dgm:spPr/>
+    </dgm:pt>
+    <dgm:pt modelId="{70DA5D2E-1FDF-754B-8CE0-29C69B274661}" type="pres">
+      <dgm:prSet presAssocID="{4168FCA8-4F5D-3948-B076-C4BC8DF837F0}" presName="LevelOneTextNode" presStyleLbl="node0" presStyleIdx="0" presStyleCnt="1">
+        <dgm:presLayoutVars>
+          <dgm:chPref val="3"/>
+        </dgm:presLayoutVars>
+      </dgm:prSet>
+      <dgm:spPr/>
+    </dgm:pt>
+    <dgm:pt modelId="{A8A1607A-B8E5-4A4E-A797-7FD2565D0997}" type="pres">
+      <dgm:prSet presAssocID="{4168FCA8-4F5D-3948-B076-C4BC8DF837F0}" presName="level2hierChild" presStyleCnt="0"/>
+      <dgm:spPr/>
+    </dgm:pt>
+    <dgm:pt modelId="{5A8C4869-E23A-8B4A-8AF5-EBCE411E7C0E}" type="pres">
+      <dgm:prSet presAssocID="{296BAD65-D139-5846-99A1-F599B327A0F6}" presName="conn2-1" presStyleLbl="parChTrans1D2" presStyleIdx="0" presStyleCnt="2"/>
+      <dgm:spPr/>
+    </dgm:pt>
+    <dgm:pt modelId="{4D2F69E7-6901-2D43-A665-96C713A31563}" type="pres">
+      <dgm:prSet presAssocID="{296BAD65-D139-5846-99A1-F599B327A0F6}" presName="connTx" presStyleLbl="parChTrans1D2" presStyleIdx="0" presStyleCnt="2"/>
+      <dgm:spPr/>
+    </dgm:pt>
+    <dgm:pt modelId="{C8DA1B74-5E94-744A-86CE-A42176BB8F10}" type="pres">
+      <dgm:prSet presAssocID="{A5002E23-540C-2C44-A2E9-52FB90587361}" presName="root2" presStyleCnt="0"/>
+      <dgm:spPr/>
+    </dgm:pt>
+    <dgm:pt modelId="{C91FF513-387F-2B44-87A1-B8A7E3903FBD}" type="pres">
+      <dgm:prSet presAssocID="{A5002E23-540C-2C44-A2E9-52FB90587361}" presName="LevelTwoTextNode" presStyleLbl="node2" presStyleIdx="0" presStyleCnt="2">
+        <dgm:presLayoutVars>
+          <dgm:chPref val="3"/>
+        </dgm:presLayoutVars>
+      </dgm:prSet>
+      <dgm:spPr/>
+    </dgm:pt>
+    <dgm:pt modelId="{F0C29943-4CF7-F24D-B79F-EC62D9ADD95D}" type="pres">
+      <dgm:prSet presAssocID="{A5002E23-540C-2C44-A2E9-52FB90587361}" presName="level3hierChild" presStyleCnt="0"/>
+      <dgm:spPr/>
+    </dgm:pt>
+    <dgm:pt modelId="{71A342BF-E1FD-A74C-93C8-D9F6D0204518}" type="pres">
+      <dgm:prSet presAssocID="{07EB26FC-3FB5-244F-994D-9829E750590D}" presName="conn2-1" presStyleLbl="parChTrans1D3" presStyleIdx="0" presStyleCnt="2"/>
+      <dgm:spPr/>
+    </dgm:pt>
+    <dgm:pt modelId="{37258316-25CC-AB4F-8B99-0FF33DCF403D}" type="pres">
+      <dgm:prSet presAssocID="{07EB26FC-3FB5-244F-994D-9829E750590D}" presName="connTx" presStyleLbl="parChTrans1D3" presStyleIdx="0" presStyleCnt="2"/>
+      <dgm:spPr/>
+    </dgm:pt>
+    <dgm:pt modelId="{2ABE5968-A049-5748-8535-7909C532FE8B}" type="pres">
+      <dgm:prSet presAssocID="{53F90A62-AF4F-E849-B458-524B1A83ED39}" presName="root2" presStyleCnt="0"/>
+      <dgm:spPr/>
+    </dgm:pt>
+    <dgm:pt modelId="{B23EDE45-D0BF-A74C-9C49-45C23910C9A4}" type="pres">
+      <dgm:prSet presAssocID="{53F90A62-AF4F-E849-B458-524B1A83ED39}" presName="LevelTwoTextNode" presStyleLbl="node3" presStyleIdx="0" presStyleCnt="2">
+        <dgm:presLayoutVars>
+          <dgm:chPref val="3"/>
+        </dgm:presLayoutVars>
+      </dgm:prSet>
+      <dgm:spPr/>
+    </dgm:pt>
+    <dgm:pt modelId="{439184C9-D2F2-434B-9734-9C2B2A77956A}" type="pres">
+      <dgm:prSet presAssocID="{53F90A62-AF4F-E849-B458-524B1A83ED39}" presName="level3hierChild" presStyleCnt="0"/>
+      <dgm:spPr/>
+    </dgm:pt>
+    <dgm:pt modelId="{0A55E81E-48B5-DC4E-842A-3CAE55EC331D}" type="pres">
+      <dgm:prSet presAssocID="{15486C3D-EB42-4E44-A0BC-FCE1CF976681}" presName="conn2-1" presStyleLbl="parChTrans1D3" presStyleIdx="1" presStyleCnt="2"/>
+      <dgm:spPr/>
+    </dgm:pt>
+    <dgm:pt modelId="{48C8059F-32FD-B34B-A11E-EAEFC350BCE0}" type="pres">
+      <dgm:prSet presAssocID="{15486C3D-EB42-4E44-A0BC-FCE1CF976681}" presName="connTx" presStyleLbl="parChTrans1D3" presStyleIdx="1" presStyleCnt="2"/>
+      <dgm:spPr/>
+    </dgm:pt>
+    <dgm:pt modelId="{8185A4C6-8176-2345-9F46-4E74E7627FA9}" type="pres">
+      <dgm:prSet presAssocID="{6269372E-3E17-B64B-80C3-89D91844EA5D}" presName="root2" presStyleCnt="0"/>
+      <dgm:spPr/>
+    </dgm:pt>
+    <dgm:pt modelId="{B2975893-33A3-DB4E-B1B6-483E613F8F26}" type="pres">
+      <dgm:prSet presAssocID="{6269372E-3E17-B64B-80C3-89D91844EA5D}" presName="LevelTwoTextNode" presStyleLbl="node3" presStyleIdx="1" presStyleCnt="2">
+        <dgm:presLayoutVars>
+          <dgm:chPref val="3"/>
+        </dgm:presLayoutVars>
+      </dgm:prSet>
+      <dgm:spPr/>
+    </dgm:pt>
+    <dgm:pt modelId="{F3E616BA-9C4D-3840-8F90-6C102DC2132D}" type="pres">
+      <dgm:prSet presAssocID="{6269372E-3E17-B64B-80C3-89D91844EA5D}" presName="level3hierChild" presStyleCnt="0"/>
+      <dgm:spPr/>
+    </dgm:pt>
+    <dgm:pt modelId="{5D22830B-9321-F34C-97E5-F205D72A6998}" type="pres">
+      <dgm:prSet presAssocID="{3755310C-431D-1741-9E91-A38866059368}" presName="conn2-1" presStyleLbl="parChTrans1D2" presStyleIdx="1" presStyleCnt="2"/>
+      <dgm:spPr/>
+    </dgm:pt>
+    <dgm:pt modelId="{69B9862D-E19A-E144-8965-5690EC56874D}" type="pres">
+      <dgm:prSet presAssocID="{3755310C-431D-1741-9E91-A38866059368}" presName="connTx" presStyleLbl="parChTrans1D2" presStyleIdx="1" presStyleCnt="2"/>
+      <dgm:spPr/>
+    </dgm:pt>
+    <dgm:pt modelId="{96257BB7-2213-C64D-B0DE-CA3D197557E5}" type="pres">
+      <dgm:prSet presAssocID="{D3AB9C36-2D66-1846-B585-1EAFB662DC0E}" presName="root2" presStyleCnt="0"/>
+      <dgm:spPr/>
+    </dgm:pt>
+    <dgm:pt modelId="{D885F931-1C39-6B4A-B277-05245963C7F1}" type="pres">
+      <dgm:prSet presAssocID="{D3AB9C36-2D66-1846-B585-1EAFB662DC0E}" presName="LevelTwoTextNode" presStyleLbl="node2" presStyleIdx="1" presStyleCnt="2">
+        <dgm:presLayoutVars>
+          <dgm:chPref val="3"/>
+        </dgm:presLayoutVars>
+      </dgm:prSet>
+      <dgm:spPr/>
+    </dgm:pt>
+    <dgm:pt modelId="{109512FF-2084-274D-84E0-92F050D15C56}" type="pres">
+      <dgm:prSet presAssocID="{D3AB9C36-2D66-1846-B585-1EAFB662DC0E}" presName="level3hierChild" presStyleCnt="0"/>
+      <dgm:spPr/>
+    </dgm:pt>
+  </dgm:ptLst>
+  <dgm:cxnLst>
+    <dgm:cxn modelId="{A679CE19-CB73-CF46-A16D-2DCDC286C720}" type="presOf" srcId="{3755310C-431D-1741-9E91-A38866059368}" destId="{5D22830B-9321-F34C-97E5-F205D72A6998}" srcOrd="0" destOrd="0" presId="urn:microsoft.com/office/officeart/2005/8/layout/hierarchy2"/>
+    <dgm:cxn modelId="{46F9C22E-0C27-6A4A-8912-7110E09AFF6A}" type="presOf" srcId="{3755310C-431D-1741-9E91-A38866059368}" destId="{69B9862D-E19A-E144-8965-5690EC56874D}" srcOrd="1" destOrd="0" presId="urn:microsoft.com/office/officeart/2005/8/layout/hierarchy2"/>
+    <dgm:cxn modelId="{DA14DD30-6040-0344-A01D-72D8E1F5EF66}" type="presOf" srcId="{15486C3D-EB42-4E44-A0BC-FCE1CF976681}" destId="{0A55E81E-48B5-DC4E-842A-3CAE55EC331D}" srcOrd="0" destOrd="0" presId="urn:microsoft.com/office/officeart/2005/8/layout/hierarchy2"/>
+    <dgm:cxn modelId="{8EED4C3C-E0C3-9A4C-AD88-B65B383CE657}" type="presOf" srcId="{4168FCA8-4F5D-3948-B076-C4BC8DF837F0}" destId="{70DA5D2E-1FDF-754B-8CE0-29C69B274661}" srcOrd="0" destOrd="0" presId="urn:microsoft.com/office/officeart/2005/8/layout/hierarchy2"/>
+    <dgm:cxn modelId="{3A1AA342-E2A0-0942-A408-8C2FCE2B6D45}" type="presOf" srcId="{D3AB9C36-2D66-1846-B585-1EAFB662DC0E}" destId="{D885F931-1C39-6B4A-B277-05245963C7F1}" srcOrd="0" destOrd="0" presId="urn:microsoft.com/office/officeart/2005/8/layout/hierarchy2"/>
+    <dgm:cxn modelId="{202F6048-76C2-FA43-A33E-5365EFC7BCA6}" type="presOf" srcId="{07EB26FC-3FB5-244F-994D-9829E750590D}" destId="{37258316-25CC-AB4F-8B99-0FF33DCF403D}" srcOrd="1" destOrd="0" presId="urn:microsoft.com/office/officeart/2005/8/layout/hierarchy2"/>
+    <dgm:cxn modelId="{741BFF49-C52A-8D49-99BE-0EFB2AD083D5}" srcId="{09D2DFF9-D0E5-E94B-8659-DECACD6FAD89}" destId="{4168FCA8-4F5D-3948-B076-C4BC8DF837F0}" srcOrd="0" destOrd="0" parTransId="{C5484478-BAE2-054B-B85D-D4A7FCD05049}" sibTransId="{73AB5B80-36BA-D747-BF29-19150D48D263}"/>
+    <dgm:cxn modelId="{E568DC75-B9E9-E241-B487-F8849523D90F}" type="presOf" srcId="{A5002E23-540C-2C44-A2E9-52FB90587361}" destId="{C91FF513-387F-2B44-87A1-B8A7E3903FBD}" srcOrd="0" destOrd="0" presId="urn:microsoft.com/office/officeart/2005/8/layout/hierarchy2"/>
+    <dgm:cxn modelId="{13D63C86-BC7E-C94F-BE9D-B19174245E06}" srcId="{A5002E23-540C-2C44-A2E9-52FB90587361}" destId="{6269372E-3E17-B64B-80C3-89D91844EA5D}" srcOrd="1" destOrd="0" parTransId="{15486C3D-EB42-4E44-A0BC-FCE1CF976681}" sibTransId="{77A1A744-5B1B-D04A-B982-3D168FA07B70}"/>
+    <dgm:cxn modelId="{F2A6DC9C-DAAE-D54B-9E28-B697F9083299}" type="presOf" srcId="{296BAD65-D139-5846-99A1-F599B327A0F6}" destId="{5A8C4869-E23A-8B4A-8AF5-EBCE411E7C0E}" srcOrd="0" destOrd="0" presId="urn:microsoft.com/office/officeart/2005/8/layout/hierarchy2"/>
+    <dgm:cxn modelId="{DF2703A2-92F4-BC4C-9B94-6EEFF320AC0E}" srcId="{4168FCA8-4F5D-3948-B076-C4BC8DF837F0}" destId="{D3AB9C36-2D66-1846-B585-1EAFB662DC0E}" srcOrd="1" destOrd="0" parTransId="{3755310C-431D-1741-9E91-A38866059368}" sibTransId="{545F9524-5D0A-CF41-A5DF-57AB8544C6AA}"/>
+    <dgm:cxn modelId="{22AA2FAD-1CA7-A745-9DD7-0452266B144A}" type="presOf" srcId="{15486C3D-EB42-4E44-A0BC-FCE1CF976681}" destId="{48C8059F-32FD-B34B-A11E-EAEFC350BCE0}" srcOrd="1" destOrd="0" presId="urn:microsoft.com/office/officeart/2005/8/layout/hierarchy2"/>
+    <dgm:cxn modelId="{3C56EEB3-0B0D-1145-875F-8DB6747F335C}" type="presOf" srcId="{53F90A62-AF4F-E849-B458-524B1A83ED39}" destId="{B23EDE45-D0BF-A74C-9C49-45C23910C9A4}" srcOrd="0" destOrd="0" presId="urn:microsoft.com/office/officeart/2005/8/layout/hierarchy2"/>
+    <dgm:cxn modelId="{544BFABA-579D-AE47-BA17-A0AD96F950B7}" srcId="{A5002E23-540C-2C44-A2E9-52FB90587361}" destId="{53F90A62-AF4F-E849-B458-524B1A83ED39}" srcOrd="0" destOrd="0" parTransId="{07EB26FC-3FB5-244F-994D-9829E750590D}" sibTransId="{2D9B8D18-403A-AC4E-90E6-3FB368457C39}"/>
+    <dgm:cxn modelId="{3E3994C3-BE0F-D84F-9292-276F2C44FB78}" type="presOf" srcId="{07EB26FC-3FB5-244F-994D-9829E750590D}" destId="{71A342BF-E1FD-A74C-93C8-D9F6D0204518}" srcOrd="0" destOrd="0" presId="urn:microsoft.com/office/officeart/2005/8/layout/hierarchy2"/>
+    <dgm:cxn modelId="{D78496CC-E140-C746-8C51-BDEB9437D6DF}" type="presOf" srcId="{296BAD65-D139-5846-99A1-F599B327A0F6}" destId="{4D2F69E7-6901-2D43-A665-96C713A31563}" srcOrd="1" destOrd="0" presId="urn:microsoft.com/office/officeart/2005/8/layout/hierarchy2"/>
+    <dgm:cxn modelId="{60F434D0-D938-5844-A7BD-82E36D890128}" type="presOf" srcId="{6269372E-3E17-B64B-80C3-89D91844EA5D}" destId="{B2975893-33A3-DB4E-B1B6-483E613F8F26}" srcOrd="0" destOrd="0" presId="urn:microsoft.com/office/officeart/2005/8/layout/hierarchy2"/>
+    <dgm:cxn modelId="{AE8A43D2-F353-1249-93B0-AB8FD7B4AB7E}" type="presOf" srcId="{09D2DFF9-D0E5-E94B-8659-DECACD6FAD89}" destId="{3759CDD6-1499-754E-9A97-B55664418248}" srcOrd="0" destOrd="0" presId="urn:microsoft.com/office/officeart/2005/8/layout/hierarchy2"/>
+    <dgm:cxn modelId="{8AE4EBFA-1F16-AE45-91B5-CB538F247FB4}" srcId="{4168FCA8-4F5D-3948-B076-C4BC8DF837F0}" destId="{A5002E23-540C-2C44-A2E9-52FB90587361}" srcOrd="0" destOrd="0" parTransId="{296BAD65-D139-5846-99A1-F599B327A0F6}" sibTransId="{FFB5F476-B205-8C44-99C1-21FF1BD1D698}"/>
+    <dgm:cxn modelId="{CF0D47FF-B8D0-F848-BBB0-74BD860DA11B}" type="presParOf" srcId="{3759CDD6-1499-754E-9A97-B55664418248}" destId="{02FB6803-2369-414F-B1AA-BDA660F109DF}" srcOrd="0" destOrd="0" presId="urn:microsoft.com/office/officeart/2005/8/layout/hierarchy2"/>
+    <dgm:cxn modelId="{E597BBAE-B434-1F46-961D-FE31C10B8AAD}" type="presParOf" srcId="{02FB6803-2369-414F-B1AA-BDA660F109DF}" destId="{70DA5D2E-1FDF-754B-8CE0-29C69B274661}" srcOrd="0" destOrd="0" presId="urn:microsoft.com/office/officeart/2005/8/layout/hierarchy2"/>
+    <dgm:cxn modelId="{E83EC23E-2652-3D46-BAF9-A11BDDBFDD8C}" type="presParOf" srcId="{02FB6803-2369-414F-B1AA-BDA660F109DF}" destId="{A8A1607A-B8E5-4A4E-A797-7FD2565D0997}" srcOrd="1" destOrd="0" presId="urn:microsoft.com/office/officeart/2005/8/layout/hierarchy2"/>
+    <dgm:cxn modelId="{D2E8FD04-C19C-B54E-8D19-79B69648895F}" type="presParOf" srcId="{A8A1607A-B8E5-4A4E-A797-7FD2565D0997}" destId="{5A8C4869-E23A-8B4A-8AF5-EBCE411E7C0E}" srcOrd="0" destOrd="0" presId="urn:microsoft.com/office/officeart/2005/8/layout/hierarchy2"/>
+    <dgm:cxn modelId="{82C559C9-8326-7F48-8949-42CA72FD4357}" type="presParOf" srcId="{5A8C4869-E23A-8B4A-8AF5-EBCE411E7C0E}" destId="{4D2F69E7-6901-2D43-A665-96C713A31563}" srcOrd="0" destOrd="0" presId="urn:microsoft.com/office/officeart/2005/8/layout/hierarchy2"/>
+    <dgm:cxn modelId="{CFA2A01D-3BE9-F242-9C92-262BEB18A98D}" type="presParOf" srcId="{A8A1607A-B8E5-4A4E-A797-7FD2565D0997}" destId="{C8DA1B74-5E94-744A-86CE-A42176BB8F10}" srcOrd="1" destOrd="0" presId="urn:microsoft.com/office/officeart/2005/8/layout/hierarchy2"/>
+    <dgm:cxn modelId="{87439595-0B2A-4745-8583-21474636F7F6}" type="presParOf" srcId="{C8DA1B74-5E94-744A-86CE-A42176BB8F10}" destId="{C91FF513-387F-2B44-87A1-B8A7E3903FBD}" srcOrd="0" destOrd="0" presId="urn:microsoft.com/office/officeart/2005/8/layout/hierarchy2"/>
+    <dgm:cxn modelId="{70A2D7D6-26DC-B644-9430-D7321B5D1489}" type="presParOf" srcId="{C8DA1B74-5E94-744A-86CE-A42176BB8F10}" destId="{F0C29943-4CF7-F24D-B79F-EC62D9ADD95D}" srcOrd="1" destOrd="0" presId="urn:microsoft.com/office/officeart/2005/8/layout/hierarchy2"/>
+    <dgm:cxn modelId="{3238322C-F861-2340-8F70-C7B5B37A3B4B}" type="presParOf" srcId="{F0C29943-4CF7-F24D-B79F-EC62D9ADD95D}" destId="{71A342BF-E1FD-A74C-93C8-D9F6D0204518}" srcOrd="0" destOrd="0" presId="urn:microsoft.com/office/officeart/2005/8/layout/hierarchy2"/>
+    <dgm:cxn modelId="{590A592F-2BFD-4444-9983-CC675684417A}" type="presParOf" srcId="{71A342BF-E1FD-A74C-93C8-D9F6D0204518}" destId="{37258316-25CC-AB4F-8B99-0FF33DCF403D}" srcOrd="0" destOrd="0" presId="urn:microsoft.com/office/officeart/2005/8/layout/hierarchy2"/>
+    <dgm:cxn modelId="{F6E028D9-A701-504F-8B77-D9CD0D5E44DF}" type="presParOf" srcId="{F0C29943-4CF7-F24D-B79F-EC62D9ADD95D}" destId="{2ABE5968-A049-5748-8535-7909C532FE8B}" srcOrd="1" destOrd="0" presId="urn:microsoft.com/office/officeart/2005/8/layout/hierarchy2"/>
+    <dgm:cxn modelId="{B71B3D7E-8249-8C4F-93C0-E46DBB37C8C8}" type="presParOf" srcId="{2ABE5968-A049-5748-8535-7909C532FE8B}" destId="{B23EDE45-D0BF-A74C-9C49-45C23910C9A4}" srcOrd="0" destOrd="0" presId="urn:microsoft.com/office/officeart/2005/8/layout/hierarchy2"/>
+    <dgm:cxn modelId="{DE54285F-B983-9B49-98ED-A7FCB27D3FAF}" type="presParOf" srcId="{2ABE5968-A049-5748-8535-7909C532FE8B}" destId="{439184C9-D2F2-434B-9734-9C2B2A77956A}" srcOrd="1" destOrd="0" presId="urn:microsoft.com/office/officeart/2005/8/layout/hierarchy2"/>
+    <dgm:cxn modelId="{589236BC-36C5-8147-AF1B-AFEDE33A727A}" type="presParOf" srcId="{F0C29943-4CF7-F24D-B79F-EC62D9ADD95D}" destId="{0A55E81E-48B5-DC4E-842A-3CAE55EC331D}" srcOrd="2" destOrd="0" presId="urn:microsoft.com/office/officeart/2005/8/layout/hierarchy2"/>
+    <dgm:cxn modelId="{38233E79-BA90-0D45-BD01-075FEF7C065B}" type="presParOf" srcId="{0A55E81E-48B5-DC4E-842A-3CAE55EC331D}" destId="{48C8059F-32FD-B34B-A11E-EAEFC350BCE0}" srcOrd="0" destOrd="0" presId="urn:microsoft.com/office/officeart/2005/8/layout/hierarchy2"/>
+    <dgm:cxn modelId="{5E028D3D-3B69-DB44-8168-91B82F656CB0}" type="presParOf" srcId="{F0C29943-4CF7-F24D-B79F-EC62D9ADD95D}" destId="{8185A4C6-8176-2345-9F46-4E74E7627FA9}" srcOrd="3" destOrd="0" presId="urn:microsoft.com/office/officeart/2005/8/layout/hierarchy2"/>
+    <dgm:cxn modelId="{78870D4F-017D-EB4A-AC73-1B7C83326297}" type="presParOf" srcId="{8185A4C6-8176-2345-9F46-4E74E7627FA9}" destId="{B2975893-33A3-DB4E-B1B6-483E613F8F26}" srcOrd="0" destOrd="0" presId="urn:microsoft.com/office/officeart/2005/8/layout/hierarchy2"/>
+    <dgm:cxn modelId="{C346F4BC-CFE9-DC40-A037-DABC869EBBD2}" type="presParOf" srcId="{8185A4C6-8176-2345-9F46-4E74E7627FA9}" destId="{F3E616BA-9C4D-3840-8F90-6C102DC2132D}" srcOrd="1" destOrd="0" presId="urn:microsoft.com/office/officeart/2005/8/layout/hierarchy2"/>
+    <dgm:cxn modelId="{56DE0BCB-CFE0-EE4A-A86C-D79728099440}" type="presParOf" srcId="{A8A1607A-B8E5-4A4E-A797-7FD2565D0997}" destId="{5D22830B-9321-F34C-97E5-F205D72A6998}" srcOrd="2" destOrd="0" presId="urn:microsoft.com/office/officeart/2005/8/layout/hierarchy2"/>
+    <dgm:cxn modelId="{E53088D5-8395-4740-B570-31C493B619DD}" type="presParOf" srcId="{5D22830B-9321-F34C-97E5-F205D72A6998}" destId="{69B9862D-E19A-E144-8965-5690EC56874D}" srcOrd="0" destOrd="0" presId="urn:microsoft.com/office/officeart/2005/8/layout/hierarchy2"/>
+    <dgm:cxn modelId="{925872C9-3734-4041-97B8-890A3B6E5636}" type="presParOf" srcId="{A8A1607A-B8E5-4A4E-A797-7FD2565D0997}" destId="{96257BB7-2213-C64D-B0DE-CA3D197557E5}" srcOrd="3" destOrd="0" presId="urn:microsoft.com/office/officeart/2005/8/layout/hierarchy2"/>
+    <dgm:cxn modelId="{7723FC3F-EA00-184F-AAB2-C8F6F8577819}" type="presParOf" srcId="{96257BB7-2213-C64D-B0DE-CA3D197557E5}" destId="{D885F931-1C39-6B4A-B277-05245963C7F1}" srcOrd="0" destOrd="0" presId="urn:microsoft.com/office/officeart/2005/8/layout/hierarchy2"/>
+    <dgm:cxn modelId="{FC07ACA4-3C4A-0D41-934C-7009F3A48F8D}" type="presParOf" srcId="{96257BB7-2213-C64D-B0DE-CA3D197557E5}" destId="{109512FF-2084-274D-84E0-92F050D15C56}" srcOrd="1" destOrd="0" presId="urn:microsoft.com/office/officeart/2005/8/layout/hierarchy2"/>
+  </dgm:cxnLst>
+  <dgm:bg/>
+  <dgm:whole/>
+  <dgm:extLst>
+    <a:ext uri="http://schemas.microsoft.com/office/drawing/2008/diagram">
+      <dsp:dataModelExt xmlns:dsp="http://schemas.microsoft.com/office/drawing/2008/diagram" relId="rId11" minVer="http://schemas.openxmlformats.org/drawingml/2006/diagram"/>
+    </a:ext>
+  </dgm:extLst>
+</dgm:dataModel>
+</file>
+
+<file path=ppt/diagrams/drawing1.xml><?xml version="1.0" encoding="utf-8"?>
+<dsp:drawing xmlns:dgm="http://schemas.openxmlformats.org/drawingml/2006/diagram" xmlns:dsp="http://schemas.microsoft.com/office/drawing/2008/diagram" xmlns:a="http://schemas.openxmlformats.org/drawingml/2006/main">
+  <dsp:spTree>
+    <dsp:nvGrpSpPr>
+      <dsp:cNvPr id="0" name=""/>
+      <dsp:cNvGrpSpPr/>
+    </dsp:nvGrpSpPr>
+    <dsp:grpSpPr/>
+    <dsp:sp modelId="{38DC7193-8BD3-1646-BA3D-8C24D30BD2A0}">
+      <dsp:nvSpPr>
+        <dsp:cNvPr id="0" name=""/>
+        <dsp:cNvSpPr/>
+      </dsp:nvSpPr>
+      <dsp:spPr>
+        <a:xfrm>
+          <a:off x="0" y="2438295"/>
+          <a:ext cx="1560970" cy="780485"/>
+        </a:xfrm>
+        <a:prstGeom prst="roundRect">
+          <a:avLst>
+            <a:gd name="adj" fmla="val 10000"/>
+          </a:avLst>
+        </a:prstGeom>
+        <a:solidFill>
+          <a:schemeClr val="accent1">
+            <a:hueOff val="0"/>
+            <a:satOff val="0"/>
+            <a:lumOff val="0"/>
+            <a:alphaOff val="0"/>
+          </a:schemeClr>
+        </a:solidFill>
+        <a:ln w="19050" cap="flat" cmpd="sng" algn="ctr">
+          <a:solidFill>
+            <a:schemeClr val="lt1">
+              <a:hueOff val="0"/>
+              <a:satOff val="0"/>
+              <a:lumOff val="0"/>
+              <a:alphaOff val="0"/>
+            </a:schemeClr>
+          </a:solidFill>
+          <a:prstDash val="solid"/>
+          <a:miter lim="800000"/>
+        </a:ln>
+        <a:effectLst/>
+      </dsp:spPr>
+      <dsp:style>
+        <a:lnRef idx="2">
+          <a:scrgbClr r="0" g="0" b="0"/>
+        </a:lnRef>
+        <a:fillRef idx="1">
+          <a:scrgbClr r="0" g="0" b="0"/>
+        </a:fillRef>
+        <a:effectRef idx="0">
+          <a:scrgbClr r="0" g="0" b="0"/>
+        </a:effectRef>
+        <a:fontRef idx="minor">
+          <a:schemeClr val="lt1"/>
+        </a:fontRef>
+      </dsp:style>
+      <dsp:txBody>
+        <a:bodyPr spcFirstLastPara="0" vert="horz" wrap="square" lIns="8255" tIns="8255" rIns="8255" bIns="8255" numCol="1" spcCol="1270" anchor="ctr" anchorCtr="0">
+          <a:noAutofit/>
+        </a:bodyPr>
+        <a:lstStyle/>
+        <a:p>
+          <a:pPr marL="0" lvl="0" indent="0" algn="ctr" defTabSz="577850">
+            <a:lnSpc>
+              <a:spcPct val="90000"/>
+            </a:lnSpc>
+            <a:spcBef>
+              <a:spcPct val="0"/>
+            </a:spcBef>
+            <a:spcAft>
+              <a:spcPct val="35000"/>
+            </a:spcAft>
+            <a:buNone/>
+          </a:pPr>
+          <a:r>
+            <a:rPr lang="en-GB" sz="1300" kern="1200" dirty="0"/>
+            <a:t> y = 1</a:t>
+          </a:r>
+        </a:p>
+        <a:p>
+          <a:pPr marL="0" lvl="0" indent="0" algn="ctr" defTabSz="577850">
+            <a:lnSpc>
+              <a:spcPct val="90000"/>
+            </a:lnSpc>
+            <a:spcBef>
+              <a:spcPct val="0"/>
+            </a:spcBef>
+            <a:spcAft>
+              <a:spcPct val="35000"/>
+            </a:spcAft>
+            <a:buNone/>
+          </a:pPr>
+          <a:r>
+            <a:rPr lang="en-GB" sz="1300" kern="1200" dirty="0"/>
+            <a:t>(chi2 test)</a:t>
+          </a:r>
+        </a:p>
+      </dsp:txBody>
+      <dsp:txXfrm>
+        <a:off x="22860" y="2461155"/>
+        <a:ext cx="1515250" cy="734765"/>
+      </dsp:txXfrm>
+    </dsp:sp>
+    <dsp:sp modelId="{98C19F94-645E-A245-AB3D-F8722B12F77F}">
+      <dsp:nvSpPr>
+        <dsp:cNvPr id="0" name=""/>
+        <dsp:cNvSpPr/>
+      </dsp:nvSpPr>
+      <dsp:spPr>
+        <a:xfrm rot="19499739">
+          <a:off x="1491421" y="2594537"/>
+          <a:ext cx="768963" cy="26894"/>
+        </a:xfrm>
+        <a:custGeom>
+          <a:avLst/>
+          <a:gdLst/>
+          <a:ahLst/>
+          <a:cxnLst/>
+          <a:rect l="0" t="0" r="0" b="0"/>
+          <a:pathLst>
+            <a:path>
+              <a:moveTo>
+                <a:pt x="0" y="13447"/>
+              </a:moveTo>
+              <a:lnTo>
+                <a:pt x="768963" y="13447"/>
+              </a:lnTo>
+            </a:path>
+          </a:pathLst>
+        </a:custGeom>
+        <a:noFill/>
+        <a:ln w="19050" cap="flat" cmpd="sng" algn="ctr">
+          <a:solidFill>
+            <a:srgbClr val="C00000"/>
+          </a:solidFill>
+          <a:prstDash val="solid"/>
+          <a:miter lim="800000"/>
+        </a:ln>
+        <a:effectLst/>
+      </dsp:spPr>
+      <dsp:style>
+        <a:lnRef idx="2">
+          <a:scrgbClr r="0" g="0" b="0"/>
+        </a:lnRef>
+        <a:fillRef idx="0">
+          <a:scrgbClr r="0" g="0" b="0"/>
+        </a:fillRef>
+        <a:effectRef idx="0">
+          <a:scrgbClr r="0" g="0" b="0"/>
+        </a:effectRef>
+        <a:fontRef idx="minor"/>
+      </dsp:style>
+      <dsp:txBody>
+        <a:bodyPr spcFirstLastPara="0" vert="horz" wrap="square" lIns="12700" tIns="0" rIns="12700" bIns="0" numCol="1" spcCol="1270" anchor="ctr" anchorCtr="0">
+          <a:noAutofit/>
+        </a:bodyPr>
+        <a:lstStyle/>
+        <a:p>
+          <a:pPr marL="0" lvl="0" indent="0" algn="ctr" defTabSz="222250">
+            <a:lnSpc>
+              <a:spcPct val="90000"/>
+            </a:lnSpc>
+            <a:spcBef>
+              <a:spcPct val="0"/>
+            </a:spcBef>
+            <a:spcAft>
+              <a:spcPct val="35000"/>
+            </a:spcAft>
+            <a:buNone/>
+          </a:pPr>
+          <a:endParaRPr lang="en-GB" sz="500" kern="1200"/>
+        </a:p>
+      </dsp:txBody>
+      <dsp:txXfrm>
+        <a:off x="1856678" y="2588760"/>
+        <a:ext cx="38448" cy="38448"/>
+      </dsp:txXfrm>
+    </dsp:sp>
+    <dsp:sp modelId="{CE5E9900-1787-F949-B6B7-99EC59BEBBF0}">
+      <dsp:nvSpPr>
+        <dsp:cNvPr id="0" name=""/>
+        <dsp:cNvSpPr/>
+      </dsp:nvSpPr>
+      <dsp:spPr>
+        <a:xfrm>
+          <a:off x="2190834" y="1997188"/>
+          <a:ext cx="1560970" cy="780485"/>
+        </a:xfrm>
+        <a:prstGeom prst="roundRect">
+          <a:avLst>
+            <a:gd name="adj" fmla="val 10000"/>
+          </a:avLst>
+        </a:prstGeom>
+        <a:solidFill>
+          <a:schemeClr val="accent1">
+            <a:hueOff val="0"/>
+            <a:satOff val="0"/>
+            <a:lumOff val="0"/>
+            <a:alphaOff val="0"/>
+          </a:schemeClr>
+        </a:solidFill>
+        <a:ln w="19050" cap="flat" cmpd="sng" algn="ctr">
+          <a:solidFill>
+            <a:schemeClr val="lt1">
+              <a:hueOff val="0"/>
+              <a:satOff val="0"/>
+              <a:lumOff val="0"/>
+              <a:alphaOff val="0"/>
+            </a:schemeClr>
+          </a:solidFill>
+          <a:prstDash val="solid"/>
+          <a:miter lim="800000"/>
+        </a:ln>
+        <a:effectLst/>
+      </dsp:spPr>
+      <dsp:style>
+        <a:lnRef idx="2">
+          <a:scrgbClr r="0" g="0" b="0"/>
+        </a:lnRef>
+        <a:fillRef idx="1">
+          <a:scrgbClr r="0" g="0" b="0"/>
+        </a:fillRef>
+        <a:effectRef idx="0">
+          <a:scrgbClr r="0" g="0" b="0"/>
+        </a:effectRef>
+        <a:fontRef idx="minor">
+          <a:schemeClr val="lt1"/>
+        </a:fontRef>
+      </dsp:style>
+      <dsp:txBody>
+        <a:bodyPr spcFirstLastPara="0" vert="horz" wrap="square" lIns="8255" tIns="8255" rIns="8255" bIns="8255" numCol="1" spcCol="1270" anchor="ctr" anchorCtr="0">
+          <a:noAutofit/>
+        </a:bodyPr>
+        <a:lstStyle/>
+        <a:p>
+          <a:pPr marL="0" lvl="0" indent="0" algn="ctr" defTabSz="577850">
+            <a:lnSpc>
+              <a:spcPct val="90000"/>
+            </a:lnSpc>
+            <a:spcBef>
+              <a:spcPct val="0"/>
+            </a:spcBef>
+            <a:spcAft>
+              <a:spcPct val="35000"/>
+            </a:spcAft>
+            <a:buNone/>
+          </a:pPr>
+          <a:r>
+            <a:rPr lang="en-GB" sz="1300" kern="1200" dirty="0"/>
+            <a:t>Fit constant c  </a:t>
+          </a:r>
+        </a:p>
+        <a:p>
+          <a:pPr marL="0" lvl="0" indent="0" algn="ctr" defTabSz="577850">
+            <a:lnSpc>
+              <a:spcPct val="90000"/>
+            </a:lnSpc>
+            <a:spcBef>
+              <a:spcPct val="0"/>
+            </a:spcBef>
+            <a:spcAft>
+              <a:spcPct val="35000"/>
+            </a:spcAft>
+            <a:buNone/>
+          </a:pPr>
+          <a:r>
+            <a:rPr lang="en-GB" sz="1300" kern="1200" dirty="0"/>
+            <a:t>(chi2 test)</a:t>
+          </a:r>
+        </a:p>
+      </dsp:txBody>
+      <dsp:txXfrm>
+        <a:off x="2213694" y="2020048"/>
+        <a:ext cx="1515250" cy="734765"/>
+      </dsp:txXfrm>
+    </dsp:sp>
+    <dsp:sp modelId="{B445B1AD-B43C-6E49-9C1B-3672B9E8A764}">
+      <dsp:nvSpPr>
+        <dsp:cNvPr id="0" name=""/>
+        <dsp:cNvSpPr/>
+      </dsp:nvSpPr>
+      <dsp:spPr>
+        <a:xfrm rot="19457599">
+          <a:off x="3679531" y="2149594"/>
+          <a:ext cx="768936" cy="26894"/>
+        </a:xfrm>
+        <a:custGeom>
+          <a:avLst/>
+          <a:gdLst/>
+          <a:ahLst/>
+          <a:cxnLst/>
+          <a:rect l="0" t="0" r="0" b="0"/>
+          <a:pathLst>
+            <a:path>
+              <a:moveTo>
+                <a:pt x="0" y="13447"/>
+              </a:moveTo>
+              <a:lnTo>
+                <a:pt x="768936" y="13447"/>
+              </a:lnTo>
+            </a:path>
+          </a:pathLst>
+        </a:custGeom>
+        <a:noFill/>
+        <a:ln w="19050" cap="flat" cmpd="sng" algn="ctr">
+          <a:solidFill>
+            <a:srgbClr val="C00000"/>
+          </a:solidFill>
+          <a:prstDash val="solid"/>
+          <a:miter lim="800000"/>
+        </a:ln>
+        <a:effectLst/>
+      </dsp:spPr>
+      <dsp:style>
+        <a:lnRef idx="2">
+          <a:scrgbClr r="0" g="0" b="0"/>
+        </a:lnRef>
+        <a:fillRef idx="0">
+          <a:scrgbClr r="0" g="0" b="0"/>
+        </a:fillRef>
+        <a:effectRef idx="0">
+          <a:scrgbClr r="0" g="0" b="0"/>
+        </a:effectRef>
+        <a:fontRef idx="minor"/>
+      </dsp:style>
+      <dsp:txBody>
+        <a:bodyPr spcFirstLastPara="0" vert="horz" wrap="square" lIns="12700" tIns="0" rIns="12700" bIns="0" numCol="1" spcCol="1270" anchor="ctr" anchorCtr="0">
+          <a:noAutofit/>
+        </a:bodyPr>
+        <a:lstStyle/>
+        <a:p>
+          <a:pPr marL="0" lvl="0" indent="0" algn="ctr" defTabSz="222250">
+            <a:lnSpc>
+              <a:spcPct val="90000"/>
+            </a:lnSpc>
+            <a:spcBef>
+              <a:spcPct val="0"/>
+            </a:spcBef>
+            <a:spcAft>
+              <a:spcPct val="35000"/>
+            </a:spcAft>
+            <a:buNone/>
+          </a:pPr>
+          <a:endParaRPr lang="en-GB" sz="500" kern="1200"/>
+        </a:p>
+      </dsp:txBody>
+      <dsp:txXfrm>
+        <a:off x="4044776" y="2143817"/>
+        <a:ext cx="38446" cy="38446"/>
+      </dsp:txXfrm>
+    </dsp:sp>
+    <dsp:sp modelId="{D91FA919-03FB-A545-A3E6-2B7A10AE1EDD}">
+      <dsp:nvSpPr>
+        <dsp:cNvPr id="0" name=""/>
+        <dsp:cNvSpPr/>
+      </dsp:nvSpPr>
+      <dsp:spPr>
+        <a:xfrm>
+          <a:off x="4376194" y="1548409"/>
+          <a:ext cx="1560970" cy="780485"/>
+        </a:xfrm>
+        <a:prstGeom prst="roundRect">
+          <a:avLst>
+            <a:gd name="adj" fmla="val 10000"/>
+          </a:avLst>
+        </a:prstGeom>
+        <a:solidFill>
+          <a:schemeClr val="accent1">
+            <a:hueOff val="0"/>
+            <a:satOff val="0"/>
+            <a:lumOff val="0"/>
+            <a:alphaOff val="0"/>
+          </a:schemeClr>
+        </a:solidFill>
+        <a:ln w="19050" cap="flat" cmpd="sng" algn="ctr">
+          <a:solidFill>
+            <a:schemeClr val="lt1">
+              <a:hueOff val="0"/>
+              <a:satOff val="0"/>
+              <a:lumOff val="0"/>
+              <a:alphaOff val="0"/>
+            </a:schemeClr>
+          </a:solidFill>
+          <a:prstDash val="solid"/>
+          <a:miter lim="800000"/>
+        </a:ln>
+        <a:effectLst/>
+      </dsp:spPr>
+      <dsp:style>
+        <a:lnRef idx="2">
+          <a:scrgbClr r="0" g="0" b="0"/>
+        </a:lnRef>
+        <a:fillRef idx="1">
+          <a:scrgbClr r="0" g="0" b="0"/>
+        </a:fillRef>
+        <a:effectRef idx="0">
+          <a:scrgbClr r="0" g="0" b="0"/>
+        </a:effectRef>
+        <a:fontRef idx="minor">
+          <a:schemeClr val="lt1"/>
+        </a:fontRef>
+      </dsp:style>
+      <dsp:txBody>
+        <a:bodyPr spcFirstLastPara="0" vert="horz" wrap="square" lIns="8255" tIns="8255" rIns="8255" bIns="8255" numCol="1" spcCol="1270" anchor="ctr" anchorCtr="0">
+          <a:noAutofit/>
+        </a:bodyPr>
+        <a:lstStyle/>
+        <a:p>
+          <a:pPr marL="0" lvl="0" indent="0" algn="ctr" defTabSz="577850">
+            <a:lnSpc>
+              <a:spcPct val="90000"/>
+            </a:lnSpc>
+            <a:spcBef>
+              <a:spcPct val="0"/>
+            </a:spcBef>
+            <a:spcAft>
+              <a:spcPct val="35000"/>
+            </a:spcAft>
+            <a:buNone/>
+          </a:pPr>
+          <a:r>
+            <a:rPr lang="en-GB" sz="1300" kern="1200" dirty="0"/>
+            <a:t>Fit linear </a:t>
+          </a:r>
+        </a:p>
+        <a:p>
+          <a:pPr marL="0" lvl="0" indent="0" algn="ctr" defTabSz="577850">
+            <a:lnSpc>
+              <a:spcPct val="90000"/>
+            </a:lnSpc>
+            <a:spcBef>
+              <a:spcPct val="0"/>
+            </a:spcBef>
+            <a:spcAft>
+              <a:spcPct val="35000"/>
+            </a:spcAft>
+            <a:buNone/>
+          </a:pPr>
+          <a:r>
+            <a:rPr lang="en-GB" sz="1300" kern="1200" dirty="0"/>
+            <a:t>mx + n</a:t>
+          </a:r>
+        </a:p>
+        <a:p>
+          <a:pPr marL="0" lvl="0" indent="0" algn="ctr" defTabSz="577850">
+            <a:lnSpc>
+              <a:spcPct val="90000"/>
+            </a:lnSpc>
+            <a:spcBef>
+              <a:spcPct val="0"/>
+            </a:spcBef>
+            <a:spcAft>
+              <a:spcPct val="35000"/>
+            </a:spcAft>
+            <a:buNone/>
+          </a:pPr>
+          <a:r>
+            <a:rPr lang="en-GB" sz="1300" kern="1200" dirty="0"/>
+            <a:t>(chi2 test)</a:t>
+          </a:r>
+        </a:p>
+      </dsp:txBody>
+      <dsp:txXfrm>
+        <a:off x="4399054" y="1571269"/>
+        <a:ext cx="1515250" cy="734765"/>
+      </dsp:txXfrm>
+    </dsp:sp>
+    <dsp:sp modelId="{9A1F945F-9B0C-F74D-B824-55E3B9FB2C7B}">
+      <dsp:nvSpPr>
+        <dsp:cNvPr id="0" name=""/>
+        <dsp:cNvSpPr/>
+      </dsp:nvSpPr>
+      <dsp:spPr>
+        <a:xfrm>
+          <a:off x="5937165" y="1925204"/>
+          <a:ext cx="624388" cy="26894"/>
+        </a:xfrm>
+        <a:custGeom>
+          <a:avLst/>
+          <a:gdLst/>
+          <a:ahLst/>
+          <a:cxnLst/>
+          <a:rect l="0" t="0" r="0" b="0"/>
+          <a:pathLst>
+            <a:path>
+              <a:moveTo>
+                <a:pt x="0" y="13447"/>
+              </a:moveTo>
+              <a:lnTo>
+                <a:pt x="624388" y="13447"/>
+              </a:lnTo>
+            </a:path>
+          </a:pathLst>
+        </a:custGeom>
+        <a:noFill/>
+        <a:ln w="19050" cap="flat" cmpd="sng" algn="ctr">
+          <a:solidFill>
+            <a:schemeClr val="accent1">
+              <a:shade val="80000"/>
+              <a:hueOff val="0"/>
+              <a:satOff val="0"/>
+              <a:lumOff val="0"/>
+              <a:alphaOff val="0"/>
+            </a:schemeClr>
+          </a:solidFill>
+          <a:prstDash val="solid"/>
+          <a:miter lim="800000"/>
+        </a:ln>
+        <a:effectLst/>
+      </dsp:spPr>
+      <dsp:style>
+        <a:lnRef idx="2">
+          <a:scrgbClr r="0" g="0" b="0"/>
+        </a:lnRef>
+        <a:fillRef idx="0">
+          <a:scrgbClr r="0" g="0" b="0"/>
+        </a:fillRef>
+        <a:effectRef idx="0">
+          <a:scrgbClr r="0" g="0" b="0"/>
+        </a:effectRef>
+        <a:fontRef idx="minor"/>
+      </dsp:style>
+      <dsp:txBody>
+        <a:bodyPr spcFirstLastPara="0" vert="horz" wrap="square" lIns="12700" tIns="0" rIns="12700" bIns="0" numCol="1" spcCol="1270" anchor="ctr" anchorCtr="0">
+          <a:noAutofit/>
+        </a:bodyPr>
+        <a:lstStyle/>
+        <a:p>
+          <a:pPr marL="0" lvl="0" indent="0" algn="ctr" defTabSz="222250">
+            <a:lnSpc>
+              <a:spcPct val="90000"/>
+            </a:lnSpc>
+            <a:spcBef>
+              <a:spcPct val="0"/>
+            </a:spcBef>
+            <a:spcAft>
+              <a:spcPct val="35000"/>
+            </a:spcAft>
+            <a:buNone/>
+          </a:pPr>
+          <a:endParaRPr lang="en-GB" sz="500" kern="1200"/>
+        </a:p>
+      </dsp:txBody>
+      <dsp:txXfrm>
+        <a:off x="6233749" y="1923042"/>
+        <a:ext cx="31219" cy="31219"/>
+      </dsp:txXfrm>
+    </dsp:sp>
+    <dsp:sp modelId="{F204EF66-3632-0F4F-883E-F6C60E71E3D6}">
+      <dsp:nvSpPr>
+        <dsp:cNvPr id="0" name=""/>
+        <dsp:cNvSpPr/>
+      </dsp:nvSpPr>
+      <dsp:spPr>
+        <a:xfrm>
+          <a:off x="6561553" y="1548409"/>
+          <a:ext cx="1560970" cy="780485"/>
+        </a:xfrm>
+        <a:prstGeom prst="roundRect">
+          <a:avLst>
+            <a:gd name="adj" fmla="val 10000"/>
+          </a:avLst>
+        </a:prstGeom>
+        <a:solidFill>
+          <a:schemeClr val="accent1">
+            <a:hueOff val="0"/>
+            <a:satOff val="0"/>
+            <a:lumOff val="0"/>
+            <a:alphaOff val="0"/>
+          </a:schemeClr>
+        </a:solidFill>
+        <a:ln w="19050" cap="flat" cmpd="sng" algn="ctr">
+          <a:solidFill>
+            <a:schemeClr val="lt1">
+              <a:hueOff val="0"/>
+              <a:satOff val="0"/>
+              <a:lumOff val="0"/>
+              <a:alphaOff val="0"/>
+            </a:schemeClr>
+          </a:solidFill>
+          <a:prstDash val="solid"/>
+          <a:miter lim="800000"/>
+        </a:ln>
+        <a:effectLst/>
+      </dsp:spPr>
+      <dsp:style>
+        <a:lnRef idx="2">
+          <a:scrgbClr r="0" g="0" b="0"/>
+        </a:lnRef>
+        <a:fillRef idx="1">
+          <a:scrgbClr r="0" g="0" b="0"/>
+        </a:fillRef>
+        <a:effectRef idx="0">
+          <a:scrgbClr r="0" g="0" b="0"/>
+        </a:effectRef>
+        <a:fontRef idx="minor">
+          <a:schemeClr val="lt1"/>
+        </a:fontRef>
+      </dsp:style>
+      <dsp:txBody>
+        <a:bodyPr spcFirstLastPara="0" vert="horz" wrap="square" lIns="8255" tIns="8255" rIns="8255" bIns="8255" numCol="1" spcCol="1270" anchor="ctr" anchorCtr="0">
+          <a:noAutofit/>
+        </a:bodyPr>
+        <a:lstStyle/>
+        <a:p>
+          <a:pPr marL="0" lvl="0" indent="0" algn="ctr" defTabSz="577850">
+            <a:lnSpc>
+              <a:spcPct val="90000"/>
+            </a:lnSpc>
+            <a:spcBef>
+              <a:spcPct val="0"/>
+            </a:spcBef>
+            <a:spcAft>
+              <a:spcPct val="35000"/>
+            </a:spcAft>
+            <a:buNone/>
+          </a:pPr>
+          <a:r>
+            <a:rPr lang="en-GB" sz="1300" kern="1200" dirty="0"/>
+            <a:t>Set f(x) = mx + n</a:t>
+          </a:r>
+        </a:p>
+      </dsp:txBody>
+      <dsp:txXfrm>
+        <a:off x="6584413" y="1571269"/>
+        <a:ext cx="1515250" cy="734765"/>
+      </dsp:txXfrm>
+    </dsp:sp>
+    <dsp:sp modelId="{B1EE6702-A627-7A41-AE5E-59AA89F52973}">
+      <dsp:nvSpPr>
+        <dsp:cNvPr id="0" name=""/>
+        <dsp:cNvSpPr/>
+      </dsp:nvSpPr>
+      <dsp:spPr>
+        <a:xfrm rot="2142401">
+          <a:off x="3679531" y="2598373"/>
+          <a:ext cx="768936" cy="26894"/>
+        </a:xfrm>
+        <a:custGeom>
+          <a:avLst/>
+          <a:gdLst/>
+          <a:ahLst/>
+          <a:cxnLst/>
+          <a:rect l="0" t="0" r="0" b="0"/>
+          <a:pathLst>
+            <a:path>
+              <a:moveTo>
+                <a:pt x="0" y="13447"/>
+              </a:moveTo>
+              <a:lnTo>
+                <a:pt x="768936" y="13447"/>
+              </a:lnTo>
+            </a:path>
+          </a:pathLst>
+        </a:custGeom>
+        <a:noFill/>
+        <a:ln w="19050" cap="flat" cmpd="sng" algn="ctr">
+          <a:solidFill>
+            <a:schemeClr val="accent6"/>
+          </a:solidFill>
+          <a:prstDash val="solid"/>
+          <a:miter lim="800000"/>
+        </a:ln>
+        <a:effectLst/>
+      </dsp:spPr>
+      <dsp:style>
+        <a:lnRef idx="2">
+          <a:scrgbClr r="0" g="0" b="0"/>
+        </a:lnRef>
+        <a:fillRef idx="0">
+          <a:scrgbClr r="0" g="0" b="0"/>
+        </a:fillRef>
+        <a:effectRef idx="0">
+          <a:scrgbClr r="0" g="0" b="0"/>
+        </a:effectRef>
+        <a:fontRef idx="minor"/>
+      </dsp:style>
+      <dsp:txBody>
+        <a:bodyPr spcFirstLastPara="0" vert="horz" wrap="square" lIns="12700" tIns="0" rIns="12700" bIns="0" numCol="1" spcCol="1270" anchor="ctr" anchorCtr="0">
+          <a:noAutofit/>
+        </a:bodyPr>
+        <a:lstStyle/>
+        <a:p>
+          <a:pPr marL="0" lvl="0" indent="0" algn="ctr" defTabSz="222250">
+            <a:lnSpc>
+              <a:spcPct val="90000"/>
+            </a:lnSpc>
+            <a:spcBef>
+              <a:spcPct val="0"/>
+            </a:spcBef>
+            <a:spcAft>
+              <a:spcPct val="35000"/>
+            </a:spcAft>
+            <a:buNone/>
+          </a:pPr>
+          <a:endParaRPr lang="en-GB" sz="500" kern="1200">
+            <a:highlight>
+              <a:srgbClr val="008000"/>
+            </a:highlight>
+          </a:endParaRPr>
+        </a:p>
+      </dsp:txBody>
+      <dsp:txXfrm>
+        <a:off x="4044776" y="2592597"/>
+        <a:ext cx="38446" cy="38446"/>
+      </dsp:txXfrm>
+    </dsp:sp>
+    <dsp:sp modelId="{35D6B2E7-D344-494C-AF3C-9714D2AE73B4}">
+      <dsp:nvSpPr>
+        <dsp:cNvPr id="0" name=""/>
+        <dsp:cNvSpPr/>
+      </dsp:nvSpPr>
+      <dsp:spPr>
+        <a:xfrm>
+          <a:off x="4376194" y="2445967"/>
+          <a:ext cx="1560970" cy="780485"/>
+        </a:xfrm>
+        <a:prstGeom prst="roundRect">
+          <a:avLst>
+            <a:gd name="adj" fmla="val 10000"/>
+          </a:avLst>
+        </a:prstGeom>
+        <a:solidFill>
+          <a:schemeClr val="accent1">
+            <a:hueOff val="0"/>
+            <a:satOff val="0"/>
+            <a:lumOff val="0"/>
+            <a:alphaOff val="0"/>
+          </a:schemeClr>
+        </a:solidFill>
+        <a:ln w="19050" cap="flat" cmpd="sng" algn="ctr">
+          <a:solidFill>
+            <a:schemeClr val="lt1">
+              <a:hueOff val="0"/>
+              <a:satOff val="0"/>
+              <a:lumOff val="0"/>
+              <a:alphaOff val="0"/>
+            </a:schemeClr>
+          </a:solidFill>
+          <a:prstDash val="solid"/>
+          <a:miter lim="800000"/>
+        </a:ln>
+        <a:effectLst/>
+      </dsp:spPr>
+      <dsp:style>
+        <a:lnRef idx="2">
+          <a:scrgbClr r="0" g="0" b="0"/>
+        </a:lnRef>
+        <a:fillRef idx="1">
+          <a:scrgbClr r="0" g="0" b="0"/>
+        </a:fillRef>
+        <a:effectRef idx="0">
+          <a:scrgbClr r="0" g="0" b="0"/>
+        </a:effectRef>
+        <a:fontRef idx="minor">
+          <a:schemeClr val="lt1"/>
+        </a:fontRef>
+      </dsp:style>
+      <dsp:txBody>
+        <a:bodyPr spcFirstLastPara="0" vert="horz" wrap="square" lIns="8255" tIns="8255" rIns="8255" bIns="8255" numCol="1" spcCol="1270" anchor="ctr" anchorCtr="0">
+          <a:noAutofit/>
+        </a:bodyPr>
+        <a:lstStyle/>
+        <a:p>
+          <a:pPr marL="0" lvl="0" indent="0" algn="ctr" defTabSz="577850">
+            <a:lnSpc>
+              <a:spcPct val="90000"/>
+            </a:lnSpc>
+            <a:spcBef>
+              <a:spcPct val="0"/>
+            </a:spcBef>
+            <a:spcAft>
+              <a:spcPct val="35000"/>
+            </a:spcAft>
+            <a:buNone/>
+          </a:pPr>
+          <a:r>
+            <a:rPr lang="en-GB" sz="1300" kern="1200" dirty="0"/>
+            <a:t>Set f(x) = c </a:t>
+          </a:r>
+        </a:p>
+      </dsp:txBody>
+      <dsp:txXfrm>
+        <a:off x="4399054" y="2468827"/>
+        <a:ext cx="1515250" cy="734765"/>
+      </dsp:txXfrm>
+    </dsp:sp>
+    <dsp:sp modelId="{1B078242-C4E3-B54B-A7B4-54D40D1D8CD8}">
+      <dsp:nvSpPr>
+        <dsp:cNvPr id="0" name=""/>
+        <dsp:cNvSpPr/>
+      </dsp:nvSpPr>
+      <dsp:spPr>
+        <a:xfrm rot="2155810">
+          <a:off x="1486969" y="3043316"/>
+          <a:ext cx="777866" cy="26894"/>
+        </a:xfrm>
+        <a:custGeom>
+          <a:avLst/>
+          <a:gdLst/>
+          <a:ahLst/>
+          <a:cxnLst/>
+          <a:rect l="0" t="0" r="0" b="0"/>
+          <a:pathLst>
+            <a:path>
+              <a:moveTo>
+                <a:pt x="0" y="13447"/>
+              </a:moveTo>
+              <a:lnTo>
+                <a:pt x="777866" y="13447"/>
+              </a:lnTo>
+            </a:path>
+          </a:pathLst>
+        </a:custGeom>
+        <a:noFill/>
+        <a:ln w="19050" cap="flat" cmpd="sng" algn="ctr">
+          <a:solidFill>
+            <a:schemeClr val="accent6"/>
+          </a:solidFill>
+          <a:prstDash val="solid"/>
+          <a:miter lim="800000"/>
+        </a:ln>
+        <a:effectLst/>
+      </dsp:spPr>
+      <dsp:style>
+        <a:lnRef idx="2">
+          <a:scrgbClr r="0" g="0" b="0"/>
+        </a:lnRef>
+        <a:fillRef idx="0">
+          <a:scrgbClr r="0" g="0" b="0"/>
+        </a:fillRef>
+        <a:effectRef idx="0">
+          <a:scrgbClr r="0" g="0" b="0"/>
+        </a:effectRef>
+        <a:fontRef idx="minor"/>
+      </dsp:style>
+      <dsp:txBody>
+        <a:bodyPr spcFirstLastPara="0" vert="horz" wrap="square" lIns="12700" tIns="0" rIns="12700" bIns="0" numCol="1" spcCol="1270" anchor="ctr" anchorCtr="0">
+          <a:noAutofit/>
+        </a:bodyPr>
+        <a:lstStyle/>
+        <a:p>
+          <a:pPr marL="0" lvl="0" indent="0" algn="ctr" defTabSz="222250">
+            <a:lnSpc>
+              <a:spcPct val="90000"/>
+            </a:lnSpc>
+            <a:spcBef>
+              <a:spcPct val="0"/>
+            </a:spcBef>
+            <a:spcAft>
+              <a:spcPct val="35000"/>
+            </a:spcAft>
+            <a:buNone/>
+          </a:pPr>
+          <a:endParaRPr lang="en-GB" sz="500" kern="1200">
+            <a:highlight>
+              <a:srgbClr val="008000"/>
+            </a:highlight>
+          </a:endParaRPr>
+        </a:p>
+      </dsp:txBody>
+      <dsp:txXfrm>
+        <a:off x="1856456" y="3037316"/>
+        <a:ext cx="38893" cy="38893"/>
+      </dsp:txXfrm>
+    </dsp:sp>
+    <dsp:sp modelId="{7FD029DC-F19B-4043-AC59-8FAEF4443BC6}">
+      <dsp:nvSpPr>
+        <dsp:cNvPr id="0" name=""/>
+        <dsp:cNvSpPr/>
+      </dsp:nvSpPr>
+      <dsp:spPr>
+        <a:xfrm>
+          <a:off x="2190834" y="2894746"/>
+          <a:ext cx="1560970" cy="780485"/>
+        </a:xfrm>
+        <a:prstGeom prst="roundRect">
+          <a:avLst>
+            <a:gd name="adj" fmla="val 10000"/>
+          </a:avLst>
+        </a:prstGeom>
+        <a:solidFill>
+          <a:schemeClr val="accent1">
+            <a:hueOff val="0"/>
+            <a:satOff val="0"/>
+            <a:lumOff val="0"/>
+            <a:alphaOff val="0"/>
+          </a:schemeClr>
+        </a:solidFill>
+        <a:ln w="19050" cap="flat" cmpd="sng" algn="ctr">
+          <a:solidFill>
+            <a:schemeClr val="lt1">
+              <a:hueOff val="0"/>
+              <a:satOff val="0"/>
+              <a:lumOff val="0"/>
+              <a:alphaOff val="0"/>
+            </a:schemeClr>
+          </a:solidFill>
+          <a:prstDash val="solid"/>
+          <a:miter lim="800000"/>
+        </a:ln>
+        <a:effectLst/>
+      </dsp:spPr>
+      <dsp:style>
+        <a:lnRef idx="2">
+          <a:scrgbClr r="0" g="0" b="0"/>
+        </a:lnRef>
+        <a:fillRef idx="1">
+          <a:scrgbClr r="0" g="0" b="0"/>
+        </a:fillRef>
+        <a:effectRef idx="0">
+          <a:scrgbClr r="0" g="0" b="0"/>
+        </a:effectRef>
+        <a:fontRef idx="minor">
+          <a:schemeClr val="lt1"/>
+        </a:fontRef>
+      </dsp:style>
+      <dsp:txBody>
+        <a:bodyPr spcFirstLastPara="0" vert="horz" wrap="square" lIns="8255" tIns="8255" rIns="8255" bIns="8255" numCol="1" spcCol="1270" anchor="ctr" anchorCtr="0">
+          <a:noAutofit/>
+        </a:bodyPr>
+        <a:lstStyle/>
+        <a:p>
+          <a:pPr marL="0" lvl="0" indent="0" algn="ctr" defTabSz="577850">
+            <a:lnSpc>
+              <a:spcPct val="90000"/>
+            </a:lnSpc>
+            <a:spcBef>
+              <a:spcPct val="0"/>
+            </a:spcBef>
+            <a:spcAft>
+              <a:spcPct val="35000"/>
+            </a:spcAft>
+            <a:buNone/>
+          </a:pPr>
+          <a:r>
+            <a:rPr lang="en-GB" sz="1300" kern="1200" dirty="0"/>
+            <a:t>Set f(x) = 1</a:t>
+          </a:r>
+        </a:p>
+      </dsp:txBody>
+      <dsp:txXfrm>
+        <a:off x="2213694" y="2917606"/>
+        <a:ext cx="1515250" cy="734765"/>
+      </dsp:txXfrm>
+    </dsp:sp>
+  </dsp:spTree>
+</dsp:drawing>
+</file>
+
+<file path=ppt/diagrams/drawing2.xml><?xml version="1.0" encoding="utf-8"?>
+<dsp:drawing xmlns:dgm="http://schemas.openxmlformats.org/drawingml/2006/diagram" xmlns:dsp="http://schemas.microsoft.com/office/drawing/2008/diagram" xmlns:a="http://schemas.openxmlformats.org/drawingml/2006/main">
+  <dsp:spTree>
+    <dsp:nvGrpSpPr>
+      <dsp:cNvPr id="0" name=""/>
+      <dsp:cNvGrpSpPr/>
+    </dsp:nvGrpSpPr>
+    <dsp:grpSpPr/>
+    <dsp:sp modelId="{70DA5D2E-1FDF-754B-8CE0-29C69B274661}">
+      <dsp:nvSpPr>
+        <dsp:cNvPr id="0" name=""/>
+        <dsp:cNvSpPr/>
+      </dsp:nvSpPr>
+      <dsp:spPr>
+        <a:xfrm>
+          <a:off x="2116" y="2482188"/>
+          <a:ext cx="2137833" cy="1068916"/>
+        </a:xfrm>
+        <a:prstGeom prst="roundRect">
+          <a:avLst>
+            <a:gd name="adj" fmla="val 10000"/>
+          </a:avLst>
+        </a:prstGeom>
+        <a:solidFill>
+          <a:schemeClr val="accent1">
+            <a:hueOff val="0"/>
+            <a:satOff val="0"/>
+            <a:lumOff val="0"/>
+            <a:alphaOff val="0"/>
+          </a:schemeClr>
+        </a:solidFill>
+        <a:ln w="19050" cap="flat" cmpd="sng" algn="ctr">
+          <a:solidFill>
+            <a:schemeClr val="lt1">
+              <a:hueOff val="0"/>
+              <a:satOff val="0"/>
+              <a:lumOff val="0"/>
+              <a:alphaOff val="0"/>
+            </a:schemeClr>
+          </a:solidFill>
+          <a:prstDash val="solid"/>
+          <a:miter lim="800000"/>
+        </a:ln>
+        <a:effectLst/>
+      </dsp:spPr>
+      <dsp:style>
+        <a:lnRef idx="2">
+          <a:scrgbClr r="0" g="0" b="0"/>
+        </a:lnRef>
+        <a:fillRef idx="1">
+          <a:scrgbClr r="0" g="0" b="0"/>
+        </a:fillRef>
+        <a:effectRef idx="0">
+          <a:scrgbClr r="0" g="0" b="0"/>
+        </a:effectRef>
+        <a:fontRef idx="minor">
+          <a:schemeClr val="lt1"/>
+        </a:fontRef>
+      </dsp:style>
+      <dsp:txBody>
+        <a:bodyPr spcFirstLastPara="0" vert="horz" wrap="square" lIns="13970" tIns="13970" rIns="13970" bIns="13970" numCol="1" spcCol="1270" anchor="ctr" anchorCtr="0">
+          <a:noAutofit/>
+        </a:bodyPr>
+        <a:lstStyle/>
+        <a:p>
+          <a:pPr marL="0" lvl="0" indent="0" algn="ctr" defTabSz="977900">
+            <a:lnSpc>
+              <a:spcPct val="90000"/>
+            </a:lnSpc>
+            <a:spcBef>
+              <a:spcPct val="0"/>
+            </a:spcBef>
+            <a:spcAft>
+              <a:spcPct val="35000"/>
+            </a:spcAft>
+            <a:buNone/>
+          </a:pPr>
+          <a:r>
+            <a:rPr lang="en-GB" sz="2200" kern="1200" dirty="0"/>
+            <a:t>Intersection of f(x) and baseline uncertainties</a:t>
+          </a:r>
+        </a:p>
+      </dsp:txBody>
+      <dsp:txXfrm>
+        <a:off x="33423" y="2513495"/>
+        <a:ext cx="2075219" cy="1006302"/>
+      </dsp:txXfrm>
+    </dsp:sp>
+    <dsp:sp modelId="{5A8C4869-E23A-8B4A-8AF5-EBCE411E7C0E}">
+      <dsp:nvSpPr>
+        <dsp:cNvPr id="0" name=""/>
+        <dsp:cNvSpPr/>
+      </dsp:nvSpPr>
+      <dsp:spPr>
+        <a:xfrm rot="19457599">
+          <a:off x="2040966" y="2691579"/>
+          <a:ext cx="1053099" cy="35507"/>
+        </a:xfrm>
+        <a:custGeom>
+          <a:avLst/>
+          <a:gdLst/>
+          <a:ahLst/>
+          <a:cxnLst/>
+          <a:rect l="0" t="0" r="0" b="0"/>
+          <a:pathLst>
+            <a:path>
+              <a:moveTo>
+                <a:pt x="0" y="17753"/>
+              </a:moveTo>
+              <a:lnTo>
+                <a:pt x="1053099" y="17753"/>
+              </a:lnTo>
+            </a:path>
+          </a:pathLst>
+        </a:custGeom>
+        <a:noFill/>
+        <a:ln w="19050" cap="flat" cmpd="sng" algn="ctr">
+          <a:solidFill>
+            <a:srgbClr val="C00000"/>
+          </a:solidFill>
+          <a:prstDash val="solid"/>
+          <a:miter lim="800000"/>
+        </a:ln>
+        <a:effectLst/>
+      </dsp:spPr>
+      <dsp:style>
+        <a:lnRef idx="2">
+          <a:scrgbClr r="0" g="0" b="0"/>
+        </a:lnRef>
+        <a:fillRef idx="0">
+          <a:scrgbClr r="0" g="0" b="0"/>
+        </a:fillRef>
+        <a:effectRef idx="0">
+          <a:scrgbClr r="0" g="0" b="0"/>
+        </a:effectRef>
+        <a:fontRef idx="minor"/>
+      </dsp:style>
+      <dsp:txBody>
+        <a:bodyPr spcFirstLastPara="0" vert="horz" wrap="square" lIns="12700" tIns="0" rIns="12700" bIns="0" numCol="1" spcCol="1270" anchor="ctr" anchorCtr="0">
+          <a:noAutofit/>
+        </a:bodyPr>
+        <a:lstStyle/>
+        <a:p>
+          <a:pPr marL="0" lvl="0" indent="0" algn="ctr" defTabSz="222250">
+            <a:lnSpc>
+              <a:spcPct val="90000"/>
+            </a:lnSpc>
+            <a:spcBef>
+              <a:spcPct val="0"/>
+            </a:spcBef>
+            <a:spcAft>
+              <a:spcPct val="35000"/>
+            </a:spcAft>
+            <a:buNone/>
+          </a:pPr>
+          <a:endParaRPr lang="en-GB" sz="500" kern="1200"/>
+        </a:p>
+      </dsp:txBody>
+      <dsp:txXfrm>
+        <a:off x="2541189" y="2683006"/>
+        <a:ext cx="52654" cy="52654"/>
+      </dsp:txXfrm>
+    </dsp:sp>
+    <dsp:sp modelId="{C91FF513-387F-2B44-87A1-B8A7E3903FBD}">
+      <dsp:nvSpPr>
+        <dsp:cNvPr id="0" name=""/>
+        <dsp:cNvSpPr/>
+      </dsp:nvSpPr>
+      <dsp:spPr>
+        <a:xfrm>
+          <a:off x="2995083" y="1867561"/>
+          <a:ext cx="2137833" cy="1068916"/>
+        </a:xfrm>
+        <a:prstGeom prst="roundRect">
+          <a:avLst>
+            <a:gd name="adj" fmla="val 10000"/>
+          </a:avLst>
+        </a:prstGeom>
+        <a:solidFill>
+          <a:schemeClr val="accent1">
+            <a:hueOff val="0"/>
+            <a:satOff val="0"/>
+            <a:lumOff val="0"/>
+            <a:alphaOff val="0"/>
+          </a:schemeClr>
+        </a:solidFill>
+        <a:ln w="19050" cap="flat" cmpd="sng" algn="ctr">
+          <a:solidFill>
+            <a:schemeClr val="lt1">
+              <a:hueOff val="0"/>
+              <a:satOff val="0"/>
+              <a:lumOff val="0"/>
+              <a:alphaOff val="0"/>
+            </a:schemeClr>
+          </a:solidFill>
+          <a:prstDash val="solid"/>
+          <a:miter lim="800000"/>
+        </a:ln>
+        <a:effectLst/>
+      </dsp:spPr>
+      <dsp:style>
+        <a:lnRef idx="2">
+          <a:scrgbClr r="0" g="0" b="0"/>
+        </a:lnRef>
+        <a:fillRef idx="1">
+          <a:scrgbClr r="0" g="0" b="0"/>
+        </a:fillRef>
+        <a:effectRef idx="0">
+          <a:scrgbClr r="0" g="0" b="0"/>
+        </a:effectRef>
+        <a:fontRef idx="minor">
+          <a:schemeClr val="lt1"/>
+        </a:fontRef>
+      </dsp:style>
+      <dsp:txBody>
+        <a:bodyPr spcFirstLastPara="0" vert="horz" wrap="square" lIns="13970" tIns="13970" rIns="13970" bIns="13970" numCol="1" spcCol="1270" anchor="ctr" anchorCtr="0">
+          <a:noAutofit/>
+        </a:bodyPr>
+        <a:lstStyle/>
+        <a:p>
+          <a:pPr marL="0" lvl="0" indent="0" algn="ctr" defTabSz="977900">
+            <a:lnSpc>
+              <a:spcPct val="90000"/>
+            </a:lnSpc>
+            <a:spcBef>
+              <a:spcPct val="0"/>
+            </a:spcBef>
+            <a:spcAft>
+              <a:spcPct val="35000"/>
+            </a:spcAft>
+            <a:buNone/>
+          </a:pPr>
+          <a:r>
+            <a:rPr lang="en-GB" sz="2200" kern="1200" dirty="0"/>
+            <a:t>f(x) above/below baseline</a:t>
+          </a:r>
+        </a:p>
+      </dsp:txBody>
+      <dsp:txXfrm>
+        <a:off x="3026390" y="1898868"/>
+        <a:ext cx="2075219" cy="1006302"/>
+      </dsp:txXfrm>
+    </dsp:sp>
+    <dsp:sp modelId="{71A342BF-E1FD-A74C-93C8-D9F6D0204518}">
+      <dsp:nvSpPr>
+        <dsp:cNvPr id="0" name=""/>
+        <dsp:cNvSpPr/>
+      </dsp:nvSpPr>
+      <dsp:spPr>
+        <a:xfrm rot="19457599">
+          <a:off x="5033933" y="2076952"/>
+          <a:ext cx="1053099" cy="35507"/>
+        </a:xfrm>
+        <a:custGeom>
+          <a:avLst/>
+          <a:gdLst/>
+          <a:ahLst/>
+          <a:cxnLst/>
+          <a:rect l="0" t="0" r="0" b="0"/>
+          <a:pathLst>
+            <a:path>
+              <a:moveTo>
+                <a:pt x="0" y="17753"/>
+              </a:moveTo>
+              <a:lnTo>
+                <a:pt x="1053099" y="17753"/>
+              </a:lnTo>
+            </a:path>
+          </a:pathLst>
+        </a:custGeom>
+        <a:noFill/>
+        <a:ln w="19050" cap="flat" cmpd="sng" algn="ctr">
+          <a:solidFill>
+            <a:schemeClr val="accent1">
+              <a:shade val="80000"/>
+              <a:hueOff val="0"/>
+              <a:satOff val="0"/>
+              <a:lumOff val="0"/>
+              <a:alphaOff val="0"/>
+            </a:schemeClr>
+          </a:solidFill>
+          <a:prstDash val="solid"/>
+          <a:miter lim="800000"/>
+        </a:ln>
+        <a:effectLst/>
+      </dsp:spPr>
+      <dsp:style>
+        <a:lnRef idx="2">
+          <a:scrgbClr r="0" g="0" b="0"/>
+        </a:lnRef>
+        <a:fillRef idx="0">
+          <a:scrgbClr r="0" g="0" b="0"/>
+        </a:fillRef>
+        <a:effectRef idx="0">
+          <a:scrgbClr r="0" g="0" b="0"/>
+        </a:effectRef>
+        <a:fontRef idx="minor"/>
+      </dsp:style>
+      <dsp:txBody>
+        <a:bodyPr spcFirstLastPara="0" vert="horz" wrap="square" lIns="12700" tIns="0" rIns="12700" bIns="0" numCol="1" spcCol="1270" anchor="ctr" anchorCtr="0">
+          <a:noAutofit/>
+        </a:bodyPr>
+        <a:lstStyle/>
+        <a:p>
+          <a:pPr marL="0" lvl="0" indent="0" algn="ctr" defTabSz="222250">
+            <a:lnSpc>
+              <a:spcPct val="90000"/>
+            </a:lnSpc>
+            <a:spcBef>
+              <a:spcPct val="0"/>
+            </a:spcBef>
+            <a:spcAft>
+              <a:spcPct val="35000"/>
+            </a:spcAft>
+            <a:buNone/>
+          </a:pPr>
+          <a:endParaRPr lang="en-GB" sz="500" kern="1200"/>
+        </a:p>
+      </dsp:txBody>
+      <dsp:txXfrm>
+        <a:off x="5534155" y="2068378"/>
+        <a:ext cx="52654" cy="52654"/>
+      </dsp:txXfrm>
+    </dsp:sp>
+    <dsp:sp modelId="{B23EDE45-D0BF-A74C-9C49-45C23910C9A4}">
+      <dsp:nvSpPr>
+        <dsp:cNvPr id="0" name=""/>
+        <dsp:cNvSpPr/>
+      </dsp:nvSpPr>
+      <dsp:spPr>
+        <a:xfrm>
+          <a:off x="5988050" y="1252934"/>
+          <a:ext cx="2137833" cy="1068916"/>
+        </a:xfrm>
+        <a:prstGeom prst="roundRect">
+          <a:avLst>
+            <a:gd name="adj" fmla="val 10000"/>
+          </a:avLst>
+        </a:prstGeom>
+        <a:solidFill>
+          <a:schemeClr val="accent1">
+            <a:hueOff val="0"/>
+            <a:satOff val="0"/>
+            <a:lumOff val="0"/>
+            <a:alphaOff val="0"/>
+          </a:schemeClr>
+        </a:solidFill>
+        <a:ln w="19050" cap="flat" cmpd="sng" algn="ctr">
+          <a:solidFill>
+            <a:schemeClr val="lt1">
+              <a:hueOff val="0"/>
+              <a:satOff val="0"/>
+              <a:lumOff val="0"/>
+              <a:alphaOff val="0"/>
+            </a:schemeClr>
+          </a:solidFill>
+          <a:prstDash val="solid"/>
+          <a:miter lim="800000"/>
+        </a:ln>
+        <a:effectLst/>
+      </dsp:spPr>
+      <dsp:style>
+        <a:lnRef idx="2">
+          <a:scrgbClr r="0" g="0" b="0"/>
+        </a:lnRef>
+        <a:fillRef idx="1">
+          <a:scrgbClr r="0" g="0" b="0"/>
+        </a:fillRef>
+        <a:effectRef idx="0">
+          <a:scrgbClr r="0" g="0" b="0"/>
+        </a:effectRef>
+        <a:fontRef idx="minor">
+          <a:schemeClr val="lt1"/>
+        </a:fontRef>
+      </dsp:style>
+      <dsp:txBody>
+        <a:bodyPr spcFirstLastPara="0" vert="horz" wrap="square" lIns="13970" tIns="13970" rIns="13970" bIns="13970" numCol="1" spcCol="1270" anchor="ctr" anchorCtr="0">
+          <a:noAutofit/>
+        </a:bodyPr>
+        <a:lstStyle/>
+        <a:p>
+          <a:pPr marL="0" lvl="0" indent="0" algn="ctr" defTabSz="977900">
+            <a:lnSpc>
+              <a:spcPct val="90000"/>
+            </a:lnSpc>
+            <a:spcBef>
+              <a:spcPct val="0"/>
+            </a:spcBef>
+            <a:spcAft>
+              <a:spcPct val="35000"/>
+            </a:spcAft>
+            <a:buNone/>
+          </a:pPr>
+          <a:r>
+            <a:rPr lang="en-GB" sz="2200" kern="1200" dirty="0"/>
+            <a:t>Set f(x) to upper limit of baseline uncertainty</a:t>
+          </a:r>
+        </a:p>
+      </dsp:txBody>
+      <dsp:txXfrm>
+        <a:off x="6019357" y="1284241"/>
+        <a:ext cx="2075219" cy="1006302"/>
+      </dsp:txXfrm>
+    </dsp:sp>
+    <dsp:sp modelId="{0A55E81E-48B5-DC4E-842A-3CAE55EC331D}">
+      <dsp:nvSpPr>
+        <dsp:cNvPr id="0" name=""/>
+        <dsp:cNvSpPr/>
+      </dsp:nvSpPr>
+      <dsp:spPr>
+        <a:xfrm rot="2142401">
+          <a:off x="5033933" y="2691579"/>
+          <a:ext cx="1053099" cy="35507"/>
+        </a:xfrm>
+        <a:custGeom>
+          <a:avLst/>
+          <a:gdLst/>
+          <a:ahLst/>
+          <a:cxnLst/>
+          <a:rect l="0" t="0" r="0" b="0"/>
+          <a:pathLst>
+            <a:path>
+              <a:moveTo>
+                <a:pt x="0" y="17753"/>
+              </a:moveTo>
+              <a:lnTo>
+                <a:pt x="1053099" y="17753"/>
+              </a:lnTo>
+            </a:path>
+          </a:pathLst>
+        </a:custGeom>
+        <a:noFill/>
+        <a:ln w="19050" cap="flat" cmpd="sng" algn="ctr">
+          <a:solidFill>
+            <a:schemeClr val="accent1">
+              <a:shade val="80000"/>
+              <a:hueOff val="0"/>
+              <a:satOff val="0"/>
+              <a:lumOff val="0"/>
+              <a:alphaOff val="0"/>
+            </a:schemeClr>
+          </a:solidFill>
+          <a:prstDash val="solid"/>
+          <a:miter lim="800000"/>
+        </a:ln>
+        <a:effectLst/>
+      </dsp:spPr>
+      <dsp:style>
+        <a:lnRef idx="2">
+          <a:scrgbClr r="0" g="0" b="0"/>
+        </a:lnRef>
+        <a:fillRef idx="0">
+          <a:scrgbClr r="0" g="0" b="0"/>
+        </a:fillRef>
+        <a:effectRef idx="0">
+          <a:scrgbClr r="0" g="0" b="0"/>
+        </a:effectRef>
+        <a:fontRef idx="minor"/>
+      </dsp:style>
+      <dsp:txBody>
+        <a:bodyPr spcFirstLastPara="0" vert="horz" wrap="square" lIns="12700" tIns="0" rIns="12700" bIns="0" numCol="1" spcCol="1270" anchor="ctr" anchorCtr="0">
+          <a:noAutofit/>
+        </a:bodyPr>
+        <a:lstStyle/>
+        <a:p>
+          <a:pPr marL="0" lvl="0" indent="0" algn="ctr" defTabSz="222250">
+            <a:lnSpc>
+              <a:spcPct val="90000"/>
+            </a:lnSpc>
+            <a:spcBef>
+              <a:spcPct val="0"/>
+            </a:spcBef>
+            <a:spcAft>
+              <a:spcPct val="35000"/>
+            </a:spcAft>
+            <a:buNone/>
+          </a:pPr>
+          <a:endParaRPr lang="en-GB" sz="500" kern="1200"/>
+        </a:p>
+      </dsp:txBody>
+      <dsp:txXfrm>
+        <a:off x="5534155" y="2683006"/>
+        <a:ext cx="52654" cy="52654"/>
+      </dsp:txXfrm>
+    </dsp:sp>
+    <dsp:sp modelId="{B2975893-33A3-DB4E-B1B6-483E613F8F26}">
+      <dsp:nvSpPr>
+        <dsp:cNvPr id="0" name=""/>
+        <dsp:cNvSpPr/>
+      </dsp:nvSpPr>
+      <dsp:spPr>
+        <a:xfrm>
+          <a:off x="5988050" y="2482188"/>
+          <a:ext cx="2137833" cy="1068916"/>
+        </a:xfrm>
+        <a:prstGeom prst="roundRect">
+          <a:avLst>
+            <a:gd name="adj" fmla="val 10000"/>
+          </a:avLst>
+        </a:prstGeom>
+        <a:solidFill>
+          <a:schemeClr val="accent1">
+            <a:hueOff val="0"/>
+            <a:satOff val="0"/>
+            <a:lumOff val="0"/>
+            <a:alphaOff val="0"/>
+          </a:schemeClr>
+        </a:solidFill>
+        <a:ln w="19050" cap="flat" cmpd="sng" algn="ctr">
+          <a:solidFill>
+            <a:schemeClr val="lt1">
+              <a:hueOff val="0"/>
+              <a:satOff val="0"/>
+              <a:lumOff val="0"/>
+              <a:alphaOff val="0"/>
+            </a:schemeClr>
+          </a:solidFill>
+          <a:prstDash val="solid"/>
+          <a:miter lim="800000"/>
+        </a:ln>
+        <a:effectLst/>
+      </dsp:spPr>
+      <dsp:style>
+        <a:lnRef idx="2">
+          <a:scrgbClr r="0" g="0" b="0"/>
+        </a:lnRef>
+        <a:fillRef idx="1">
+          <a:scrgbClr r="0" g="0" b="0"/>
+        </a:fillRef>
+        <a:effectRef idx="0">
+          <a:scrgbClr r="0" g="0" b="0"/>
+        </a:effectRef>
+        <a:fontRef idx="minor">
+          <a:schemeClr val="lt1"/>
+        </a:fontRef>
+      </dsp:style>
+      <dsp:txBody>
+        <a:bodyPr spcFirstLastPara="0" vert="horz" wrap="square" lIns="13970" tIns="13970" rIns="13970" bIns="13970" numCol="1" spcCol="1270" anchor="ctr" anchorCtr="0">
+          <a:noAutofit/>
+        </a:bodyPr>
+        <a:lstStyle/>
+        <a:p>
+          <a:pPr marL="0" lvl="0" indent="0" algn="ctr" defTabSz="977900">
+            <a:lnSpc>
+              <a:spcPct val="90000"/>
+            </a:lnSpc>
+            <a:spcBef>
+              <a:spcPct val="0"/>
+            </a:spcBef>
+            <a:spcAft>
+              <a:spcPct val="35000"/>
+            </a:spcAft>
+            <a:buNone/>
+          </a:pPr>
+          <a:r>
+            <a:rPr lang="en-GB" sz="2200" kern="1200" dirty="0"/>
+            <a:t>Set f(x) to lower limit of baseline uncertainty</a:t>
+          </a:r>
+        </a:p>
+      </dsp:txBody>
+      <dsp:txXfrm>
+        <a:off x="6019357" y="2513495"/>
+        <a:ext cx="2075219" cy="1006302"/>
+      </dsp:txXfrm>
+    </dsp:sp>
+    <dsp:sp modelId="{5D22830B-9321-F34C-97E5-F205D72A6998}">
+      <dsp:nvSpPr>
+        <dsp:cNvPr id="0" name=""/>
+        <dsp:cNvSpPr/>
+      </dsp:nvSpPr>
+      <dsp:spPr>
+        <a:xfrm rot="2142401">
+          <a:off x="2040966" y="3306206"/>
+          <a:ext cx="1053099" cy="35507"/>
+        </a:xfrm>
+        <a:custGeom>
+          <a:avLst/>
+          <a:gdLst/>
+          <a:ahLst/>
+          <a:cxnLst/>
+          <a:rect l="0" t="0" r="0" b="0"/>
+          <a:pathLst>
+            <a:path>
+              <a:moveTo>
+                <a:pt x="0" y="17753"/>
+              </a:moveTo>
+              <a:lnTo>
+                <a:pt x="1053099" y="17753"/>
+              </a:lnTo>
+            </a:path>
+          </a:pathLst>
+        </a:custGeom>
+        <a:noFill/>
+        <a:ln w="19050" cap="flat" cmpd="sng" algn="ctr">
+          <a:solidFill>
+            <a:schemeClr val="accent6"/>
+          </a:solidFill>
+          <a:prstDash val="solid"/>
+          <a:miter lim="800000"/>
+        </a:ln>
+        <a:effectLst/>
+      </dsp:spPr>
+      <dsp:style>
+        <a:lnRef idx="2">
+          <a:scrgbClr r="0" g="0" b="0"/>
+        </a:lnRef>
+        <a:fillRef idx="0">
+          <a:scrgbClr r="0" g="0" b="0"/>
+        </a:fillRef>
+        <a:effectRef idx="0">
+          <a:scrgbClr r="0" g="0" b="0"/>
+        </a:effectRef>
+        <a:fontRef idx="minor"/>
+      </dsp:style>
+      <dsp:txBody>
+        <a:bodyPr spcFirstLastPara="0" vert="horz" wrap="square" lIns="12700" tIns="0" rIns="12700" bIns="0" numCol="1" spcCol="1270" anchor="ctr" anchorCtr="0">
+          <a:noAutofit/>
+        </a:bodyPr>
+        <a:lstStyle/>
+        <a:p>
+          <a:pPr marL="0" lvl="0" indent="0" algn="ctr" defTabSz="222250">
+            <a:lnSpc>
+              <a:spcPct val="90000"/>
+            </a:lnSpc>
+            <a:spcBef>
+              <a:spcPct val="0"/>
+            </a:spcBef>
+            <a:spcAft>
+              <a:spcPct val="35000"/>
+            </a:spcAft>
+            <a:buNone/>
+          </a:pPr>
+          <a:endParaRPr lang="en-GB" sz="500" kern="1200"/>
+        </a:p>
+      </dsp:txBody>
+      <dsp:txXfrm>
+        <a:off x="2541189" y="3297633"/>
+        <a:ext cx="52654" cy="52654"/>
+      </dsp:txXfrm>
+    </dsp:sp>
+    <dsp:sp modelId="{D885F931-1C39-6B4A-B277-05245963C7F1}">
+      <dsp:nvSpPr>
+        <dsp:cNvPr id="0" name=""/>
+        <dsp:cNvSpPr/>
+      </dsp:nvSpPr>
+      <dsp:spPr>
+        <a:xfrm>
+          <a:off x="2995083" y="3096815"/>
+          <a:ext cx="2137833" cy="1068916"/>
+        </a:xfrm>
+        <a:prstGeom prst="roundRect">
+          <a:avLst>
+            <a:gd name="adj" fmla="val 10000"/>
+          </a:avLst>
+        </a:prstGeom>
+        <a:solidFill>
+          <a:schemeClr val="accent1">
+            <a:hueOff val="0"/>
+            <a:satOff val="0"/>
+            <a:lumOff val="0"/>
+            <a:alphaOff val="0"/>
+          </a:schemeClr>
+        </a:solidFill>
+        <a:ln w="19050" cap="flat" cmpd="sng" algn="ctr">
+          <a:solidFill>
+            <a:schemeClr val="lt1">
+              <a:hueOff val="0"/>
+              <a:satOff val="0"/>
+              <a:lumOff val="0"/>
+              <a:alphaOff val="0"/>
+            </a:schemeClr>
+          </a:solidFill>
+          <a:prstDash val="solid"/>
+          <a:miter lim="800000"/>
+        </a:ln>
+        <a:effectLst/>
+      </dsp:spPr>
+      <dsp:style>
+        <a:lnRef idx="2">
+          <a:scrgbClr r="0" g="0" b="0"/>
+        </a:lnRef>
+        <a:fillRef idx="1">
+          <a:scrgbClr r="0" g="0" b="0"/>
+        </a:fillRef>
+        <a:effectRef idx="0">
+          <a:scrgbClr r="0" g="0" b="0"/>
+        </a:effectRef>
+        <a:fontRef idx="minor">
+          <a:schemeClr val="lt1"/>
+        </a:fontRef>
+      </dsp:style>
+      <dsp:txBody>
+        <a:bodyPr spcFirstLastPara="0" vert="horz" wrap="square" lIns="13970" tIns="13970" rIns="13970" bIns="13970" numCol="1" spcCol="1270" anchor="ctr" anchorCtr="0">
+          <a:noAutofit/>
+        </a:bodyPr>
+        <a:lstStyle/>
+        <a:p>
+          <a:pPr marL="0" lvl="0" indent="0" algn="ctr" defTabSz="977900">
+            <a:lnSpc>
+              <a:spcPct val="90000"/>
+            </a:lnSpc>
+            <a:spcBef>
+              <a:spcPct val="0"/>
+            </a:spcBef>
+            <a:spcAft>
+              <a:spcPct val="35000"/>
+            </a:spcAft>
+            <a:buNone/>
+          </a:pPr>
+          <a:r>
+            <a:rPr lang="en-GB" sz="2200" kern="1200" dirty="0"/>
+            <a:t>done</a:t>
+          </a:r>
+        </a:p>
+      </dsp:txBody>
+      <dsp:txXfrm>
+        <a:off x="3026390" y="3128122"/>
+        <a:ext cx="2075219" cy="1006302"/>
+      </dsp:txXfrm>
+    </dsp:sp>
+  </dsp:spTree>
+</dsp:drawing>
+</file>
+
+<file path=ppt/diagrams/layout1.xml><?xml version="1.0" encoding="utf-8"?>
+<dgm:layoutDef xmlns:dgm="http://schemas.openxmlformats.org/drawingml/2006/diagram" xmlns:a="http://schemas.openxmlformats.org/drawingml/2006/main" uniqueId="urn:microsoft.com/office/officeart/2005/8/layout/hierarchy2">
+  <dgm:title val=""/>
+  <dgm:desc val=""/>
+  <dgm:catLst>
+    <dgm:cat type="hierarchy" pri="5000"/>
+  </dgm:catLst>
+  <dgm:sampData>
+    <dgm:dataModel>
+      <dgm:ptLst>
+        <dgm:pt modelId="0" type="doc"/>
+        <dgm:pt modelId="1">
+          <dgm:prSet phldr="1"/>
+        </dgm:pt>
+        <dgm:pt modelId="2">
+          <dgm:prSet phldr="1"/>
+        </dgm:pt>
+        <dgm:pt modelId="21">
+          <dgm:prSet phldr="1"/>
+        </dgm:pt>
+        <dgm:pt modelId="22">
+          <dgm:prSet phldr="1"/>
+        </dgm:pt>
+        <dgm:pt modelId="3">
+          <dgm:prSet phldr="1"/>
+        </dgm:pt>
+        <dgm:pt modelId="31">
+          <dgm:prSet phldr="1"/>
+        </dgm:pt>
+      </dgm:ptLst>
+      <dgm:cxnLst>
+        <dgm:cxn modelId="4" srcId="0" destId="1" srcOrd="0" destOrd="0"/>
+        <dgm:cxn modelId="5" srcId="1" destId="2" srcOrd="0" destOrd="0"/>
+        <dgm:cxn modelId="6" srcId="1" destId="3" srcOrd="1" destOrd="0"/>
+        <dgm:cxn modelId="23" srcId="2" destId="21" srcOrd="0" destOrd="0"/>
+        <dgm:cxn modelId="24" srcId="2" destId="22" srcOrd="1" destOrd="0"/>
+        <dgm:cxn modelId="33" srcId="3" destId="31" srcOrd="0" destOrd="0"/>
+      </dgm:cxnLst>
+      <dgm:bg/>
+      <dgm:whole/>
+    </dgm:dataModel>
+  </dgm:sampData>
+  <dgm:styleData>
+    <dgm:dataModel>
+      <dgm:ptLst>
+        <dgm:pt modelId="0" type="doc"/>
+        <dgm:pt modelId="1"/>
+        <dgm:pt modelId="11"/>
+        <dgm:pt modelId="12"/>
+      </dgm:ptLst>
+      <dgm:cxnLst>
+        <dgm:cxn modelId="2" srcId="0" destId="1" srcOrd="0" destOrd="0"/>
+        <dgm:cxn modelId="13" srcId="1" destId="11" srcOrd="0" destOrd="0"/>
+        <dgm:cxn modelId="14" srcId="1" destId="12" srcOrd="1" destOrd="0"/>
+      </dgm:cxnLst>
+      <dgm:bg/>
+      <dgm:whole/>
+    </dgm:dataModel>
+  </dgm:styleData>
+  <dgm:clrData>
+    <dgm:dataModel>
+      <dgm:ptLst>
+        <dgm:pt modelId="0" type="doc"/>
+        <dgm:pt modelId="1"/>
+        <dgm:pt modelId="2"/>
+        <dgm:pt modelId="21"/>
+        <dgm:pt modelId="211"/>
+        <dgm:pt modelId="3"/>
+        <dgm:pt modelId="31"/>
+        <dgm:pt modelId="311"/>
+      </dgm:ptLst>
+      <dgm:cxnLst>
+        <dgm:cxn modelId="4" srcId="0" destId="1" srcOrd="0" destOrd="0"/>
+        <dgm:cxn modelId="5" srcId="1" destId="2" srcOrd="0" destOrd="0"/>
+        <dgm:cxn modelId="6" srcId="1" destId="3" srcOrd="1" destOrd="0"/>
+        <dgm:cxn modelId="23" srcId="2" destId="21" srcOrd="0" destOrd="0"/>
+        <dgm:cxn modelId="24" srcId="21" destId="211" srcOrd="0" destOrd="0"/>
+        <dgm:cxn modelId="33" srcId="3" destId="31" srcOrd="0" destOrd="0"/>
+        <dgm:cxn modelId="34" srcId="31" destId="311" srcOrd="0" destOrd="0"/>
+      </dgm:cxnLst>
+      <dgm:bg/>
+      <dgm:whole/>
+    </dgm:dataModel>
+  </dgm:clrData>
+  <dgm:layoutNode name="diagram">
+    <dgm:varLst>
+      <dgm:chPref val="1"/>
+      <dgm:dir/>
+      <dgm:animOne val="branch"/>
+      <dgm:animLvl val="lvl"/>
+      <dgm:resizeHandles val="exact"/>
+    </dgm:varLst>
+    <dgm:choose name="Name0">
+      <dgm:if name="Name1" func="var" arg="dir" op="equ" val="norm">
+        <dgm:alg type="hierChild">
+          <dgm:param type="linDir" val="fromT"/>
+          <dgm:param type="chAlign" val="l"/>
+        </dgm:alg>
+      </dgm:if>
+      <dgm:else name="Name2">
+        <dgm:alg type="hierChild">
+          <dgm:param type="linDir" val="fromT"/>
+          <dgm:param type="chAlign" val="r"/>
+        </dgm:alg>
+      </dgm:else>
+    </dgm:choose>
+    <dgm:shape xmlns:r="http://schemas.openxmlformats.org/officeDocument/2006/relationships" r:blip="">
+      <dgm:adjLst/>
+    </dgm:shape>
+    <dgm:presOf/>
+    <dgm:constrLst>
+      <dgm:constr type="h" for="des" ptType="node" refType="h"/>
+      <dgm:constr type="w" for="des" ptType="node" refType="h" refFor="des" refPtType="node" fact="2"/>
+      <dgm:constr type="sibSp" refType="h" refFor="des" refPtType="node" op="equ" fact="0.15"/>
+      <dgm:constr type="sibSp" for="des" forName="level2hierChild" refType="h" refFor="des" refPtType="node" op="equ" fact="0.15"/>
+      <dgm:constr type="sibSp" for="des" forName="level3hierChild" refType="h" refFor="des" refPtType="node" op="equ" fact="0.15"/>
+      <dgm:constr type="sp" for="des" forName="root1" refType="w" refFor="des" refPtType="node" fact="0.4"/>
+      <dgm:constr type="sp" for="des" forName="root2" refType="sp" refFor="des" refForName="root1" op="equ"/>
+      <dgm:constr type="primFontSz" for="des" ptType="node" op="equ" val="65"/>
+      <dgm:constr type="primFontSz" for="des" forName="connTx" op="equ" val="55"/>
+      <dgm:constr type="primFontSz" for="des" forName="connTx" refType="primFontSz" refFor="des" refPtType="node" op="lte" fact="0.8"/>
+    </dgm:constrLst>
+    <dgm:ruleLst/>
+    <dgm:forEach name="Name3" axis="ch">
+      <dgm:forEach name="Name4" axis="self" ptType="node">
+        <dgm:layoutNode name="root1">
+          <dgm:choose name="Name5">
+            <dgm:if name="Name6" func="var" arg="dir" op="equ" val="norm">
+              <dgm:alg type="hierRoot">
+                <dgm:param type="hierAlign" val="lCtrCh"/>
+              </dgm:alg>
+            </dgm:if>
+            <dgm:else name="Name7">
+              <dgm:alg type="hierRoot">
+                <dgm:param type="hierAlign" val="rCtrCh"/>
+              </dgm:alg>
+            </dgm:else>
+          </dgm:choose>
+          <dgm:shape xmlns:r="http://schemas.openxmlformats.org/officeDocument/2006/relationships" r:blip="">
+            <dgm:adjLst/>
+          </dgm:shape>
+          <dgm:presOf/>
+          <dgm:constrLst/>
+          <dgm:ruleLst/>
+          <dgm:layoutNode name="LevelOneTextNode" styleLbl="node0">
+            <dgm:varLst>
+              <dgm:chPref val="3"/>
+            </dgm:varLst>
+            <dgm:alg type="tx"/>
+            <dgm:shape xmlns:r="http://schemas.openxmlformats.org/officeDocument/2006/relationships" type="roundRect" r:blip="">
+              <dgm:adjLst>
+                <dgm:adj idx="1" val="0.1"/>
+              </dgm:adjLst>
+            </dgm:shape>
+            <dgm:presOf axis="self"/>
+            <dgm:constrLst>
+              <dgm:constr type="tMarg" refType="primFontSz" fact="0.05"/>
+              <dgm:constr type="bMarg" refType="primFontSz" fact="0.05"/>
+              <dgm:constr type="lMarg" refType="primFontSz" fact="0.05"/>
+              <dgm:constr type="rMarg" refType="primFontSz" fact="0.05"/>
+            </dgm:constrLst>
+            <dgm:ruleLst>
+              <dgm:rule type="primFontSz" val="5" fact="NaN" max="NaN"/>
+            </dgm:ruleLst>
+          </dgm:layoutNode>
+          <dgm:layoutNode name="level2hierChild">
+            <dgm:choose name="Name8">
+              <dgm:if name="Name9" func="var" arg="dir" op="equ" val="norm">
+                <dgm:alg type="hierChild">
+                  <dgm:param type="linDir" val="fromT"/>
+                  <dgm:param type="chAlign" val="l"/>
+                </dgm:alg>
+              </dgm:if>
+              <dgm:else name="Name10">
+                <dgm:alg type="hierChild">
+                  <dgm:param type="linDir" val="fromT"/>
+                  <dgm:param type="chAlign" val="r"/>
+                </dgm:alg>
+              </dgm:else>
+            </dgm:choose>
+            <dgm:shape xmlns:r="http://schemas.openxmlformats.org/officeDocument/2006/relationships" r:blip="">
+              <dgm:adjLst/>
+            </dgm:shape>
+            <dgm:presOf/>
+            <dgm:constrLst/>
+            <dgm:ruleLst/>
+            <dgm:forEach name="repeat" axis="ch">
+              <dgm:forEach name="Name11" axis="self" ptType="parTrans" cnt="1">
+                <dgm:layoutNode name="conn2-1">
+                  <dgm:choose name="Name12">
+                    <dgm:if name="Name13" func="var" arg="dir" op="equ" val="norm">
+                      <dgm:alg type="conn">
+                        <dgm:param type="dim" val="1D"/>
+                        <dgm:param type="begPts" val="midR"/>
+                        <dgm:param type="endPts" val="midL"/>
+                        <dgm:param type="endSty" val="noArr"/>
+                      </dgm:alg>
+                    </dgm:if>
+                    <dgm:else name="Name14">
+                      <dgm:alg type="conn">
+                        <dgm:param type="dim" val="1D"/>
+                        <dgm:param type="begPts" val="midL"/>
+                        <dgm:param type="endPts" val="midR"/>
+                        <dgm:param type="endSty" val="noArr"/>
+                      </dgm:alg>
+                    </dgm:else>
+                  </dgm:choose>
+                  <dgm:shape xmlns:r="http://schemas.openxmlformats.org/officeDocument/2006/relationships" type="conn" r:blip="">
+                    <dgm:adjLst/>
+                  </dgm:shape>
+                  <dgm:presOf axis="self"/>
+                  <dgm:constrLst>
+                    <dgm:constr type="w" val="1"/>
+                    <dgm:constr type="h" val="5"/>
+                    <dgm:constr type="connDist"/>
+                    <dgm:constr type="begPad"/>
+                    <dgm:constr type="endPad"/>
+                    <dgm:constr type="userA" for="ch" refType="connDist"/>
+                  </dgm:constrLst>
+                  <dgm:ruleLst/>
+                  <dgm:layoutNode name="connTx">
+                    <dgm:alg type="tx">
+                      <dgm:param type="autoTxRot" val="grav"/>
+                    </dgm:alg>
+                    <dgm:shape xmlns:r="http://schemas.openxmlformats.org/officeDocument/2006/relationships" type="rect" r:blip="" hideGeom="1">
+                      <dgm:adjLst/>
+                    </dgm:shape>
+                    <dgm:presOf axis="self"/>
+                    <dgm:constrLst>
+                      <dgm:constr type="userA"/>
+                      <dgm:constr type="w" refType="userA" fact="0.05"/>
+                      <dgm:constr type="h" refType="userA" fact="0.05"/>
+                      <dgm:constr type="lMarg" val="1"/>
+                      <dgm:constr type="rMarg" val="1"/>
+                      <dgm:constr type="tMarg"/>
+                      <dgm:constr type="bMarg"/>
+                    </dgm:constrLst>
+                    <dgm:ruleLst>
+                      <dgm:rule type="h" val="NaN" fact="0.25" max="NaN"/>
+                      <dgm:rule type="w" val="NaN" fact="0.8" max="NaN"/>
+                      <dgm:rule type="primFontSz" val="5" fact="NaN" max="NaN"/>
+                    </dgm:ruleLst>
+                  </dgm:layoutNode>
+                </dgm:layoutNode>
+              </dgm:forEach>
+              <dgm:forEach name="Name15" axis="self" ptType="node">
+                <dgm:layoutNode name="root2">
+                  <dgm:choose name="Name16">
+                    <dgm:if name="Name17" func="var" arg="dir" op="equ" val="norm">
+                      <dgm:alg type="hierRoot">
+                        <dgm:param type="hierAlign" val="lCtrCh"/>
+                      </dgm:alg>
+                    </dgm:if>
+                    <dgm:else name="Name18">
+                      <dgm:alg type="hierRoot">
+                        <dgm:param type="hierAlign" val="rCtrCh"/>
+                      </dgm:alg>
+                    </dgm:else>
+                  </dgm:choose>
+                  <dgm:shape xmlns:r="http://schemas.openxmlformats.org/officeDocument/2006/relationships" r:blip="">
+                    <dgm:adjLst/>
+                  </dgm:shape>
+                  <dgm:presOf/>
+                  <dgm:constrLst/>
+                  <dgm:ruleLst/>
+                  <dgm:layoutNode name="LevelTwoTextNode">
+                    <dgm:varLst>
+                      <dgm:chPref val="3"/>
+                    </dgm:varLst>
+                    <dgm:alg type="tx"/>
+                    <dgm:shape xmlns:r="http://schemas.openxmlformats.org/officeDocument/2006/relationships" type="roundRect" r:blip="">
+                      <dgm:adjLst>
+                        <dgm:adj idx="1" val="0.1"/>
+                      </dgm:adjLst>
+                    </dgm:shape>
+                    <dgm:presOf axis="self"/>
+                    <dgm:constrLst>
+                      <dgm:constr type="tMarg" refType="primFontSz" fact="0.05"/>
+                      <dgm:constr type="bMarg" refType="primFontSz" fact="0.05"/>
+                      <dgm:constr type="lMarg" refType="primFontSz" fact="0.05"/>
+                      <dgm:constr type="rMarg" refType="primFontSz" fact="0.05"/>
+                    </dgm:constrLst>
+                    <dgm:ruleLst>
+                      <dgm:rule type="primFontSz" val="5" fact="NaN" max="NaN"/>
+                    </dgm:ruleLst>
+                  </dgm:layoutNode>
+                  <dgm:layoutNode name="level3hierChild">
+                    <dgm:choose name="Name19">
+                      <dgm:if name="Name20" func="var" arg="dir" op="equ" val="norm">
+                        <dgm:alg type="hierChild">
+                          <dgm:param type="linDir" val="fromT"/>
+                          <dgm:param type="chAlign" val="l"/>
+                        </dgm:alg>
+                      </dgm:if>
+                      <dgm:else name="Name21">
+                        <dgm:alg type="hierChild">
+                          <dgm:param type="linDir" val="fromT"/>
+                          <dgm:param type="chAlign" val="r"/>
+                        </dgm:alg>
+                      </dgm:else>
+                    </dgm:choose>
+                    <dgm:shape xmlns:r="http://schemas.openxmlformats.org/officeDocument/2006/relationships" r:blip="">
+                      <dgm:adjLst/>
+                    </dgm:shape>
+                    <dgm:presOf/>
+                    <dgm:constrLst/>
+                    <dgm:ruleLst/>
+                    <dgm:forEach name="Name22" ref="repeat"/>
+                  </dgm:layoutNode>
+                </dgm:layoutNode>
+              </dgm:forEach>
+            </dgm:forEach>
+          </dgm:layoutNode>
+        </dgm:layoutNode>
+      </dgm:forEach>
+    </dgm:forEach>
+  </dgm:layoutNode>
+</dgm:layoutDef>
+</file>
+
+<file path=ppt/diagrams/layout2.xml><?xml version="1.0" encoding="utf-8"?>
+<dgm:layoutDef xmlns:dgm="http://schemas.openxmlformats.org/drawingml/2006/diagram" xmlns:a="http://schemas.openxmlformats.org/drawingml/2006/main" uniqueId="urn:microsoft.com/office/officeart/2005/8/layout/hierarchy2">
+  <dgm:title val=""/>
+  <dgm:desc val=""/>
+  <dgm:catLst>
+    <dgm:cat type="hierarchy" pri="5000"/>
+  </dgm:catLst>
+  <dgm:sampData>
+    <dgm:dataModel>
+      <dgm:ptLst>
+        <dgm:pt modelId="0" type="doc"/>
+        <dgm:pt modelId="1">
+          <dgm:prSet phldr="1"/>
+        </dgm:pt>
+        <dgm:pt modelId="2">
+          <dgm:prSet phldr="1"/>
+        </dgm:pt>
+        <dgm:pt modelId="21">
+          <dgm:prSet phldr="1"/>
+        </dgm:pt>
+        <dgm:pt modelId="22">
+          <dgm:prSet phldr="1"/>
+        </dgm:pt>
+        <dgm:pt modelId="3">
+          <dgm:prSet phldr="1"/>
+        </dgm:pt>
+        <dgm:pt modelId="31">
+          <dgm:prSet phldr="1"/>
+        </dgm:pt>
+      </dgm:ptLst>
+      <dgm:cxnLst>
+        <dgm:cxn modelId="4" srcId="0" destId="1" srcOrd="0" destOrd="0"/>
+        <dgm:cxn modelId="5" srcId="1" destId="2" srcOrd="0" destOrd="0"/>
+        <dgm:cxn modelId="6" srcId="1" destId="3" srcOrd="1" destOrd="0"/>
+        <dgm:cxn modelId="23" srcId="2" destId="21" srcOrd="0" destOrd="0"/>
+        <dgm:cxn modelId="24" srcId="2" destId="22" srcOrd="1" destOrd="0"/>
+        <dgm:cxn modelId="33" srcId="3" destId="31" srcOrd="0" destOrd="0"/>
+      </dgm:cxnLst>
+      <dgm:bg/>
+      <dgm:whole/>
+    </dgm:dataModel>
+  </dgm:sampData>
+  <dgm:styleData>
+    <dgm:dataModel>
+      <dgm:ptLst>
+        <dgm:pt modelId="0" type="doc"/>
+        <dgm:pt modelId="1"/>
+        <dgm:pt modelId="11"/>
+        <dgm:pt modelId="12"/>
+      </dgm:ptLst>
+      <dgm:cxnLst>
+        <dgm:cxn modelId="2" srcId="0" destId="1" srcOrd="0" destOrd="0"/>
+        <dgm:cxn modelId="13" srcId="1" destId="11" srcOrd="0" destOrd="0"/>
+        <dgm:cxn modelId="14" srcId="1" destId="12" srcOrd="1" destOrd="0"/>
+      </dgm:cxnLst>
+      <dgm:bg/>
+      <dgm:whole/>
+    </dgm:dataModel>
+  </dgm:styleData>
+  <dgm:clrData>
+    <dgm:dataModel>
+      <dgm:ptLst>
+        <dgm:pt modelId="0" type="doc"/>
+        <dgm:pt modelId="1"/>
+        <dgm:pt modelId="2"/>
+        <dgm:pt modelId="21"/>
+        <dgm:pt modelId="211"/>
+        <dgm:pt modelId="3"/>
+        <dgm:pt modelId="31"/>
+        <dgm:pt modelId="311"/>
+      </dgm:ptLst>
+      <dgm:cxnLst>
+        <dgm:cxn modelId="4" srcId="0" destId="1" srcOrd="0" destOrd="0"/>
+        <dgm:cxn modelId="5" srcId="1" destId="2" srcOrd="0" destOrd="0"/>
+        <dgm:cxn modelId="6" srcId="1" destId="3" srcOrd="1" destOrd="0"/>
+        <dgm:cxn modelId="23" srcId="2" destId="21" srcOrd="0" destOrd="0"/>
+        <dgm:cxn modelId="24" srcId="21" destId="211" srcOrd="0" destOrd="0"/>
+        <dgm:cxn modelId="33" srcId="3" destId="31" srcOrd="0" destOrd="0"/>
+        <dgm:cxn modelId="34" srcId="31" destId="311" srcOrd="0" destOrd="0"/>
+      </dgm:cxnLst>
+      <dgm:bg/>
+      <dgm:whole/>
+    </dgm:dataModel>
+  </dgm:clrData>
+  <dgm:layoutNode name="diagram">
+    <dgm:varLst>
+      <dgm:chPref val="1"/>
+      <dgm:dir/>
+      <dgm:animOne val="branch"/>
+      <dgm:animLvl val="lvl"/>
+      <dgm:resizeHandles val="exact"/>
+    </dgm:varLst>
+    <dgm:choose name="Name0">
+      <dgm:if name="Name1" func="var" arg="dir" op="equ" val="norm">
+        <dgm:alg type="hierChild">
+          <dgm:param type="linDir" val="fromT"/>
+          <dgm:param type="chAlign" val="l"/>
+        </dgm:alg>
+      </dgm:if>
+      <dgm:else name="Name2">
+        <dgm:alg type="hierChild">
+          <dgm:param type="linDir" val="fromT"/>
+          <dgm:param type="chAlign" val="r"/>
+        </dgm:alg>
+      </dgm:else>
+    </dgm:choose>
+    <dgm:shape xmlns:r="http://schemas.openxmlformats.org/officeDocument/2006/relationships" r:blip="">
+      <dgm:adjLst/>
+    </dgm:shape>
+    <dgm:presOf/>
+    <dgm:constrLst>
+      <dgm:constr type="h" for="des" ptType="node" refType="h"/>
+      <dgm:constr type="w" for="des" ptType="node" refType="h" refFor="des" refPtType="node" fact="2"/>
+      <dgm:constr type="sibSp" refType="h" refFor="des" refPtType="node" op="equ" fact="0.15"/>
+      <dgm:constr type="sibSp" for="des" forName="level2hierChild" refType="h" refFor="des" refPtType="node" op="equ" fact="0.15"/>
+      <dgm:constr type="sibSp" for="des" forName="level3hierChild" refType="h" refFor="des" refPtType="node" op="equ" fact="0.15"/>
+      <dgm:constr type="sp" for="des" forName="root1" refType="w" refFor="des" refPtType="node" fact="0.4"/>
+      <dgm:constr type="sp" for="des" forName="root2" refType="sp" refFor="des" refForName="root1" op="equ"/>
+      <dgm:constr type="primFontSz" for="des" ptType="node" op="equ" val="65"/>
+      <dgm:constr type="primFontSz" for="des" forName="connTx" op="equ" val="55"/>
+      <dgm:constr type="primFontSz" for="des" forName="connTx" refType="primFontSz" refFor="des" refPtType="node" op="lte" fact="0.8"/>
+    </dgm:constrLst>
+    <dgm:ruleLst/>
+    <dgm:forEach name="Name3" axis="ch">
+      <dgm:forEach name="Name4" axis="self" ptType="node">
+        <dgm:layoutNode name="root1">
+          <dgm:choose name="Name5">
+            <dgm:if name="Name6" func="var" arg="dir" op="equ" val="norm">
+              <dgm:alg type="hierRoot">
+                <dgm:param type="hierAlign" val="lCtrCh"/>
+              </dgm:alg>
+            </dgm:if>
+            <dgm:else name="Name7">
+              <dgm:alg type="hierRoot">
+                <dgm:param type="hierAlign" val="rCtrCh"/>
+              </dgm:alg>
+            </dgm:else>
+          </dgm:choose>
+          <dgm:shape xmlns:r="http://schemas.openxmlformats.org/officeDocument/2006/relationships" r:blip="">
+            <dgm:adjLst/>
+          </dgm:shape>
+          <dgm:presOf/>
+          <dgm:constrLst/>
+          <dgm:ruleLst/>
+          <dgm:layoutNode name="LevelOneTextNode" styleLbl="node0">
+            <dgm:varLst>
+              <dgm:chPref val="3"/>
+            </dgm:varLst>
+            <dgm:alg type="tx"/>
+            <dgm:shape xmlns:r="http://schemas.openxmlformats.org/officeDocument/2006/relationships" type="roundRect" r:blip="">
+              <dgm:adjLst>
+                <dgm:adj idx="1" val="0.1"/>
+              </dgm:adjLst>
+            </dgm:shape>
+            <dgm:presOf axis="self"/>
+            <dgm:constrLst>
+              <dgm:constr type="tMarg" refType="primFontSz" fact="0.05"/>
+              <dgm:constr type="bMarg" refType="primFontSz" fact="0.05"/>
+              <dgm:constr type="lMarg" refType="primFontSz" fact="0.05"/>
+              <dgm:constr type="rMarg" refType="primFontSz" fact="0.05"/>
+            </dgm:constrLst>
+            <dgm:ruleLst>
+              <dgm:rule type="primFontSz" val="5" fact="NaN" max="NaN"/>
+            </dgm:ruleLst>
+          </dgm:layoutNode>
+          <dgm:layoutNode name="level2hierChild">
+            <dgm:choose name="Name8">
+              <dgm:if name="Name9" func="var" arg="dir" op="equ" val="norm">
+                <dgm:alg type="hierChild">
+                  <dgm:param type="linDir" val="fromT"/>
+                  <dgm:param type="chAlign" val="l"/>
+                </dgm:alg>
+              </dgm:if>
+              <dgm:else name="Name10">
+                <dgm:alg type="hierChild">
+                  <dgm:param type="linDir" val="fromT"/>
+                  <dgm:param type="chAlign" val="r"/>
+                </dgm:alg>
+              </dgm:else>
+            </dgm:choose>
+            <dgm:shape xmlns:r="http://schemas.openxmlformats.org/officeDocument/2006/relationships" r:blip="">
+              <dgm:adjLst/>
+            </dgm:shape>
+            <dgm:presOf/>
+            <dgm:constrLst/>
+            <dgm:ruleLst/>
+            <dgm:forEach name="repeat" axis="ch">
+              <dgm:forEach name="Name11" axis="self" ptType="parTrans" cnt="1">
+                <dgm:layoutNode name="conn2-1">
+                  <dgm:choose name="Name12">
+                    <dgm:if name="Name13" func="var" arg="dir" op="equ" val="norm">
+                      <dgm:alg type="conn">
+                        <dgm:param type="dim" val="1D"/>
+                        <dgm:param type="begPts" val="midR"/>
+                        <dgm:param type="endPts" val="midL"/>
+                        <dgm:param type="endSty" val="noArr"/>
+                      </dgm:alg>
+                    </dgm:if>
+                    <dgm:else name="Name14">
+                      <dgm:alg type="conn">
+                        <dgm:param type="dim" val="1D"/>
+                        <dgm:param type="begPts" val="midL"/>
+                        <dgm:param type="endPts" val="midR"/>
+                        <dgm:param type="endSty" val="noArr"/>
+                      </dgm:alg>
+                    </dgm:else>
+                  </dgm:choose>
+                  <dgm:shape xmlns:r="http://schemas.openxmlformats.org/officeDocument/2006/relationships" type="conn" r:blip="">
+                    <dgm:adjLst/>
+                  </dgm:shape>
+                  <dgm:presOf axis="self"/>
+                  <dgm:constrLst>
+                    <dgm:constr type="w" val="1"/>
+                    <dgm:constr type="h" val="5"/>
+                    <dgm:constr type="connDist"/>
+                    <dgm:constr type="begPad"/>
+                    <dgm:constr type="endPad"/>
+                    <dgm:constr type="userA" for="ch" refType="connDist"/>
+                  </dgm:constrLst>
+                  <dgm:ruleLst/>
+                  <dgm:layoutNode name="connTx">
+                    <dgm:alg type="tx">
+                      <dgm:param type="autoTxRot" val="grav"/>
+                    </dgm:alg>
+                    <dgm:shape xmlns:r="http://schemas.openxmlformats.org/officeDocument/2006/relationships" type="rect" r:blip="" hideGeom="1">
+                      <dgm:adjLst/>
+                    </dgm:shape>
+                    <dgm:presOf axis="self"/>
+                    <dgm:constrLst>
+                      <dgm:constr type="userA"/>
+                      <dgm:constr type="w" refType="userA" fact="0.05"/>
+                      <dgm:constr type="h" refType="userA" fact="0.05"/>
+                      <dgm:constr type="lMarg" val="1"/>
+                      <dgm:constr type="rMarg" val="1"/>
+                      <dgm:constr type="tMarg"/>
+                      <dgm:constr type="bMarg"/>
+                    </dgm:constrLst>
+                    <dgm:ruleLst>
+                      <dgm:rule type="h" val="NaN" fact="0.25" max="NaN"/>
+                      <dgm:rule type="w" val="NaN" fact="0.8" max="NaN"/>
+                      <dgm:rule type="primFontSz" val="5" fact="NaN" max="NaN"/>
+                    </dgm:ruleLst>
+                  </dgm:layoutNode>
+                </dgm:layoutNode>
+              </dgm:forEach>
+              <dgm:forEach name="Name15" axis="self" ptType="node">
+                <dgm:layoutNode name="root2">
+                  <dgm:choose name="Name16">
+                    <dgm:if name="Name17" func="var" arg="dir" op="equ" val="norm">
+                      <dgm:alg type="hierRoot">
+                        <dgm:param type="hierAlign" val="lCtrCh"/>
+                      </dgm:alg>
+                    </dgm:if>
+                    <dgm:else name="Name18">
+                      <dgm:alg type="hierRoot">
+                        <dgm:param type="hierAlign" val="rCtrCh"/>
+                      </dgm:alg>
+                    </dgm:else>
+                  </dgm:choose>
+                  <dgm:shape xmlns:r="http://schemas.openxmlformats.org/officeDocument/2006/relationships" r:blip="">
+                    <dgm:adjLst/>
+                  </dgm:shape>
+                  <dgm:presOf/>
+                  <dgm:constrLst/>
+                  <dgm:ruleLst/>
+                  <dgm:layoutNode name="LevelTwoTextNode">
+                    <dgm:varLst>
+                      <dgm:chPref val="3"/>
+                    </dgm:varLst>
+                    <dgm:alg type="tx"/>
+                    <dgm:shape xmlns:r="http://schemas.openxmlformats.org/officeDocument/2006/relationships" type="roundRect" r:blip="">
+                      <dgm:adjLst>
+                        <dgm:adj idx="1" val="0.1"/>
+                      </dgm:adjLst>
+                    </dgm:shape>
+                    <dgm:presOf axis="self"/>
+                    <dgm:constrLst>
+                      <dgm:constr type="tMarg" refType="primFontSz" fact="0.05"/>
+                      <dgm:constr type="bMarg" refType="primFontSz" fact="0.05"/>
+                      <dgm:constr type="lMarg" refType="primFontSz" fact="0.05"/>
+                      <dgm:constr type="rMarg" refType="primFontSz" fact="0.05"/>
+                    </dgm:constrLst>
+                    <dgm:ruleLst>
+                      <dgm:rule type="primFontSz" val="5" fact="NaN" max="NaN"/>
+                    </dgm:ruleLst>
+                  </dgm:layoutNode>
+                  <dgm:layoutNode name="level3hierChild">
+                    <dgm:choose name="Name19">
+                      <dgm:if name="Name20" func="var" arg="dir" op="equ" val="norm">
+                        <dgm:alg type="hierChild">
+                          <dgm:param type="linDir" val="fromT"/>
+                          <dgm:param type="chAlign" val="l"/>
+                        </dgm:alg>
+                      </dgm:if>
+                      <dgm:else name="Name21">
+                        <dgm:alg type="hierChild">
+                          <dgm:param type="linDir" val="fromT"/>
+                          <dgm:param type="chAlign" val="r"/>
+                        </dgm:alg>
+                      </dgm:else>
+                    </dgm:choose>
+                    <dgm:shape xmlns:r="http://schemas.openxmlformats.org/officeDocument/2006/relationships" r:blip="">
+                      <dgm:adjLst/>
+                    </dgm:shape>
+                    <dgm:presOf/>
+                    <dgm:constrLst/>
+                    <dgm:ruleLst/>
+                    <dgm:forEach name="Name22" ref="repeat"/>
+                  </dgm:layoutNode>
+                </dgm:layoutNode>
+              </dgm:forEach>
+            </dgm:forEach>
+          </dgm:layoutNode>
+        </dgm:layoutNode>
+      </dgm:forEach>
+    </dgm:forEach>
+  </dgm:layoutNode>
+</dgm:layoutDef>
+</file>
+
+<file path=ppt/diagrams/quickStyle1.xml><?xml version="1.0" encoding="utf-8"?>
+<dgm:styleDef xmlns:dgm="http://schemas.openxmlformats.org/drawingml/2006/diagram" xmlns:a="http://schemas.openxmlformats.org/drawingml/2006/main" uniqueId="urn:microsoft.com/office/officeart/2005/8/quickstyle/simple1">
+  <dgm:title val=""/>
+  <dgm:desc val=""/>
+  <dgm:catLst>
+    <dgm:cat type="simple" pri="10100"/>
+  </dgm:catLst>
+  <dgm:scene3d>
+    <a:camera prst="orthographicFront"/>
+    <a:lightRig rig="threePt" dir="t"/>
+  </dgm:scene3d>
+  <dgm:styleLbl name="node0">
+    <dgm:scene3d>
+      <a:camera prst="orthographicFront"/>
+      <a:lightRig rig="threePt" dir="t"/>
+    </dgm:scene3d>
+    <dgm:sp3d/>
+    <dgm:txPr/>
+    <dgm:style>
+      <a:lnRef idx="2">
+        <a:scrgbClr r="0" g="0" b="0"/>
+      </a:lnRef>
+      <a:fillRef idx="1">
+        <a:scrgbClr r="0" g="0" b="0"/>
+      </a:fillRef>
+      <a:effectRef idx="0">
+        <a:scrgbClr r="0" g="0" b="0"/>
+      </a:effectRef>
+      <a:fontRef idx="minor">
+        <a:schemeClr val="lt1"/>
+      </a:fontRef>
+    </dgm:style>
+  </dgm:styleLbl>
+  <dgm:styleLbl name="lnNode1">
+    <dgm:scene3d>
+      <a:camera prst="orthographicFront"/>
+      <a:lightRig rig="threePt" dir="t"/>
+    </dgm:scene3d>
+    <dgm:sp3d/>
+    <dgm:txPr/>
+    <dgm:style>
+      <a:lnRef idx="2">
+        <a:scrgbClr r="0" g="0" b="0"/>
+      </a:lnRef>
+      <a:fillRef idx="1">
+        <a:scrgbClr r="0" g="0" b="0"/>
+      </a:fillRef>
+      <a:effectRef idx="0">
+        <a:scrgbClr r="0" g="0" b="0"/>
+      </a:effectRef>
+      <a:fontRef idx="minor">
+        <a:schemeClr val="lt1"/>
+      </a:fontRef>
+    </dgm:style>
+  </dgm:styleLbl>
+  <dgm:styleLbl name="vennNode1">
+    <dgm:scene3d>
+      <a:camera prst="orthographicFront"/>
+      <a:lightRig rig="threePt" dir="t"/>
+    </dgm:scene3d>
+    <dgm:sp3d/>
+    <dgm:txPr/>
+    <dgm:style>
+      <a:lnRef idx="2">
+        <a:scrgbClr r="0" g="0" b="0"/>
+      </a:lnRef>
+      <a:fillRef idx="1">
+        <a:scrgbClr r="0" g="0" b="0"/>
+      </a:fillRef>
+      <a:effectRef idx="0">
+        <a:scrgbClr r="0" g="0" b="0"/>
+      </a:effectRef>
+      <a:fontRef idx="minor">
+        <a:schemeClr val="tx1"/>
+      </a:fontRef>
+    </dgm:style>
+  </dgm:styleLbl>
+  <dgm:styleLbl name="alignNode1">
+    <dgm:scene3d>
+      <a:camera prst="orthographicFront"/>
+      <a:lightRig rig="threePt" dir="t"/>
+    </dgm:scene3d>
+    <dgm:sp3d/>
+    <dgm:txPr/>
+    <dgm:style>
+      <a:lnRef idx="2">
+        <a:scrgbClr r="0" g="0" b="0"/>
+      </a:lnRef>
+      <a:fillRef idx="1">
+        <a:scrgbClr r="0" g="0" b="0"/>
+      </a:fillRef>
+      <a:effectRef idx="0">
+        <a:scrgbClr r="0" g="0" b="0"/>
+      </a:effectRef>
+      <a:fontRef idx="minor">
+        <a:schemeClr val="lt1"/>
+      </a:fontRef>
+    </dgm:style>
+  </dgm:styleLbl>
+  <dgm:styleLbl name="node1">
+    <dgm:scene3d>
+      <a:camera prst="orthographicFront"/>
+      <a:lightRig rig="threePt" dir="t"/>
+    </dgm:scene3d>
+    <dgm:sp3d/>
+    <dgm:txPr/>
+    <dgm:style>
+      <a:lnRef idx="2">
+        <a:scrgbClr r="0" g="0" b="0"/>
+      </a:lnRef>
+      <a:fillRef idx="1">
+        <a:scrgbClr r="0" g="0" b="0"/>
+      </a:fillRef>
+      <a:effectRef idx="0">
+        <a:scrgbClr r="0" g="0" b="0"/>
+      </a:effectRef>
+      <a:fontRef idx="minor">
+        <a:schemeClr val="lt1"/>
+      </a:fontRef>
+    </dgm:style>
+  </dgm:styleLbl>
+  <dgm:styleLbl name="node2">
+    <dgm:scene3d>
+      <a:camera prst="orthographicFront"/>
+      <a:lightRig rig="threePt" dir="t"/>
+    </dgm:scene3d>
+    <dgm:sp3d/>
+    <dgm:txPr/>
+    <dgm:style>
+      <a:lnRef idx="2">
+        <a:scrgbClr r="0" g="0" b="0"/>
+      </a:lnRef>
+      <a:fillRef idx="1">
+        <a:scrgbClr r="0" g="0" b="0"/>
+      </a:fillRef>
+      <a:effectRef idx="0">
+        <a:scrgbClr r="0" g="0" b="0"/>
+      </a:effectRef>
+      <a:fontRef idx="minor">
+        <a:schemeClr val="lt1"/>
+      </a:fontRef>
+    </dgm:style>
+  </dgm:styleLbl>
+  <dgm:styleLbl name="node3">
+    <dgm:scene3d>
+      <a:camera prst="orthographicFront"/>
+      <a:lightRig rig="threePt" dir="t"/>
+    </dgm:scene3d>
+    <dgm:sp3d/>
+    <dgm:txPr/>
+    <dgm:style>
+      <a:lnRef idx="2">
+        <a:scrgbClr r="0" g="0" b="0"/>
+      </a:lnRef>
+      <a:fillRef idx="1">
+        <a:scrgbClr r="0" g="0" b="0"/>
+      </a:fillRef>
+      <a:effectRef idx="0">
+        <a:scrgbClr r="0" g="0" b="0"/>
+      </a:effectRef>
+      <a:fontRef idx="minor">
+        <a:schemeClr val="lt1"/>
+      </a:fontRef>
+    </dgm:style>
+  </dgm:styleLbl>
+  <dgm:styleLbl name="node4">
+    <dgm:scene3d>
+      <a:camera prst="orthographicFront"/>
+      <a:lightRig rig="threePt" dir="t"/>
+    </dgm:scene3d>
+    <dgm:sp3d/>
+    <dgm:txPr/>
+    <dgm:style>
+      <a:lnRef idx="2">
+        <a:scrgbClr r="0" g="0" b="0"/>
+      </a:lnRef>
+      <a:fillRef idx="1">
+        <a:scrgbClr r="0" g="0" b="0"/>
+      </a:fillRef>
+      <a:effectRef idx="0">
+        <a:scrgbClr r="0" g="0" b="0"/>
+      </a:effectRef>
+      <a:fontRef idx="minor">
+        <a:schemeClr val="lt1"/>
+      </a:fontRef>
+    </dgm:style>
+  </dgm:styleLbl>
+  <dgm:styleLbl name="fgImgPlace1">
+    <dgm:scene3d>
+      <a:camera prst="orthographicFront"/>
+      <a:lightRig rig="threePt" dir="t"/>
+    </dgm:scene3d>
+    <dgm:sp3d/>
+    <dgm:txPr/>
+    <dgm:style>
+      <a:lnRef idx="2">
+        <a:scrgbClr r="0" g="0" b="0"/>
+      </a:lnRef>
+      <a:fillRef idx="1">
+        <a:scrgbClr r="0" g="0" b="0"/>
+      </a:fillRef>
+      <a:effectRef idx="0">
+        <a:scrgbClr r="0" g="0" b="0"/>
+      </a:effectRef>
+      <a:fontRef idx="minor"/>
+    </dgm:style>
+  </dgm:styleLbl>
+  <dgm:styleLbl name="alignImgPlace1">
+    <dgm:scene3d>
+      <a:camera prst="orthographicFront"/>
+      <a:lightRig rig="threePt" dir="t"/>
+    </dgm:scene3d>
+    <dgm:sp3d/>
+    <dgm:txPr/>
+    <dgm:style>
+      <a:lnRef idx="2">
+        <a:scrgbClr r="0" g="0" b="0"/>
+      </a:lnRef>
+      <a:fillRef idx="1">
+        <a:scrgbClr r="0" g="0" b="0"/>
+      </a:fillRef>
+      <a:effectRef idx="0">
+        <a:scrgbClr r="0" g="0" b="0"/>
+      </a:effectRef>
+      <a:fontRef idx="minor"/>
+    </dgm:style>
+  </dgm:styleLbl>
+  <dgm:styleLbl name="bgImgPlace1">
+    <dgm:scene3d>
+      <a:camera prst="orthographicFront"/>
+      <a:lightRig rig="threePt" dir="t"/>
+    </dgm:scene3d>
+    <dgm:sp3d/>
+    <dgm:txPr/>
+    <dgm:style>
+      <a:lnRef idx="2">
+        <a:scrgbClr r="0" g="0" b="0"/>
+      </a:lnRef>
+      <a:fillRef idx="1">
+        <a:scrgbClr r="0" g="0" b="0"/>
+      </a:fillRef>
+      <a:effectRef idx="0">
+        <a:scrgbClr r="0" g="0" b="0"/>
+      </a:effectRef>
+      <a:fontRef idx="minor"/>
+    </dgm:style>
+  </dgm:styleLbl>
+  <dgm:styleLbl name="sibTrans2D1">
+    <dgm:scene3d>
+      <a:camera prst="orthographicFront"/>
+      <a:lightRig rig="threePt" dir="t"/>
+    </dgm:scene3d>
+    <dgm:sp3d/>
+    <dgm:txPr/>
+    <dgm:style>
+      <a:lnRef idx="0">
+        <a:scrgbClr r="0" g="0" b="0"/>
+      </a:lnRef>
+      <a:fillRef idx="1">
+        <a:scrgbClr r="0" g="0" b="0"/>
+      </a:fillRef>
+      <a:effectRef idx="0">
+        <a:scrgbClr r="0" g="0" b="0"/>
+      </a:effectRef>
+      <a:fontRef idx="minor">
+        <a:schemeClr val="lt1"/>
+      </a:fontRef>
+    </dgm:style>
+  </dgm:styleLbl>
+  <dgm:styleLbl name="fgSibTrans2D1">
+    <dgm:scene3d>
+      <a:camera prst="orthographicFront"/>
+      <a:lightRig rig="threePt" dir="t"/>
+    </dgm:scene3d>
+    <dgm:sp3d/>
+    <dgm:txPr/>
+    <dgm:style>
+      <a:lnRef idx="0">
+        <a:scrgbClr r="0" g="0" b="0"/>
+      </a:lnRef>
+      <a:fillRef idx="1">
+        <a:scrgbClr r="0" g="0" b="0"/>
+      </a:fillRef>
+      <a:effectRef idx="0">
+        <a:scrgbClr r="0" g="0" b="0"/>
+      </a:effectRef>
+      <a:fontRef idx="minor">
+        <a:schemeClr val="lt1"/>
+      </a:fontRef>
+    </dgm:style>
+  </dgm:styleLbl>
+  <dgm:styleLbl name="bgSibTrans2D1">
+    <dgm:scene3d>
+      <a:camera prst="orthographicFront"/>
+      <a:lightRig rig="threePt" dir="t"/>
+    </dgm:scene3d>
+    <dgm:sp3d/>
+    <dgm:txPr/>
+    <dgm:style>
+      <a:lnRef idx="0">
+        <a:scrgbClr r="0" g="0" b="0"/>
+      </a:lnRef>
+      <a:fillRef idx="1">
+        <a:scrgbClr r="0" g="0" b="0"/>
+      </a:fillRef>
+      <a:effectRef idx="0">
+        <a:scrgbClr r="0" g="0" b="0"/>
+      </a:effectRef>
+      <a:fontRef idx="minor">
+        <a:schemeClr val="lt1"/>
+      </a:fontRef>
+    </dgm:style>
+  </dgm:styleLbl>
+  <dgm:styleLbl name="sibTrans1D1">
+    <dgm:scene3d>
+      <a:camera prst="orthographicFront"/>
+      <a:lightRig rig="threePt" dir="t"/>
+    </dgm:scene3d>
+    <dgm:sp3d/>
+    <dgm:txPr/>
+    <dgm:style>
+      <a:lnRef idx="1">
+        <a:scrgbClr r="0" g="0" b="0"/>
+      </a:lnRef>
+      <a:fillRef idx="0">
+        <a:scrgbClr r="0" g="0" b="0"/>
+      </a:fillRef>
+      <a:effectRef idx="0">
+        <a:scrgbClr r="0" g="0" b="0"/>
+      </a:effectRef>
+      <a:fontRef idx="minor"/>
+    </dgm:style>
+  </dgm:styleLbl>
+  <dgm:styleLbl name="callout">
+    <dgm:scene3d>
+      <a:camera prst="orthographicFront"/>
+      <a:lightRig rig="threePt" dir="t"/>
+    </dgm:scene3d>
+    <dgm:sp3d/>
+    <dgm:txPr/>
+    <dgm:style>
+      <a:lnRef idx="2">
+        <a:scrgbClr r="0" g="0" b="0"/>
+      </a:lnRef>
+      <a:fillRef idx="1">
+        <a:scrgbClr r="0" g="0" b="0"/>
+      </a:fillRef>
+      <a:effectRef idx="0">
+        <a:scrgbClr r="0" g="0" b="0"/>
+      </a:effectRef>
+      <a:fontRef idx="minor"/>
+    </dgm:style>
+  </dgm:styleLbl>
+  <dgm:styleLbl name="asst0">
+    <dgm:scene3d>
+      <a:camera prst="orthographicFront"/>
+      <a:lightRig rig="threePt" dir="t"/>
+    </dgm:scene3d>
+    <dgm:sp3d/>
+    <dgm:txPr/>
+    <dgm:style>
+      <a:lnRef idx="2">
+        <a:scrgbClr r="0" g="0" b="0"/>
+      </a:lnRef>
+      <a:fillRef idx="1">
+        <a:scrgbClr r="0" g="0" b="0"/>
+      </a:fillRef>
+      <a:effectRef idx="0">
+        <a:scrgbClr r="0" g="0" b="0"/>
+      </a:effectRef>
+      <a:fontRef idx="minor">
+        <a:schemeClr val="lt1"/>
+      </a:fontRef>
+    </dgm:style>
+  </dgm:styleLbl>
+  <dgm:styleLbl name="asst1">
+    <dgm:scene3d>
+      <a:camera prst="orthographicFront"/>
+      <a:lightRig rig="threePt" dir="t"/>
+    </dgm:scene3d>
+    <dgm:sp3d/>
+    <dgm:txPr/>
+    <dgm:style>
+      <a:lnRef idx="2">
+        <a:scrgbClr r="0" g="0" b="0"/>
+      </a:lnRef>
+      <a:fillRef idx="1">
+        <a:scrgbClr r="0" g="0" b="0"/>
+      </a:fillRef>
+      <a:effectRef idx="0">
+        <a:scrgbClr r="0" g="0" b="0"/>
+      </a:effectRef>
+      <a:fontRef idx="minor">
+        <a:schemeClr val="lt1"/>
+      </a:fontRef>
+    </dgm:style>
+  </dgm:styleLbl>
+  <dgm:styleLbl name="asst2">
+    <dgm:scene3d>
+      <a:camera prst="orthographicFront"/>
+      <a:lightRig rig="threePt" dir="t"/>
+    </dgm:scene3d>
+    <dgm:sp3d/>
+    <dgm:txPr/>
+    <dgm:style>
+      <a:lnRef idx="2">
+        <a:scrgbClr r="0" g="0" b="0"/>
+      </a:lnRef>
+      <a:fillRef idx="1">
+        <a:scrgbClr r="0" g="0" b="0"/>
+      </a:fillRef>
+      <a:effectRef idx="0">
+        <a:scrgbClr r="0" g="0" b="0"/>
+      </a:effectRef>
+      <a:fontRef idx="minor">
+        <a:schemeClr val="lt1"/>
+      </a:fontRef>
+    </dgm:style>
+  </dgm:styleLbl>
+  <dgm:styleLbl name="asst3">
+    <dgm:scene3d>
+      <a:camera prst="orthographicFront"/>
+      <a:lightRig rig="threePt" dir="t"/>
+    </dgm:scene3d>
+    <dgm:sp3d/>
+    <dgm:txPr/>
+    <dgm:style>
+      <a:lnRef idx="2">
+        <a:scrgbClr r="0" g="0" b="0"/>
+      </a:lnRef>
+      <a:fillRef idx="1">
+        <a:scrgbClr r="0" g="0" b="0"/>
+      </a:fillRef>
+      <a:effectRef idx="0">
+        <a:scrgbClr r="0" g="0" b="0"/>
+      </a:effectRef>
+      <a:fontRef idx="minor">
+        <a:schemeClr val="lt1"/>
+      </a:fontRef>
+    </dgm:style>
+  </dgm:styleLbl>
+  <dgm:styleLbl name="asst4">
+    <dgm:scene3d>
+      <a:camera prst="orthographicFront"/>
+      <a:lightRig rig="threePt" dir="t"/>
+    </dgm:scene3d>
+    <dgm:sp3d/>
+    <dgm:txPr/>
+    <dgm:style>
+      <a:lnRef idx="2">
+        <a:scrgbClr r="0" g="0" b="0"/>
+      </a:lnRef>
+      <a:fillRef idx="1">
+        <a:scrgbClr r="0" g="0" b="0"/>
+      </a:fillRef>
+      <a:effectRef idx="0">
+        <a:scrgbClr r="0" g="0" b="0"/>
+      </a:effectRef>
+      <a:fontRef idx="minor">
+        <a:schemeClr val="lt1"/>
+      </a:fontRef>
+    </dgm:style>
+  </dgm:styleLbl>
+  <dgm:styleLbl name="parChTrans2D1">
+    <dgm:scene3d>
+      <a:camera prst="orthographicFront"/>
+      <a:lightRig rig="threePt" dir="t"/>
+    </dgm:scene3d>
+    <dgm:sp3d/>
+    <dgm:txPr/>
+    <dgm:style>
+      <a:lnRef idx="2">
+        <a:scrgbClr r="0" g="0" b="0"/>
+      </a:lnRef>
+      <a:fillRef idx="1">
+        <a:scrgbClr r="0" g="0" b="0"/>
+      </a:fillRef>
+      <a:effectRef idx="0">
+        <a:scrgbClr r="0" g="0" b="0"/>
+      </a:effectRef>
+      <a:fontRef idx="minor">
+        <a:schemeClr val="lt1"/>
+      </a:fontRef>
+    </dgm:style>
+  </dgm:styleLbl>
+  <dgm:styleLbl name="parChTrans2D2">
+    <dgm:scene3d>
+      <a:camera prst="orthographicFront"/>
+      <a:lightRig rig="threePt" dir="t"/>
+    </dgm:scene3d>
+    <dgm:sp3d/>
+    <dgm:txPr/>
+    <dgm:style>
+      <a:lnRef idx="2">
+        <a:scrgbClr r="0" g="0" b="0"/>
+      </a:lnRef>
+      <a:fillRef idx="1">
+        <a:scrgbClr r="0" g="0" b="0"/>
+      </a:fillRef>
+      <a:effectRef idx="0">
+        <a:scrgbClr r="0" g="0" b="0"/>
+      </a:effectRef>
+      <a:fontRef idx="minor">
+        <a:schemeClr val="lt1"/>
+      </a:fontRef>
+    </dgm:style>
+  </dgm:styleLbl>
+  <dgm:styleLbl name="parChTrans2D3">
+    <dgm:scene3d>
+      <a:camera prst="orthographicFront"/>
+      <a:lightRig rig="threePt" dir="t"/>
+    </dgm:scene3d>
+    <dgm:sp3d/>
+    <dgm:txPr/>
+    <dgm:style>
+      <a:lnRef idx="2">
+        <a:scrgbClr r="0" g="0" b="0"/>
+      </a:lnRef>
+      <a:fillRef idx="1">
+        <a:scrgbClr r="0" g="0" b="0"/>
+      </a:fillRef>
+      <a:effectRef idx="0">
+        <a:scrgbClr r="0" g="0" b="0"/>
+      </a:effectRef>
+      <a:fontRef idx="minor">
+        <a:schemeClr val="lt1"/>
+      </a:fontRef>
+    </dgm:style>
+  </dgm:styleLbl>
+  <dgm:styleLbl name="parChTrans2D4">
+    <dgm:scene3d>
+      <a:camera prst="orthographicFront"/>
+      <a:lightRig rig="threePt" dir="t"/>
+    </dgm:scene3d>
+    <dgm:sp3d/>
+    <dgm:txPr/>
+    <dgm:style>
+      <a:lnRef idx="2">
+        <a:scrgbClr r="0" g="0" b="0"/>
+      </a:lnRef>
+      <a:fillRef idx="1">
+        <a:scrgbClr r="0" g="0" b="0"/>
+      </a:fillRef>
+      <a:effectRef idx="0">
+        <a:scrgbClr r="0" g="0" b="0"/>
+      </a:effectRef>
+      <a:fontRef idx="minor">
+        <a:schemeClr val="lt1"/>
+      </a:fontRef>
+    </dgm:style>
+  </dgm:styleLbl>
+  <dgm:styleLbl name="parChTrans1D1">
+    <dgm:scene3d>
+      <a:camera prst="orthographicFront"/>
+      <a:lightRig rig="threePt" dir="t"/>
+    </dgm:scene3d>
+    <dgm:sp3d/>
+    <dgm:txPr/>
+    <dgm:style>
+      <a:lnRef idx="2">
+        <a:scrgbClr r="0" g="0" b="0"/>
+      </a:lnRef>
+      <a:fillRef idx="0">
+        <a:scrgbClr r="0" g="0" b="0"/>
+      </a:fillRef>
+      <a:effectRef idx="0">
+        <a:scrgbClr r="0" g="0" b="0"/>
+      </a:effectRef>
+      <a:fontRef idx="minor"/>
+    </dgm:style>
+  </dgm:styleLbl>
+  <dgm:styleLbl name="parChTrans1D2">
+    <dgm:scene3d>
+      <a:camera prst="orthographicFront"/>
+      <a:lightRig rig="threePt" dir="t"/>
+    </dgm:scene3d>
+    <dgm:sp3d/>
+    <dgm:txPr/>
+    <dgm:style>
+      <a:lnRef idx="2">
+        <a:scrgbClr r="0" g="0" b="0"/>
+      </a:lnRef>
+      <a:fillRef idx="0">
+        <a:scrgbClr r="0" g="0" b="0"/>
+      </a:fillRef>
+      <a:effectRef idx="0">
+        <a:scrgbClr r="0" g="0" b="0"/>
+      </a:effectRef>
+      <a:fontRef idx="minor"/>
+    </dgm:style>
+  </dgm:styleLbl>
+  <dgm:styleLbl name="parChTrans1D3">
+    <dgm:scene3d>
+      <a:camera prst="orthographicFront"/>
+      <a:lightRig rig="threePt" dir="t"/>
+    </dgm:scene3d>
+    <dgm:sp3d/>
+    <dgm:txPr/>
+    <dgm:style>
+      <a:lnRef idx="2">
+        <a:scrgbClr r="0" g="0" b="0"/>
+      </a:lnRef>
+      <a:fillRef idx="0">
+        <a:scrgbClr r="0" g="0" b="0"/>
+      </a:fillRef>
+      <a:effectRef idx="0">
+        <a:scrgbClr r="0" g="0" b="0"/>
+      </a:effectRef>
+      <a:fontRef idx="minor"/>
+    </dgm:style>
+  </dgm:styleLbl>
+  <dgm:styleLbl name="parChTrans1D4">
+    <dgm:scene3d>
+      <a:camera prst="orthographicFront"/>
+      <a:lightRig rig="threePt" dir="t"/>
+    </dgm:scene3d>
+    <dgm:sp3d/>
+    <dgm:txPr/>
+    <dgm:style>
+      <a:lnRef idx="2">
+        <a:scrgbClr r="0" g="0" b="0"/>
+      </a:lnRef>
+      <a:fillRef idx="0">
+        <a:scrgbClr r="0" g="0" b="0"/>
+      </a:fillRef>
+      <a:effectRef idx="0">
+        <a:scrgbClr r="0" g="0" b="0"/>
+      </a:effectRef>
+      <a:fontRef idx="minor"/>
+    </dgm:style>
+  </dgm:styleLbl>
+  <dgm:styleLbl name="fgAcc1">
+    <dgm:scene3d>
+      <a:camera prst="orthographicFront"/>
+      <a:lightRig rig="threePt" dir="t"/>
+    </dgm:scene3d>
+    <dgm:sp3d/>
+    <dgm:txPr/>
+    <dgm:style>
+      <a:lnRef idx="2">
+        <a:scrgbClr r="0" g="0" b="0"/>
+      </a:lnRef>
+      <a:fillRef idx="1">
+        <a:scrgbClr r="0" g="0" b="0"/>
+      </a:fillRef>
+      <a:effectRef idx="0">
+        <a:scrgbClr r="0" g="0" b="0"/>
+      </a:effectRef>
+      <a:fontRef idx="minor"/>
+    </dgm:style>
+  </dgm:styleLbl>
+  <dgm:styleLbl name="conFgAcc1">
+    <dgm:scene3d>
+      <a:camera prst="orthographicFront"/>
+      <a:lightRig rig="threePt" dir="t"/>
+    </dgm:scene3d>
+    <dgm:sp3d/>
+    <dgm:txPr/>
+    <dgm:style>
+      <a:lnRef idx="2">
+        <a:scrgbClr r="0" g="0" b="0"/>
+      </a:lnRef>
+      <a:fillRef idx="1">
+        <a:scrgbClr r="0" g="0" b="0"/>
+      </a:fillRef>
+      <a:effectRef idx="0">
+        <a:scrgbClr r="0" g="0" b="0"/>
+      </a:effectRef>
+      <a:fontRef idx="minor"/>
+    </dgm:style>
+  </dgm:styleLbl>
+  <dgm:styleLbl name="alignAcc1">
+    <dgm:scene3d>
+      <a:camera prst="orthographicFront"/>
+      <a:lightRig rig="threePt" dir="t"/>
+    </dgm:scene3d>
+    <dgm:sp3d/>
+    <dgm:txPr/>
+    <dgm:style>
+      <a:lnRef idx="2">
+        <a:scrgbClr r="0" g="0" b="0"/>
+      </a:lnRef>
+      <a:fillRef idx="1">
+        <a:scrgbClr r="0" g="0" b="0"/>
+      </a:fillRef>
+      <a:effectRef idx="0">
+        <a:scrgbClr r="0" g="0" b="0"/>
+      </a:effectRef>
+      <a:fontRef idx="minor"/>
+    </dgm:style>
+  </dgm:styleLbl>
+  <dgm:styleLbl name="trAlignAcc1">
+    <dgm:scene3d>
+      <a:camera prst="orthographicFront"/>
+      <a:lightRig rig="threePt" dir="t"/>
+    </dgm:scene3d>
+    <dgm:sp3d/>
+    <dgm:txPr/>
+    <dgm:style>
+      <a:lnRef idx="1">
+        <a:scrgbClr r="0" g="0" b="0"/>
+      </a:lnRef>
+      <a:fillRef idx="1">
+        <a:scrgbClr r="0" g="0" b="0"/>
+      </a:fillRef>
+      <a:effectRef idx="0">
+        <a:scrgbClr r="0" g="0" b="0"/>
+      </a:effectRef>
+      <a:fontRef idx="minor"/>
+    </dgm:style>
+  </dgm:styleLbl>
+  <dgm:styleLbl name="bgAcc1">
+    <dgm:scene3d>
+      <a:camera prst="orthographicFront"/>
+      <a:lightRig rig="threePt" dir="t"/>
+    </dgm:scene3d>
+    <dgm:sp3d/>
+    <dgm:txPr/>
+    <dgm:style>
+      <a:lnRef idx="2">
+        <a:scrgbClr r="0" g="0" b="0"/>
+      </a:lnRef>
+      <a:fillRef idx="1">
+        <a:scrgbClr r="0" g="0" b="0"/>
+      </a:fillRef>
+      <a:effectRef idx="0">
+        <a:scrgbClr r="0" g="0" b="0"/>
+      </a:effectRef>
+      <a:fontRef idx="minor"/>
+    </dgm:style>
+  </dgm:styleLbl>
+  <dgm:styleLbl name="solidFgAcc1">
+    <dgm:scene3d>
+      <a:camera prst="orthographicFront"/>
+      <a:lightRig rig="threePt" dir="t"/>
+    </dgm:scene3d>
+    <dgm:sp3d/>
+    <dgm:txPr/>
+    <dgm:style>
+      <a:lnRef idx="2">
+        <a:scrgbClr r="0" g="0" b="0"/>
+      </a:lnRef>
+      <a:fillRef idx="1">
+        <a:scrgbClr r="0" g="0" b="0"/>
+      </a:fillRef>
+      <a:effectRef idx="0">
+        <a:scrgbClr r="0" g="0" b="0"/>
+      </a:effectRef>
+      <a:fontRef idx="minor"/>
+    </dgm:style>
+  </dgm:styleLbl>
+  <dgm:styleLbl name="solidAlignAcc1">
+    <dgm:scene3d>
+      <a:camera prst="orthographicFront"/>
+      <a:lightRig rig="threePt" dir="t"/>
+    </dgm:scene3d>
+    <dgm:sp3d/>
+    <dgm:txPr/>
+    <dgm:style>
+      <a:lnRef idx="2">
+        <a:scrgbClr r="0" g="0" b="0"/>
+      </a:lnRef>
+      <a:fillRef idx="1">
+        <a:scrgbClr r="0" g="0" b="0"/>
+      </a:fillRef>
+      <a:effectRef idx="0">
+        <a:scrgbClr r="0" g="0" b="0"/>
+      </a:effectRef>
+      <a:fontRef idx="minor"/>
+    </dgm:style>
+  </dgm:styleLbl>
+  <dgm:styleLbl name="solidBgAcc1">
+    <dgm:scene3d>
+      <a:camera prst="orthographicFront"/>
+      <a:lightRig rig="threePt" dir="t"/>
+    </dgm:scene3d>
+    <dgm:sp3d/>
+    <dgm:txPr/>
+    <dgm:style>
+      <a:lnRef idx="2">
+        <a:scrgbClr r="0" g="0" b="0"/>
+      </a:lnRef>
+      <a:fillRef idx="1">
+        <a:scrgbClr r="0" g="0" b="0"/>
+      </a:fillRef>
+      <a:effectRef idx="0">
+        <a:scrgbClr r="0" g="0" b="0"/>
+      </a:effectRef>
+      <a:fontRef idx="minor"/>
+    </dgm:style>
+  </dgm:styleLbl>
+  <dgm:styleLbl name="fgAccFollowNode1">
+    <dgm:scene3d>
+      <a:camera prst="orthographicFront"/>
+      <a:lightRig rig="threePt" dir="t"/>
+    </dgm:scene3d>
+    <dgm:sp3d/>
+    <dgm:txPr/>
+    <dgm:style>
+      <a:lnRef idx="2">
+        <a:scrgbClr r="0" g="0" b="0"/>
+      </a:lnRef>
+      <a:fillRef idx="1">
+        <a:scrgbClr r="0" g="0" b="0"/>
+      </a:fillRef>
+      <a:effectRef idx="0">
+        <a:scrgbClr r="0" g="0" b="0"/>
+      </a:effectRef>
+      <a:fontRef idx="minor"/>
+    </dgm:style>
+  </dgm:styleLbl>
+  <dgm:styleLbl name="alignAccFollowNode1">
+    <dgm:scene3d>
+      <a:camera prst="orthographicFront"/>
+      <a:lightRig rig="threePt" dir="t"/>
+    </dgm:scene3d>
+    <dgm:sp3d/>
+    <dgm:txPr/>
+    <dgm:style>
+      <a:lnRef idx="2">
+        <a:scrgbClr r="0" g="0" b="0"/>
+      </a:lnRef>
+      <a:fillRef idx="1">
+        <a:scrgbClr r="0" g="0" b="0"/>
+      </a:fillRef>
+      <a:effectRef idx="0">
+        <a:scrgbClr r="0" g="0" b="0"/>
+      </a:effectRef>
+      <a:fontRef idx="minor"/>
+    </dgm:style>
+  </dgm:styleLbl>
+  <dgm:styleLbl name="bgAccFollowNode1">
+    <dgm:scene3d>
+      <a:camera prst="orthographicFront"/>
+      <a:lightRig rig="threePt" dir="t"/>
+    </dgm:scene3d>
+    <dgm:sp3d/>
+    <dgm:txPr/>
+    <dgm:style>
+      <a:lnRef idx="2">
+        <a:scrgbClr r="0" g="0" b="0"/>
+      </a:lnRef>
+      <a:fillRef idx="1">
+        <a:scrgbClr r="0" g="0" b="0"/>
+      </a:fillRef>
+      <a:effectRef idx="0">
+        <a:scrgbClr r="0" g="0" b="0"/>
+      </a:effectRef>
+      <a:fontRef idx="minor"/>
+    </dgm:style>
+  </dgm:styleLbl>
+  <dgm:styleLbl name="fgAcc0">
+    <dgm:scene3d>
+      <a:camera prst="orthographicFront"/>
+      <a:lightRig rig="threePt" dir="t"/>
+    </dgm:scene3d>
+    <dgm:sp3d/>
+    <dgm:txPr/>
+    <dgm:style>
+      <a:lnRef idx="2">
+        <a:scrgbClr r="0" g="0" b="0"/>
+      </a:lnRef>
+      <a:fillRef idx="1">
+        <a:scrgbClr r="0" g="0" b="0"/>
+      </a:fillRef>
+      <a:effectRef idx="0">
+        <a:scrgbClr r="0" g="0" b="0"/>
+      </a:effectRef>
+      <a:fontRef idx="minor"/>
+    </dgm:style>
+  </dgm:styleLbl>
+  <dgm:styleLbl name="fgAcc2">
+    <dgm:scene3d>
+      <a:camera prst="orthographicFront"/>
+      <a:lightRig rig="threePt" dir="t"/>
+    </dgm:scene3d>
+    <dgm:sp3d/>
+    <dgm:txPr/>
+    <dgm:style>
+      <a:lnRef idx="2">
+        <a:scrgbClr r="0" g="0" b="0"/>
+      </a:lnRef>
+      <a:fillRef idx="1">
+        <a:scrgbClr r="0" g="0" b="0"/>
+      </a:fillRef>
+      <a:effectRef idx="0">
+        <a:scrgbClr r="0" g="0" b="0"/>
+      </a:effectRef>
+      <a:fontRef idx="minor"/>
+    </dgm:style>
+  </dgm:styleLbl>
+  <dgm:styleLbl name="fgAcc3">
+    <dgm:scene3d>
+      <a:camera prst="orthographicFront"/>
+      <a:lightRig rig="threePt" dir="t"/>
+    </dgm:scene3d>
+    <dgm:sp3d/>
+    <dgm:txPr/>
+    <dgm:style>
+      <a:lnRef idx="2">
+        <a:scrgbClr r="0" g="0" b="0"/>
+      </a:lnRef>
+      <a:fillRef idx="1">
+        <a:scrgbClr r="0" g="0" b="0"/>
+      </a:fillRef>
+      <a:effectRef idx="0">
+        <a:scrgbClr r="0" g="0" b="0"/>
+      </a:effectRef>
+      <a:fontRef idx="minor"/>
+    </dgm:style>
+  </dgm:styleLbl>
+  <dgm:styleLbl name="fgAcc4">
+    <dgm:scene3d>
+      <a:camera prst="orthographicFront"/>
+      <a:lightRig rig="threePt" dir="t"/>
+    </dgm:scene3d>
+    <dgm:sp3d/>
+    <dgm:txPr/>
+    <dgm:style>
+      <a:lnRef idx="2">
+        <a:scrgbClr r="0" g="0" b="0"/>
+      </a:lnRef>
+      <a:fillRef idx="1">
+        <a:scrgbClr r="0" g="0" b="0"/>
+      </a:fillRef>
+      <a:effectRef idx="0">
+        <a:scrgbClr r="0" g="0" b="0"/>
+      </a:effectRef>
+      <a:fontRef idx="minor"/>
+    </dgm:style>
+  </dgm:styleLbl>
+  <dgm:styleLbl name="bgShp">
+    <dgm:scene3d>
+      <a:camera prst="orthographicFront"/>
+      <a:lightRig rig="threePt" dir="t"/>
+    </dgm:scene3d>
+    <dgm:sp3d/>
+    <dgm:txPr/>
+    <dgm:style>
+      <a:lnRef idx="0">
+        <a:scrgbClr r="0" g="0" b="0"/>
+      </a:lnRef>
+      <a:fillRef idx="1">
+        <a:scrgbClr r="0" g="0" b="0"/>
+      </a:fillRef>
+      <a:effectRef idx="0">
+        <a:scrgbClr r="0" g="0" b="0"/>
+      </a:effectRef>
+      <a:fontRef idx="minor"/>
+    </dgm:style>
+  </dgm:styleLbl>
+  <dgm:styleLbl name="dkBgShp">
+    <dgm:scene3d>
+      <a:camera prst="orthographicFront"/>
+      <a:lightRig rig="threePt" dir="t"/>
+    </dgm:scene3d>
+    <dgm:sp3d/>
+    <dgm:txPr/>
+    <dgm:style>
+      <a:lnRef idx="0">
+        <a:scrgbClr r="0" g="0" b="0"/>
+      </a:lnRef>
+      <a:fillRef idx="1">
+        <a:scrgbClr r="0" g="0" b="0"/>
+      </a:fillRef>
+      <a:effectRef idx="0">
+        <a:scrgbClr r="0" g="0" b="0"/>
+      </a:effectRef>
+      <a:fontRef idx="minor"/>
+    </dgm:style>
+  </dgm:styleLbl>
+  <dgm:styleLbl name="trBgShp">
+    <dgm:scene3d>
+      <a:camera prst="orthographicFront"/>
+      <a:lightRig rig="threePt" dir="t"/>
+    </dgm:scene3d>
+    <dgm:sp3d/>
+    <dgm:txPr/>
+    <dgm:style>
+      <a:lnRef idx="0">
+        <a:scrgbClr r="0" g="0" b="0"/>
+      </a:lnRef>
+      <a:fillRef idx="1">
+        <a:scrgbClr r="0" g="0" b="0"/>
+      </a:fillRef>
+      <a:effectRef idx="0">
+        <a:scrgbClr r="0" g="0" b="0"/>
+      </a:effectRef>
+      <a:fontRef idx="minor"/>
+    </dgm:style>
+  </dgm:styleLbl>
+  <dgm:styleLbl name="fgShp">
+    <dgm:scene3d>
+      <a:camera prst="orthographicFront"/>
+      <a:lightRig rig="threePt" dir="t"/>
+    </dgm:scene3d>
+    <dgm:sp3d/>
+    <dgm:txPr/>
+    <dgm:style>
+      <a:lnRef idx="2">
+        <a:scrgbClr r="0" g="0" b="0"/>
+      </a:lnRef>
+      <a:fillRef idx="1">
+        <a:scrgbClr r="0" g="0" b="0"/>
+      </a:fillRef>
+      <a:effectRef idx="0">
+        <a:scrgbClr r="0" g="0" b="0"/>
+      </a:effectRef>
+      <a:fontRef idx="minor"/>
+    </dgm:style>
+  </dgm:styleLbl>
+  <dgm:styleLbl name="revTx">
+    <dgm:scene3d>
+      <a:camera prst="orthographicFront"/>
+      <a:lightRig rig="threePt" dir="t"/>
+    </dgm:scene3d>
+    <dgm:sp3d/>
+    <dgm:txPr/>
+    <dgm:style>
+      <a:lnRef idx="0">
+        <a:scrgbClr r="0" g="0" b="0"/>
+      </a:lnRef>
+      <a:fillRef idx="0">
+        <a:scrgbClr r="0" g="0" b="0"/>
+      </a:fillRef>
+      <a:effectRef idx="0">
+        <a:scrgbClr r="0" g="0" b="0"/>
+      </a:effectRef>
+      <a:fontRef idx="minor"/>
+    </dgm:style>
+  </dgm:styleLbl>
+</dgm:styleDef>
+</file>
+
+<file path=ppt/diagrams/quickStyle2.xml><?xml version="1.0" encoding="utf-8"?>
+<dgm:styleDef xmlns:dgm="http://schemas.openxmlformats.org/drawingml/2006/diagram" xmlns:a="http://schemas.openxmlformats.org/drawingml/2006/main" uniqueId="urn:microsoft.com/office/officeart/2005/8/quickstyle/simple1">
+  <dgm:title val=""/>
+  <dgm:desc val=""/>
+  <dgm:catLst>
+    <dgm:cat type="simple" pri="10100"/>
+  </dgm:catLst>
+  <dgm:scene3d>
+    <a:camera prst="orthographicFront"/>
+    <a:lightRig rig="threePt" dir="t"/>
+  </dgm:scene3d>
+  <dgm:styleLbl name="node0">
+    <dgm:scene3d>
+      <a:camera prst="orthographicFront"/>
+      <a:lightRig rig="threePt" dir="t"/>
+    </dgm:scene3d>
+    <dgm:sp3d/>
+    <dgm:txPr/>
+    <dgm:style>
+      <a:lnRef idx="2">
+        <a:scrgbClr r="0" g="0" b="0"/>
+      </a:lnRef>
+      <a:fillRef idx="1">
+        <a:scrgbClr r="0" g="0" b="0"/>
+      </a:fillRef>
+      <a:effectRef idx="0">
+        <a:scrgbClr r="0" g="0" b="0"/>
+      </a:effectRef>
+      <a:fontRef idx="minor">
+        <a:schemeClr val="lt1"/>
+      </a:fontRef>
+    </dgm:style>
+  </dgm:styleLbl>
+  <dgm:styleLbl name="lnNode1">
+    <dgm:scene3d>
+      <a:camera prst="orthographicFront"/>
+      <a:lightRig rig="threePt" dir="t"/>
+    </dgm:scene3d>
+    <dgm:sp3d/>
+    <dgm:txPr/>
+    <dgm:style>
+      <a:lnRef idx="2">
+        <a:scrgbClr r="0" g="0" b="0"/>
+      </a:lnRef>
+      <a:fillRef idx="1">
+        <a:scrgbClr r="0" g="0" b="0"/>
+      </a:fillRef>
+      <a:effectRef idx="0">
+        <a:scrgbClr r="0" g="0" b="0"/>
+      </a:effectRef>
+      <a:fontRef idx="minor">
+        <a:schemeClr val="lt1"/>
+      </a:fontRef>
+    </dgm:style>
+  </dgm:styleLbl>
+  <dgm:styleLbl name="vennNode1">
+    <dgm:scene3d>
+      <a:camera prst="orthographicFront"/>
+      <a:lightRig rig="threePt" dir="t"/>
+    </dgm:scene3d>
+    <dgm:sp3d/>
+    <dgm:txPr/>
+    <dgm:style>
+      <a:lnRef idx="2">
+        <a:scrgbClr r="0" g="0" b="0"/>
+      </a:lnRef>
+      <a:fillRef idx="1">
+        <a:scrgbClr r="0" g="0" b="0"/>
+      </a:fillRef>
+      <a:effectRef idx="0">
+        <a:scrgbClr r="0" g="0" b="0"/>
+      </a:effectRef>
+      <a:fontRef idx="minor">
+        <a:schemeClr val="tx1"/>
+      </a:fontRef>
+    </dgm:style>
+  </dgm:styleLbl>
+  <dgm:styleLbl name="alignNode1">
+    <dgm:scene3d>
+      <a:camera prst="orthographicFront"/>
+      <a:lightRig rig="threePt" dir="t"/>
+    </dgm:scene3d>
+    <dgm:sp3d/>
+    <dgm:txPr/>
+    <dgm:style>
+      <a:lnRef idx="2">
+        <a:scrgbClr r="0" g="0" b="0"/>
+      </a:lnRef>
+      <a:fillRef idx="1">
+        <a:scrgbClr r="0" g="0" b="0"/>
+      </a:fillRef>
+      <a:effectRef idx="0">
+        <a:scrgbClr r="0" g="0" b="0"/>
+      </a:effectRef>
+      <a:fontRef idx="minor">
+        <a:schemeClr val="lt1"/>
+      </a:fontRef>
+    </dgm:style>
+  </dgm:styleLbl>
+  <dgm:styleLbl name="node1">
+    <dgm:scene3d>
+      <a:camera prst="orthographicFront"/>
+      <a:lightRig rig="threePt" dir="t"/>
+    </dgm:scene3d>
+    <dgm:sp3d/>
+    <dgm:txPr/>
+    <dgm:style>
+      <a:lnRef idx="2">
+        <a:scrgbClr r="0" g="0" b="0"/>
+      </a:lnRef>
+      <a:fillRef idx="1">
+        <a:scrgbClr r="0" g="0" b="0"/>
+      </a:fillRef>
+      <a:effectRef idx="0">
+        <a:scrgbClr r="0" g="0" b="0"/>
+      </a:effectRef>
+      <a:fontRef idx="minor">
+        <a:schemeClr val="lt1"/>
+      </a:fontRef>
+    </dgm:style>
+  </dgm:styleLbl>
+  <dgm:styleLbl name="node2">
+    <dgm:scene3d>
+      <a:camera prst="orthographicFront"/>
+      <a:lightRig rig="threePt" dir="t"/>
+    </dgm:scene3d>
+    <dgm:sp3d/>
+    <dgm:txPr/>
+    <dgm:style>
+      <a:lnRef idx="2">
+        <a:scrgbClr r="0" g="0" b="0"/>
+      </a:lnRef>
+      <a:fillRef idx="1">
+        <a:scrgbClr r="0" g="0" b="0"/>
+      </a:fillRef>
+      <a:effectRef idx="0">
+        <a:scrgbClr r="0" g="0" b="0"/>
+      </a:effectRef>
+      <a:fontRef idx="minor">
+        <a:schemeClr val="lt1"/>
+      </a:fontRef>
+    </dgm:style>
+  </dgm:styleLbl>
+  <dgm:styleLbl name="node3">
+    <dgm:scene3d>
+      <a:camera prst="orthographicFront"/>
+      <a:lightRig rig="threePt" dir="t"/>
+    </dgm:scene3d>
+    <dgm:sp3d/>
+    <dgm:txPr/>
+    <dgm:style>
+      <a:lnRef idx="2">
+        <a:scrgbClr r="0" g="0" b="0"/>
+      </a:lnRef>
+      <a:fillRef idx="1">
+        <a:scrgbClr r="0" g="0" b="0"/>
+      </a:fillRef>
+      <a:effectRef idx="0">
+        <a:scrgbClr r="0" g="0" b="0"/>
+      </a:effectRef>
+      <a:fontRef idx="minor">
+        <a:schemeClr val="lt1"/>
+      </a:fontRef>
+    </dgm:style>
+  </dgm:styleLbl>
+  <dgm:styleLbl name="node4">
+    <dgm:scene3d>
+      <a:camera prst="orthographicFront"/>
+      <a:lightRig rig="threePt" dir="t"/>
+    </dgm:scene3d>
+    <dgm:sp3d/>
+    <dgm:txPr/>
+    <dgm:style>
+      <a:lnRef idx="2">
+        <a:scrgbClr r="0" g="0" b="0"/>
+      </a:lnRef>
+      <a:fillRef idx="1">
+        <a:scrgbClr r="0" g="0" b="0"/>
+      </a:fillRef>
+      <a:effectRef idx="0">
+        <a:scrgbClr r="0" g="0" b="0"/>
+      </a:effectRef>
+      <a:fontRef idx="minor">
+        <a:schemeClr val="lt1"/>
+      </a:fontRef>
+    </dgm:style>
+  </dgm:styleLbl>
+  <dgm:styleLbl name="fgImgPlace1">
+    <dgm:scene3d>
+      <a:camera prst="orthographicFront"/>
+      <a:lightRig rig="threePt" dir="t"/>
+    </dgm:scene3d>
+    <dgm:sp3d/>
+    <dgm:txPr/>
+    <dgm:style>
+      <a:lnRef idx="2">
+        <a:scrgbClr r="0" g="0" b="0"/>
+      </a:lnRef>
+      <a:fillRef idx="1">
+        <a:scrgbClr r="0" g="0" b="0"/>
+      </a:fillRef>
+      <a:effectRef idx="0">
+        <a:scrgbClr r="0" g="0" b="0"/>
+      </a:effectRef>
+      <a:fontRef idx="minor"/>
+    </dgm:style>
+  </dgm:styleLbl>
+  <dgm:styleLbl name="alignImgPlace1">
+    <dgm:scene3d>
+      <a:camera prst="orthographicFront"/>
+      <a:lightRig rig="threePt" dir="t"/>
+    </dgm:scene3d>
+    <dgm:sp3d/>
+    <dgm:txPr/>
+    <dgm:style>
+      <a:lnRef idx="2">
+        <a:scrgbClr r="0" g="0" b="0"/>
+      </a:lnRef>
+      <a:fillRef idx="1">
+        <a:scrgbClr r="0" g="0" b="0"/>
+      </a:fillRef>
+      <a:effectRef idx="0">
+        <a:scrgbClr r="0" g="0" b="0"/>
+      </a:effectRef>
+      <a:fontRef idx="minor"/>
+    </dgm:style>
+  </dgm:styleLbl>
+  <dgm:styleLbl name="bgImgPlace1">
+    <dgm:scene3d>
+      <a:camera prst="orthographicFront"/>
+      <a:lightRig rig="threePt" dir="t"/>
+    </dgm:scene3d>
+    <dgm:sp3d/>
+    <dgm:txPr/>
+    <dgm:style>
+      <a:lnRef idx="2">
+        <a:scrgbClr r="0" g="0" b="0"/>
+      </a:lnRef>
+      <a:fillRef idx="1">
+        <a:scrgbClr r="0" g="0" b="0"/>
+      </a:fillRef>
+      <a:effectRef idx="0">
+        <a:scrgbClr r="0" g="0" b="0"/>
+      </a:effectRef>
+      <a:fontRef idx="minor"/>
+    </dgm:style>
+  </dgm:styleLbl>
+  <dgm:styleLbl name="sibTrans2D1">
+    <dgm:scene3d>
+      <a:camera prst="orthographicFront"/>
+      <a:lightRig rig="threePt" dir="t"/>
+    </dgm:scene3d>
+    <dgm:sp3d/>
+    <dgm:txPr/>
+    <dgm:style>
+      <a:lnRef idx="0">
+        <a:scrgbClr r="0" g="0" b="0"/>
+      </a:lnRef>
+      <a:fillRef idx="1">
+        <a:scrgbClr r="0" g="0" b="0"/>
+      </a:fillRef>
+      <a:effectRef idx="0">
+        <a:scrgbClr r="0" g="0" b="0"/>
+      </a:effectRef>
+      <a:fontRef idx="minor">
+        <a:schemeClr val="lt1"/>
+      </a:fontRef>
+    </dgm:style>
+  </dgm:styleLbl>
+  <dgm:styleLbl name="fgSibTrans2D1">
+    <dgm:scene3d>
+      <a:camera prst="orthographicFront"/>
+      <a:lightRig rig="threePt" dir="t"/>
+    </dgm:scene3d>
+    <dgm:sp3d/>
+    <dgm:txPr/>
+    <dgm:style>
+      <a:lnRef idx="0">
+        <a:scrgbClr r="0" g="0" b="0"/>
+      </a:lnRef>
+      <a:fillRef idx="1">
+        <a:scrgbClr r="0" g="0" b="0"/>
+      </a:fillRef>
+      <a:effectRef idx="0">
+        <a:scrgbClr r="0" g="0" b="0"/>
+      </a:effectRef>
+      <a:fontRef idx="minor">
+        <a:schemeClr val="lt1"/>
+      </a:fontRef>
+    </dgm:style>
+  </dgm:styleLbl>
+  <dgm:styleLbl name="bgSibTrans2D1">
+    <dgm:scene3d>
+      <a:camera prst="orthographicFront"/>
+      <a:lightRig rig="threePt" dir="t"/>
+    </dgm:scene3d>
+    <dgm:sp3d/>
+    <dgm:txPr/>
+    <dgm:style>
+      <a:lnRef idx="0">
+        <a:scrgbClr r="0" g="0" b="0"/>
+      </a:lnRef>
+      <a:fillRef idx="1">
+        <a:scrgbClr r="0" g="0" b="0"/>
+      </a:fillRef>
+      <a:effectRef idx="0">
+        <a:scrgbClr r="0" g="0" b="0"/>
+      </a:effectRef>
+      <a:fontRef idx="minor">
+        <a:schemeClr val="lt1"/>
+      </a:fontRef>
+    </dgm:style>
+  </dgm:styleLbl>
+  <dgm:styleLbl name="sibTrans1D1">
+    <dgm:scene3d>
+      <a:camera prst="orthographicFront"/>
+      <a:lightRig rig="threePt" dir="t"/>
+    </dgm:scene3d>
+    <dgm:sp3d/>
+    <dgm:txPr/>
+    <dgm:style>
+      <a:lnRef idx="1">
+        <a:scrgbClr r="0" g="0" b="0"/>
+      </a:lnRef>
+      <a:fillRef idx="0">
+        <a:scrgbClr r="0" g="0" b="0"/>
+      </a:fillRef>
+      <a:effectRef idx="0">
+        <a:scrgbClr r="0" g="0" b="0"/>
+      </a:effectRef>
+      <a:fontRef idx="minor"/>
+    </dgm:style>
+  </dgm:styleLbl>
+  <dgm:styleLbl name="callout">
+    <dgm:scene3d>
+      <a:camera prst="orthographicFront"/>
+      <a:lightRig rig="threePt" dir="t"/>
+    </dgm:scene3d>
+    <dgm:sp3d/>
+    <dgm:txPr/>
+    <dgm:style>
+      <a:lnRef idx="2">
+        <a:scrgbClr r="0" g="0" b="0"/>
+      </a:lnRef>
+      <a:fillRef idx="1">
+        <a:scrgbClr r="0" g="0" b="0"/>
+      </a:fillRef>
+      <a:effectRef idx="0">
+        <a:scrgbClr r="0" g="0" b="0"/>
+      </a:effectRef>
+      <a:fontRef idx="minor"/>
+    </dgm:style>
+  </dgm:styleLbl>
+  <dgm:styleLbl name="asst0">
+    <dgm:scene3d>
+      <a:camera prst="orthographicFront"/>
+      <a:lightRig rig="threePt" dir="t"/>
+    </dgm:scene3d>
+    <dgm:sp3d/>
+    <dgm:txPr/>
+    <dgm:style>
+      <a:lnRef idx="2">
+        <a:scrgbClr r="0" g="0" b="0"/>
+      </a:lnRef>
+      <a:fillRef idx="1">
+        <a:scrgbClr r="0" g="0" b="0"/>
+      </a:fillRef>
+      <a:effectRef idx="0">
+        <a:scrgbClr r="0" g="0" b="0"/>
+      </a:effectRef>
+      <a:fontRef idx="minor">
+        <a:schemeClr val="lt1"/>
+      </a:fontRef>
+    </dgm:style>
+  </dgm:styleLbl>
+  <dgm:styleLbl name="asst1">
+    <dgm:scene3d>
+      <a:camera prst="orthographicFront"/>
+      <a:lightRig rig="threePt" dir="t"/>
+    </dgm:scene3d>
+    <dgm:sp3d/>
+    <dgm:txPr/>
+    <dgm:style>
+      <a:lnRef idx="2">
+        <a:scrgbClr r="0" g="0" b="0"/>
+      </a:lnRef>
+      <a:fillRef idx="1">
+        <a:scrgbClr r="0" g="0" b="0"/>
+      </a:fillRef>
+      <a:effectRef idx="0">
+        <a:scrgbClr r="0" g="0" b="0"/>
+      </a:effectRef>
+      <a:fontRef idx="minor">
+        <a:schemeClr val="lt1"/>
+      </a:fontRef>
+    </dgm:style>
+  </dgm:styleLbl>
+  <dgm:styleLbl name="asst2">
+    <dgm:scene3d>
+      <a:camera prst="orthographicFront"/>
+      <a:lightRig rig="threePt" dir="t"/>
+    </dgm:scene3d>
+    <dgm:sp3d/>
+    <dgm:txPr/>
+    <dgm:style>
+      <a:lnRef idx="2">
+        <a:scrgbClr r="0" g="0" b="0"/>
+      </a:lnRef>
+      <a:fillRef idx="1">
+        <a:scrgbClr r="0" g="0" b="0"/>
+      </a:fillRef>
+      <a:effectRef idx="0">
+        <a:scrgbClr r="0" g="0" b="0"/>
+      </a:effectRef>
+      <a:fontRef idx="minor">
+        <a:schemeClr val="lt1"/>
+      </a:fontRef>
+    </dgm:style>
+  </dgm:styleLbl>
+  <dgm:styleLbl name="asst3">
+    <dgm:scene3d>
+      <a:camera prst="orthographicFront"/>
+      <a:lightRig rig="threePt" dir="t"/>
+    </dgm:scene3d>
+    <dgm:sp3d/>
+    <dgm:txPr/>
+    <dgm:style>
+      <a:lnRef idx="2">
+        <a:scrgbClr r="0" g="0" b="0"/>
+      </a:lnRef>
+      <a:fillRef idx="1">
+        <a:scrgbClr r="0" g="0" b="0"/>
+      </a:fillRef>
+      <a:effectRef idx="0">
+        <a:scrgbClr r="0" g="0" b="0"/>
+      </a:effectRef>
+      <a:fontRef idx="minor">
+        <a:schemeClr val="lt1"/>
+      </a:fontRef>
+    </dgm:style>
+  </dgm:styleLbl>
+  <dgm:styleLbl name="asst4">
+    <dgm:scene3d>
+      <a:camera prst="orthographicFront"/>
+      <a:lightRig rig="threePt" dir="t"/>
+    </dgm:scene3d>
+    <dgm:sp3d/>
+    <dgm:txPr/>
+    <dgm:style>
+      <a:lnRef idx="2">
+        <a:scrgbClr r="0" g="0" b="0"/>
+      </a:lnRef>
+      <a:fillRef idx="1">
+        <a:scrgbClr r="0" g="0" b="0"/>
+      </a:fillRef>
+      <a:effectRef idx="0">
+        <a:scrgbClr r="0" g="0" b="0"/>
+      </a:effectRef>
+      <a:fontRef idx="minor">
+        <a:schemeClr val="lt1"/>
+      </a:fontRef>
+    </dgm:style>
+  </dgm:styleLbl>
+  <dgm:styleLbl name="parChTrans2D1">
+    <dgm:scene3d>
+      <a:camera prst="orthographicFront"/>
+      <a:lightRig rig="threePt" dir="t"/>
+    </dgm:scene3d>
+    <dgm:sp3d/>
+    <dgm:txPr/>
+    <dgm:style>
+      <a:lnRef idx="2">
+        <a:scrgbClr r="0" g="0" b="0"/>
+      </a:lnRef>
+      <a:fillRef idx="1">
+        <a:scrgbClr r="0" g="0" b="0"/>
+      </a:fillRef>
+      <a:effectRef idx="0">
+        <a:scrgbClr r="0" g="0" b="0"/>
+      </a:effectRef>
+      <a:fontRef idx="minor">
+        <a:schemeClr val="lt1"/>
+      </a:fontRef>
+    </dgm:style>
+  </dgm:styleLbl>
+  <dgm:styleLbl name="parChTrans2D2">
+    <dgm:scene3d>
+      <a:camera prst="orthographicFront"/>
+      <a:lightRig rig="threePt" dir="t"/>
+    </dgm:scene3d>
+    <dgm:sp3d/>
+    <dgm:txPr/>
+    <dgm:style>
+      <a:lnRef idx="2">
+        <a:scrgbClr r="0" g="0" b="0"/>
+      </a:lnRef>
+      <a:fillRef idx="1">
+        <a:scrgbClr r="0" g="0" b="0"/>
+      </a:fillRef>
+      <a:effectRef idx="0">
+        <a:scrgbClr r="0" g="0" b="0"/>
+      </a:effectRef>
+      <a:fontRef idx="minor">
+        <a:schemeClr val="lt1"/>
+      </a:fontRef>
+    </dgm:style>
+  </dgm:styleLbl>
+  <dgm:styleLbl name="parChTrans2D3">
+    <dgm:scene3d>
+      <a:camera prst="orthographicFront"/>
+      <a:lightRig rig="threePt" dir="t"/>
+    </dgm:scene3d>
+    <dgm:sp3d/>
+    <dgm:txPr/>
+    <dgm:style>
+      <a:lnRef idx="2">
+        <a:scrgbClr r="0" g="0" b="0"/>
+      </a:lnRef>
+      <a:fillRef idx="1">
+        <a:scrgbClr r="0" g="0" b="0"/>
+      </a:fillRef>
+      <a:effectRef idx="0">
+        <a:scrgbClr r="0" g="0" b="0"/>
+      </a:effectRef>
+      <a:fontRef idx="minor">
+        <a:schemeClr val="lt1"/>
+      </a:fontRef>
+    </dgm:style>
+  </dgm:styleLbl>
+  <dgm:styleLbl name="parChTrans2D4">
+    <dgm:scene3d>
+      <a:camera prst="orthographicFront"/>
+      <a:lightRig rig="threePt" dir="t"/>
+    </dgm:scene3d>
+    <dgm:sp3d/>
+    <dgm:txPr/>
+    <dgm:style>
+      <a:lnRef idx="2">
+        <a:scrgbClr r="0" g="0" b="0"/>
+      </a:lnRef>
+      <a:fillRef idx="1">
+        <a:scrgbClr r="0" g="0" b="0"/>
+      </a:fillRef>
+      <a:effectRef idx="0">
+        <a:scrgbClr r="0" g="0" b="0"/>
+      </a:effectRef>
+      <a:fontRef idx="minor">
+        <a:schemeClr val="lt1"/>
+      </a:fontRef>
+    </dgm:style>
+  </dgm:styleLbl>
+  <dgm:styleLbl name="parChTrans1D1">
+    <dgm:scene3d>
+      <a:camera prst="orthographicFront"/>
+      <a:lightRig rig="threePt" dir="t"/>
+    </dgm:scene3d>
+    <dgm:sp3d/>
+    <dgm:txPr/>
+    <dgm:style>
+      <a:lnRef idx="2">
+        <a:scrgbClr r="0" g="0" b="0"/>
+      </a:lnRef>
+      <a:fillRef idx="0">
+        <a:scrgbClr r="0" g="0" b="0"/>
+      </a:fillRef>
+      <a:effectRef idx="0">
+        <a:scrgbClr r="0" g="0" b="0"/>
+      </a:effectRef>
+      <a:fontRef idx="minor"/>
+    </dgm:style>
+  </dgm:styleLbl>
+  <dgm:styleLbl name="parChTrans1D2">
+    <dgm:scene3d>
+      <a:camera prst="orthographicFront"/>
+      <a:lightRig rig="threePt" dir="t"/>
+    </dgm:scene3d>
+    <dgm:sp3d/>
+    <dgm:txPr/>
+    <dgm:style>
+      <a:lnRef idx="2">
+        <a:scrgbClr r="0" g="0" b="0"/>
+      </a:lnRef>
+      <a:fillRef idx="0">
+        <a:scrgbClr r="0" g="0" b="0"/>
+      </a:fillRef>
+      <a:effectRef idx="0">
+        <a:scrgbClr r="0" g="0" b="0"/>
+      </a:effectRef>
+      <a:fontRef idx="minor"/>
+    </dgm:style>
+  </dgm:styleLbl>
+  <dgm:styleLbl name="parChTrans1D3">
+    <dgm:scene3d>
+      <a:camera prst="orthographicFront"/>
+      <a:lightRig rig="threePt" dir="t"/>
+    </dgm:scene3d>
+    <dgm:sp3d/>
+    <dgm:txPr/>
+    <dgm:style>
+      <a:lnRef idx="2">
+        <a:scrgbClr r="0" g="0" b="0"/>
+      </a:lnRef>
+      <a:fillRef idx="0">
+        <a:scrgbClr r="0" g="0" b="0"/>
+      </a:fillRef>
+      <a:effectRef idx="0">
+        <a:scrgbClr r="0" g="0" b="0"/>
+      </a:effectRef>
+      <a:fontRef idx="minor"/>
+    </dgm:style>
+  </dgm:styleLbl>
+  <dgm:styleLbl name="parChTrans1D4">
+    <dgm:scene3d>
+      <a:camera prst="orthographicFront"/>
+      <a:lightRig rig="threePt" dir="t"/>
+    </dgm:scene3d>
+    <dgm:sp3d/>
+    <dgm:txPr/>
+    <dgm:style>
+      <a:lnRef idx="2">
+        <a:scrgbClr r="0" g="0" b="0"/>
+      </a:lnRef>
+      <a:fillRef idx="0">
+        <a:scrgbClr r="0" g="0" b="0"/>
+      </a:fillRef>
+      <a:effectRef idx="0">
+        <a:scrgbClr r="0" g="0" b="0"/>
+      </a:effectRef>
+      <a:fontRef idx="minor"/>
+    </dgm:style>
+  </dgm:styleLbl>
+  <dgm:styleLbl name="fgAcc1">
+    <dgm:scene3d>
+      <a:camera prst="orthographicFront"/>
+      <a:lightRig rig="threePt" dir="t"/>
+    </dgm:scene3d>
+    <dgm:sp3d/>
+    <dgm:txPr/>
+    <dgm:style>
+      <a:lnRef idx="2">
+        <a:scrgbClr r="0" g="0" b="0"/>
+      </a:lnRef>
+      <a:fillRef idx="1">
+        <a:scrgbClr r="0" g="0" b="0"/>
+      </a:fillRef>
+      <a:effectRef idx="0">
+        <a:scrgbClr r="0" g="0" b="0"/>
+      </a:effectRef>
+      <a:fontRef idx="minor"/>
+    </dgm:style>
+  </dgm:styleLbl>
+  <dgm:styleLbl name="conFgAcc1">
+    <dgm:scene3d>
+      <a:camera prst="orthographicFront"/>
+      <a:lightRig rig="threePt" dir="t"/>
+    </dgm:scene3d>
+    <dgm:sp3d/>
+    <dgm:txPr/>
+    <dgm:style>
+      <a:lnRef idx="2">
+        <a:scrgbClr r="0" g="0" b="0"/>
+      </a:lnRef>
+      <a:fillRef idx="1">
+        <a:scrgbClr r="0" g="0" b="0"/>
+      </a:fillRef>
+      <a:effectRef idx="0">
+        <a:scrgbClr r="0" g="0" b="0"/>
+      </a:effectRef>
+      <a:fontRef idx="minor"/>
+    </dgm:style>
+  </dgm:styleLbl>
+  <dgm:styleLbl name="alignAcc1">
+    <dgm:scene3d>
+      <a:camera prst="orthographicFront"/>
+      <a:lightRig rig="threePt" dir="t"/>
+    </dgm:scene3d>
+    <dgm:sp3d/>
+    <dgm:txPr/>
+    <dgm:style>
+      <a:lnRef idx="2">
+        <a:scrgbClr r="0" g="0" b="0"/>
+      </a:lnRef>
+      <a:fillRef idx="1">
+        <a:scrgbClr r="0" g="0" b="0"/>
+      </a:fillRef>
+      <a:effectRef idx="0">
+        <a:scrgbClr r="0" g="0" b="0"/>
+      </a:effectRef>
+      <a:fontRef idx="minor"/>
+    </dgm:style>
+  </dgm:styleLbl>
+  <dgm:styleLbl name="trAlignAcc1">
+    <dgm:scene3d>
+      <a:camera prst="orthographicFront"/>
+      <a:lightRig rig="threePt" dir="t"/>
+    </dgm:scene3d>
+    <dgm:sp3d/>
+    <dgm:txPr/>
+    <dgm:style>
+      <a:lnRef idx="1">
+        <a:scrgbClr r="0" g="0" b="0"/>
+      </a:lnRef>
+      <a:fillRef idx="1">
+        <a:scrgbClr r="0" g="0" b="0"/>
+      </a:fillRef>
+      <a:effectRef idx="0">
+        <a:scrgbClr r="0" g="0" b="0"/>
+      </a:effectRef>
+      <a:fontRef idx="minor"/>
+    </dgm:style>
+  </dgm:styleLbl>
+  <dgm:styleLbl name="bgAcc1">
+    <dgm:scene3d>
+      <a:camera prst="orthographicFront"/>
+      <a:lightRig rig="threePt" dir="t"/>
+    </dgm:scene3d>
+    <dgm:sp3d/>
+    <dgm:txPr/>
+    <dgm:style>
+      <a:lnRef idx="2">
+        <a:scrgbClr r="0" g="0" b="0"/>
+      </a:lnRef>
+      <a:fillRef idx="1">
+        <a:scrgbClr r="0" g="0" b="0"/>
+      </a:fillRef>
+      <a:effectRef idx="0">
+        <a:scrgbClr r="0" g="0" b="0"/>
+      </a:effectRef>
+      <a:fontRef idx="minor"/>
+    </dgm:style>
+  </dgm:styleLbl>
+  <dgm:styleLbl name="solidFgAcc1">
+    <dgm:scene3d>
+      <a:camera prst="orthographicFront"/>
+      <a:lightRig rig="threePt" dir="t"/>
+    </dgm:scene3d>
+    <dgm:sp3d/>
+    <dgm:txPr/>
+    <dgm:style>
+      <a:lnRef idx="2">
+        <a:scrgbClr r="0" g="0" b="0"/>
+      </a:lnRef>
+      <a:fillRef idx="1">
+        <a:scrgbClr r="0" g="0" b="0"/>
+      </a:fillRef>
+      <a:effectRef idx="0">
+        <a:scrgbClr r="0" g="0" b="0"/>
+      </a:effectRef>
+      <a:fontRef idx="minor"/>
+    </dgm:style>
+  </dgm:styleLbl>
+  <dgm:styleLbl name="solidAlignAcc1">
+    <dgm:scene3d>
+      <a:camera prst="orthographicFront"/>
+      <a:lightRig rig="threePt" dir="t"/>
+    </dgm:scene3d>
+    <dgm:sp3d/>
+    <dgm:txPr/>
+    <dgm:style>
+      <a:lnRef idx="2">
+        <a:scrgbClr r="0" g="0" b="0"/>
+      </a:lnRef>
+      <a:fillRef idx="1">
+        <a:scrgbClr r="0" g="0" b="0"/>
+      </a:fillRef>
+      <a:effectRef idx="0">
+        <a:scrgbClr r="0" g="0" b="0"/>
+      </a:effectRef>
+      <a:fontRef idx="minor"/>
+    </dgm:style>
+  </dgm:styleLbl>
+  <dgm:styleLbl name="solidBgAcc1">
+    <dgm:scene3d>
+      <a:camera prst="orthographicFront"/>
+      <a:lightRig rig="threePt" dir="t"/>
+    </dgm:scene3d>
+    <dgm:sp3d/>
+    <dgm:txPr/>
+    <dgm:style>
+      <a:lnRef idx="2">
+        <a:scrgbClr r="0" g="0" b="0"/>
+      </a:lnRef>
+      <a:fillRef idx="1">
+        <a:scrgbClr r="0" g="0" b="0"/>
+      </a:fillRef>
+      <a:effectRef idx="0">
+        <a:scrgbClr r="0" g="0" b="0"/>
+      </a:effectRef>
+      <a:fontRef idx="minor"/>
+    </dgm:style>
+  </dgm:styleLbl>
+  <dgm:styleLbl name="fgAccFollowNode1">
+    <dgm:scene3d>
+      <a:camera prst="orthographicFront"/>
+      <a:lightRig rig="threePt" dir="t"/>
+    </dgm:scene3d>
+    <dgm:sp3d/>
+    <dgm:txPr/>
+    <dgm:style>
+      <a:lnRef idx="2">
+        <a:scrgbClr r="0" g="0" b="0"/>
+      </a:lnRef>
+      <a:fillRef idx="1">
+        <a:scrgbClr r="0" g="0" b="0"/>
+      </a:fillRef>
+      <a:effectRef idx="0">
+        <a:scrgbClr r="0" g="0" b="0"/>
+      </a:effectRef>
+      <a:fontRef idx="minor"/>
+    </dgm:style>
+  </dgm:styleLbl>
+  <dgm:styleLbl name="alignAccFollowNode1">
+    <dgm:scene3d>
+      <a:camera prst="orthographicFront"/>
+      <a:lightRig rig="threePt" dir="t"/>
+    </dgm:scene3d>
+    <dgm:sp3d/>
+    <dgm:txPr/>
+    <dgm:style>
+      <a:lnRef idx="2">
+        <a:scrgbClr r="0" g="0" b="0"/>
+      </a:lnRef>
+      <a:fillRef idx="1">
+        <a:scrgbClr r="0" g="0" b="0"/>
+      </a:fillRef>
+      <a:effectRef idx="0">
+        <a:scrgbClr r="0" g="0" b="0"/>
+      </a:effectRef>
+      <a:fontRef idx="minor"/>
+    </dgm:style>
+  </dgm:styleLbl>
+  <dgm:styleLbl name="bgAccFollowNode1">
+    <dgm:scene3d>
+      <a:camera prst="orthographicFront"/>
+      <a:lightRig rig="threePt" dir="t"/>
+    </dgm:scene3d>
+    <dgm:sp3d/>
+    <dgm:txPr/>
+    <dgm:style>
+      <a:lnRef idx="2">
+        <a:scrgbClr r="0" g="0" b="0"/>
+      </a:lnRef>
+      <a:fillRef idx="1">
+        <a:scrgbClr r="0" g="0" b="0"/>
+      </a:fillRef>
+      <a:effectRef idx="0">
+        <a:scrgbClr r="0" g="0" b="0"/>
+      </a:effectRef>
+      <a:fontRef idx="minor"/>
+    </dgm:style>
+  </dgm:styleLbl>
+  <dgm:styleLbl name="fgAcc0">
+    <dgm:scene3d>
+      <a:camera prst="orthographicFront"/>
+      <a:lightRig rig="threePt" dir="t"/>
+    </dgm:scene3d>
+    <dgm:sp3d/>
+    <dgm:txPr/>
+    <dgm:style>
+      <a:lnRef idx="2">
+        <a:scrgbClr r="0" g="0" b="0"/>
+      </a:lnRef>
+      <a:fillRef idx="1">
+        <a:scrgbClr r="0" g="0" b="0"/>
+      </a:fillRef>
+      <a:effectRef idx="0">
+        <a:scrgbClr r="0" g="0" b="0"/>
+      </a:effectRef>
+      <a:fontRef idx="minor"/>
+    </dgm:style>
+  </dgm:styleLbl>
+  <dgm:styleLbl name="fgAcc2">
+    <dgm:scene3d>
+      <a:camera prst="orthographicFront"/>
+      <a:lightRig rig="threePt" dir="t"/>
+    </dgm:scene3d>
+    <dgm:sp3d/>
+    <dgm:txPr/>
+    <dgm:style>
+      <a:lnRef idx="2">
+        <a:scrgbClr r="0" g="0" b="0"/>
+      </a:lnRef>
+      <a:fillRef idx="1">
+        <a:scrgbClr r="0" g="0" b="0"/>
+      </a:fillRef>
+      <a:effectRef idx="0">
+        <a:scrgbClr r="0" g="0" b="0"/>
+      </a:effectRef>
+      <a:fontRef idx="minor"/>
+    </dgm:style>
+  </dgm:styleLbl>
+  <dgm:styleLbl name="fgAcc3">
+    <dgm:scene3d>
+      <a:camera prst="orthographicFront"/>
+      <a:lightRig rig="threePt" dir="t"/>
+    </dgm:scene3d>
+    <dgm:sp3d/>
+    <dgm:txPr/>
+    <dgm:style>
+      <a:lnRef idx="2">
+        <a:scrgbClr r="0" g="0" b="0"/>
+      </a:lnRef>
+      <a:fillRef idx="1">
+        <a:scrgbClr r="0" g="0" b="0"/>
+      </a:fillRef>
+      <a:effectRef idx="0">
+        <a:scrgbClr r="0" g="0" b="0"/>
+      </a:effectRef>
+      <a:fontRef idx="minor"/>
+    </dgm:style>
+  </dgm:styleLbl>
+  <dgm:styleLbl name="fgAcc4">
+    <dgm:scene3d>
+      <a:camera prst="orthographicFront"/>
+      <a:lightRig rig="threePt" dir="t"/>
+    </dgm:scene3d>
+    <dgm:sp3d/>
+    <dgm:txPr/>
+    <dgm:style>
+      <a:lnRef idx="2">
+        <a:scrgbClr r="0" g="0" b="0"/>
+      </a:lnRef>
+      <a:fillRef idx="1">
+        <a:scrgbClr r="0" g="0" b="0"/>
+      </a:fillRef>
+      <a:effectRef idx="0">
+        <a:scrgbClr r="0" g="0" b="0"/>
+      </a:effectRef>
+      <a:fontRef idx="minor"/>
+    </dgm:style>
+  </dgm:styleLbl>
+  <dgm:styleLbl name="bgShp">
+    <dgm:scene3d>
+      <a:camera prst="orthographicFront"/>
+      <a:lightRig rig="threePt" dir="t"/>
+    </dgm:scene3d>
+    <dgm:sp3d/>
+    <dgm:txPr/>
+    <dgm:style>
+      <a:lnRef idx="0">
+        <a:scrgbClr r="0" g="0" b="0"/>
+      </a:lnRef>
+      <a:fillRef idx="1">
+        <a:scrgbClr r="0" g="0" b="0"/>
+      </a:fillRef>
+      <a:effectRef idx="0">
+        <a:scrgbClr r="0" g="0" b="0"/>
+      </a:effectRef>
+      <a:fontRef idx="minor"/>
+    </dgm:style>
+  </dgm:styleLbl>
+  <dgm:styleLbl name="dkBgShp">
+    <dgm:scene3d>
+      <a:camera prst="orthographicFront"/>
+      <a:lightRig rig="threePt" dir="t"/>
+    </dgm:scene3d>
+    <dgm:sp3d/>
+    <dgm:txPr/>
+    <dgm:style>
+      <a:lnRef idx="0">
+        <a:scrgbClr r="0" g="0" b="0"/>
+      </a:lnRef>
+      <a:fillRef idx="1">
+        <a:scrgbClr r="0" g="0" b="0"/>
+      </a:fillRef>
+      <a:effectRef idx="0">
+        <a:scrgbClr r="0" g="0" b="0"/>
+      </a:effectRef>
+      <a:fontRef idx="minor"/>
+    </dgm:style>
+  </dgm:styleLbl>
+  <dgm:styleLbl name="trBgShp">
+    <dgm:scene3d>
+      <a:camera prst="orthographicFront"/>
+      <a:lightRig rig="threePt" dir="t"/>
+    </dgm:scene3d>
+    <dgm:sp3d/>
+    <dgm:txPr/>
+    <dgm:style>
+      <a:lnRef idx="0">
+        <a:scrgbClr r="0" g="0" b="0"/>
+      </a:lnRef>
+      <a:fillRef idx="1">
+        <a:scrgbClr r="0" g="0" b="0"/>
+      </a:fillRef>
+      <a:effectRef idx="0">
+        <a:scrgbClr r="0" g="0" b="0"/>
+      </a:effectRef>
+      <a:fontRef idx="minor"/>
+    </dgm:style>
+  </dgm:styleLbl>
+  <dgm:styleLbl name="fgShp">
+    <dgm:scene3d>
+      <a:camera prst="orthographicFront"/>
+      <a:lightRig rig="threePt" dir="t"/>
+    </dgm:scene3d>
+    <dgm:sp3d/>
+    <dgm:txPr/>
+    <dgm:style>
+      <a:lnRef idx="2">
+        <a:scrgbClr r="0" g="0" b="0"/>
+      </a:lnRef>
+      <a:fillRef idx="1">
+        <a:scrgbClr r="0" g="0" b="0"/>
+      </a:fillRef>
+      <a:effectRef idx="0">
+        <a:scrgbClr r="0" g="0" b="0"/>
+      </a:effectRef>
+      <a:fontRef idx="minor"/>
+    </dgm:style>
+  </dgm:styleLbl>
+  <dgm:styleLbl name="revTx">
+    <dgm:scene3d>
+      <a:camera prst="orthographicFront"/>
+      <a:lightRig rig="threePt" dir="t"/>
+    </dgm:scene3d>
+    <dgm:sp3d/>
+    <dgm:txPr/>
+    <dgm:style>
+      <a:lnRef idx="0">
+        <a:scrgbClr r="0" g="0" b="0"/>
+      </a:lnRef>
+      <a:fillRef idx="0">
+        <a:scrgbClr r="0" g="0" b="0"/>
+      </a:fillRef>
+      <a:effectRef idx="0">
+        <a:scrgbClr r="0" g="0" b="0"/>
+      </a:effectRef>
+      <a:fontRef idx="minor"/>
+    </dgm:style>
+  </dgm:styleLbl>
+</dgm:styleDef>
+</file>
+
 <file path=ppt/slideLayouts/slideLayout1.xml><?xml version="1.0" encoding="utf-8"?>
 <p:sldLayout xmlns:a="http://schemas.openxmlformats.org/drawingml/2006/main" xmlns:r="http://schemas.openxmlformats.org/officeDocument/2006/relationships" xmlns:p="http://schemas.openxmlformats.org/presentationml/2006/main" type="title" preserve="1">
   <p:cSld name="Title Slide">
@@ -275,7 +7039,7 @@
           <a:p>
             <a:fld id="{CCD66DC0-24A4-4647-9015-C4C9F47014E1}" type="datetimeFigureOut">
               <a:rPr lang="en-DE" smtClean="0"/>
-              <a:t>09.01.25</a:t>
+              <a:t>14.01.25</a:t>
             </a:fld>
             <a:endParaRPr lang="en-DE"/>
           </a:p>
@@ -475,7 +7239,7 @@
           <a:p>
             <a:fld id="{CCD66DC0-24A4-4647-9015-C4C9F47014E1}" type="datetimeFigureOut">
               <a:rPr lang="en-DE" smtClean="0"/>
-              <a:t>09.01.25</a:t>
+              <a:t>14.01.25</a:t>
             </a:fld>
             <a:endParaRPr lang="en-DE"/>
           </a:p>
@@ -685,7 +7449,7 @@
           <a:p>
             <a:fld id="{CCD66DC0-24A4-4647-9015-C4C9F47014E1}" type="datetimeFigureOut">
               <a:rPr lang="en-DE" smtClean="0"/>
-              <a:t>09.01.25</a:t>
+              <a:t>14.01.25</a:t>
             </a:fld>
             <a:endParaRPr lang="en-DE"/>
           </a:p>
@@ -885,7 +7649,7 @@
           <a:p>
             <a:fld id="{CCD66DC0-24A4-4647-9015-C4C9F47014E1}" type="datetimeFigureOut">
               <a:rPr lang="en-DE" smtClean="0"/>
-              <a:t>09.01.25</a:t>
+              <a:t>14.01.25</a:t>
             </a:fld>
             <a:endParaRPr lang="en-DE"/>
           </a:p>
@@ -1161,7 +7925,7 @@
           <a:p>
             <a:fld id="{CCD66DC0-24A4-4647-9015-C4C9F47014E1}" type="datetimeFigureOut">
               <a:rPr lang="en-DE" smtClean="0"/>
-              <a:t>09.01.25</a:t>
+              <a:t>14.01.25</a:t>
             </a:fld>
             <a:endParaRPr lang="en-DE"/>
           </a:p>
@@ -1429,7 +8193,7 @@
           <a:p>
             <a:fld id="{CCD66DC0-24A4-4647-9015-C4C9F47014E1}" type="datetimeFigureOut">
               <a:rPr lang="en-DE" smtClean="0"/>
-              <a:t>09.01.25</a:t>
+              <a:t>14.01.25</a:t>
             </a:fld>
             <a:endParaRPr lang="en-DE"/>
           </a:p>
@@ -1844,7 +8608,7 @@
           <a:p>
             <a:fld id="{CCD66DC0-24A4-4647-9015-C4C9F47014E1}" type="datetimeFigureOut">
               <a:rPr lang="en-DE" smtClean="0"/>
-              <a:t>09.01.25</a:t>
+              <a:t>14.01.25</a:t>
             </a:fld>
             <a:endParaRPr lang="en-DE"/>
           </a:p>
@@ -1986,7 +8750,7 @@
           <a:p>
             <a:fld id="{CCD66DC0-24A4-4647-9015-C4C9F47014E1}" type="datetimeFigureOut">
               <a:rPr lang="en-DE" smtClean="0"/>
-              <a:t>09.01.25</a:t>
+              <a:t>14.01.25</a:t>
             </a:fld>
             <a:endParaRPr lang="en-DE"/>
           </a:p>
@@ -2099,7 +8863,7 @@
           <a:p>
             <a:fld id="{CCD66DC0-24A4-4647-9015-C4C9F47014E1}" type="datetimeFigureOut">
               <a:rPr lang="en-DE" smtClean="0"/>
-              <a:t>09.01.25</a:t>
+              <a:t>14.01.25</a:t>
             </a:fld>
             <a:endParaRPr lang="en-DE"/>
           </a:p>
@@ -2412,7 +9176,7 @@
           <a:p>
             <a:fld id="{CCD66DC0-24A4-4647-9015-C4C9F47014E1}" type="datetimeFigureOut">
               <a:rPr lang="en-DE" smtClean="0"/>
-              <a:t>09.01.25</a:t>
+              <a:t>14.01.25</a:t>
             </a:fld>
             <a:endParaRPr lang="en-DE"/>
           </a:p>
@@ -2701,7 +9465,7 @@
           <a:p>
             <a:fld id="{CCD66DC0-24A4-4647-9015-C4C9F47014E1}" type="datetimeFigureOut">
               <a:rPr lang="en-DE" smtClean="0"/>
-              <a:t>09.01.25</a:t>
+              <a:t>14.01.25</a:t>
             </a:fld>
             <a:endParaRPr lang="en-DE"/>
           </a:p>
@@ -2944,7 +9708,7 @@
           <a:p>
             <a:fld id="{CCD66DC0-24A4-4647-9015-C4C9F47014E1}" type="datetimeFigureOut">
               <a:rPr lang="en-DE" smtClean="0"/>
-              <a:t>09.01.25</a:t>
+              <a:t>14.01.25</a:t>
             </a:fld>
             <a:endParaRPr lang="en-DE"/>
           </a:p>
@@ -4267,6 +11031,241 @@
 </p:sld>
 </file>
 
+<file path=ppt/slides/slide16.xml><?xml version="1.0" encoding="utf-8"?>
+<p:sld xmlns:a="http://schemas.openxmlformats.org/drawingml/2006/main" xmlns:r="http://schemas.openxmlformats.org/officeDocument/2006/relationships" xmlns:p="http://schemas.openxmlformats.org/presentationml/2006/main">
+  <p:cSld>
+    <p:spTree>
+      <p:nvGrpSpPr>
+        <p:cNvPr id="1" name=""/>
+        <p:cNvGrpSpPr/>
+        <p:nvPr/>
+      </p:nvGrpSpPr>
+      <p:grpSpPr>
+        <a:xfrm>
+          <a:off x="0" y="0"/>
+          <a:ext cx="0" cy="0"/>
+          <a:chOff x="0" y="0"/>
+          <a:chExt cx="0" cy="0"/>
+        </a:xfrm>
+      </p:grpSpPr>
+      <p:sp>
+        <p:nvSpPr>
+          <p:cNvPr id="2" name="Title 1">
+            <a:extLst>
+              <a:ext uri="{FF2B5EF4-FFF2-40B4-BE49-F238E27FC236}">
+                <a16:creationId xmlns:a16="http://schemas.microsoft.com/office/drawing/2014/main" id="{0E383FC8-95F0-63A7-2720-E497A9F00B2E}"/>
+              </a:ext>
+            </a:extLst>
+          </p:cNvPr>
+          <p:cNvSpPr>
+            <a:spLocks noGrp="1"/>
+          </p:cNvSpPr>
+          <p:nvPr>
+            <p:ph type="ctrTitle"/>
+          </p:nvPr>
+        </p:nvSpPr>
+        <p:spPr/>
+        <p:txBody>
+          <a:bodyPr/>
+          <a:lstStyle/>
+          <a:p>
+            <a:r>
+              <a:rPr lang="en-GB" dirty="0"/>
+              <a:t>A</a:t>
+            </a:r>
+            <a:r>
+              <a:rPr lang="en-DE" dirty="0"/>
+              <a:t>djust fitting of systematic bins</a:t>
+            </a:r>
+          </a:p>
+        </p:txBody>
+      </p:sp>
+      <p:sp>
+        <p:nvSpPr>
+          <p:cNvPr id="3" name="Subtitle 2">
+            <a:extLst>
+              <a:ext uri="{FF2B5EF4-FFF2-40B4-BE49-F238E27FC236}">
+                <a16:creationId xmlns:a16="http://schemas.microsoft.com/office/drawing/2014/main" id="{1EEA23D2-08DF-9CBE-1B02-35B20D57B46C}"/>
+              </a:ext>
+            </a:extLst>
+          </p:cNvPr>
+          <p:cNvSpPr>
+            <a:spLocks noGrp="1"/>
+          </p:cNvSpPr>
+          <p:nvPr>
+            <p:ph type="subTitle" idx="1"/>
+          </p:nvPr>
+        </p:nvSpPr>
+        <p:spPr/>
+        <p:txBody>
+          <a:bodyPr/>
+          <a:lstStyle/>
+          <a:p>
+            <a:pPr marL="342900" indent="-342900">
+              <a:buFont typeface="Arial" panose="020B0604020202020204" pitchFamily="34" charset="0"/>
+              <a:buChar char="•"/>
+            </a:pPr>
+            <a:r>
+              <a:rPr lang="en-GB" dirty="0"/>
+              <a:t>U</a:t>
+            </a:r>
+            <a:r>
+              <a:rPr lang="en-DE" dirty="0"/>
+              <a:t>se Gaussian error (baseline and subset) </a:t>
+            </a:r>
+          </a:p>
+          <a:p>
+            <a:pPr marL="342900" indent="-342900">
+              <a:buFont typeface="Arial" panose="020B0604020202020204" pitchFamily="34" charset="0"/>
+              <a:buChar char="•"/>
+            </a:pPr>
+            <a:r>
+              <a:rPr lang="en-GB" dirty="0"/>
+              <a:t>U</a:t>
+            </a:r>
+            <a:r>
+              <a:rPr lang="en-DE" dirty="0"/>
+              <a:t>se chi2 tests</a:t>
+            </a:r>
+          </a:p>
+        </p:txBody>
+      </p:sp>
+    </p:spTree>
+    <p:extLst>
+      <p:ext uri="{BB962C8B-B14F-4D97-AF65-F5344CB8AC3E}">
+        <p14:creationId xmlns:p14="http://schemas.microsoft.com/office/powerpoint/2010/main" val="17886848"/>
+      </p:ext>
+    </p:extLst>
+  </p:cSld>
+  <p:clrMapOvr>
+    <a:masterClrMapping/>
+  </p:clrMapOvr>
+</p:sld>
+</file>
+
+<file path=ppt/slides/slide17.xml><?xml version="1.0" encoding="utf-8"?>
+<p:sld xmlns:a="http://schemas.openxmlformats.org/drawingml/2006/main" xmlns:r="http://schemas.openxmlformats.org/officeDocument/2006/relationships" xmlns:p="http://schemas.openxmlformats.org/presentationml/2006/main">
+  <p:cSld>
+    <p:spTree>
+      <p:nvGrpSpPr>
+        <p:cNvPr id="1" name=""/>
+        <p:cNvGrpSpPr/>
+        <p:nvPr/>
+      </p:nvGrpSpPr>
+      <p:grpSpPr>
+        <a:xfrm>
+          <a:off x="0" y="0"/>
+          <a:ext cx="0" cy="0"/>
+          <a:chOff x="0" y="0"/>
+          <a:chExt cx="0" cy="0"/>
+        </a:xfrm>
+      </p:grpSpPr>
+      <p:graphicFrame>
+        <p:nvGraphicFramePr>
+          <p:cNvPr id="5" name="Diagram 4">
+            <a:extLst>
+              <a:ext uri="{FF2B5EF4-FFF2-40B4-BE49-F238E27FC236}">
+                <a16:creationId xmlns:a16="http://schemas.microsoft.com/office/drawing/2014/main" id="{60B65496-DADE-F690-5A7D-7F13EBF96E6A}"/>
+              </a:ext>
+            </a:extLst>
+          </p:cNvPr>
+          <p:cNvGraphicFramePr/>
+          <p:nvPr>
+            <p:extLst>
+              <p:ext uri="{D42A27DB-BD31-4B8C-83A1-F6EECF244321}">
+                <p14:modId xmlns:p14="http://schemas.microsoft.com/office/powerpoint/2010/main" val="4027136469"/>
+              </p:ext>
+            </p:extLst>
+          </p:nvPr>
+        </p:nvGraphicFramePr>
+        <p:xfrm>
+          <a:off x="192690" y="-126124"/>
+          <a:ext cx="8128000" cy="5223641"/>
+        </p:xfrm>
+        <a:graphic>
+          <a:graphicData uri="http://schemas.openxmlformats.org/drawingml/2006/diagram">
+            <dgm:relIds xmlns:dgm="http://schemas.openxmlformats.org/drawingml/2006/diagram" xmlns:r="http://schemas.openxmlformats.org/officeDocument/2006/relationships" r:dm="rId2" r:lo="rId3" r:qs="rId4" r:cs="rId5"/>
+          </a:graphicData>
+        </a:graphic>
+      </p:graphicFrame>
+      <p:sp>
+        <p:nvSpPr>
+          <p:cNvPr id="7" name="Title 1">
+            <a:extLst>
+              <a:ext uri="{FF2B5EF4-FFF2-40B4-BE49-F238E27FC236}">
+                <a16:creationId xmlns:a16="http://schemas.microsoft.com/office/drawing/2014/main" id="{B599439E-42C9-9B26-B17E-27B521690D57}"/>
+              </a:ext>
+            </a:extLst>
+          </p:cNvPr>
+          <p:cNvSpPr>
+            <a:spLocks noGrp="1"/>
+          </p:cNvSpPr>
+          <p:nvPr>
+            <p:ph type="title"/>
+          </p:nvPr>
+        </p:nvSpPr>
+        <p:spPr>
+          <a:xfrm>
+            <a:off x="838200" y="365125"/>
+            <a:ext cx="10515600" cy="1325563"/>
+          </a:xfrm>
+        </p:spPr>
+        <p:txBody>
+          <a:bodyPr/>
+          <a:lstStyle/>
+          <a:p>
+            <a:r>
+              <a:rPr lang="en-GB" dirty="0"/>
+              <a:t>F</a:t>
+            </a:r>
+            <a:r>
+              <a:rPr lang="en-DE" dirty="0"/>
+              <a:t>it systematic bins: use chi2 tests</a:t>
+            </a:r>
+          </a:p>
+        </p:txBody>
+      </p:sp>
+      <p:graphicFrame>
+        <p:nvGraphicFramePr>
+          <p:cNvPr id="8" name="Diagram 7">
+            <a:extLst>
+              <a:ext uri="{FF2B5EF4-FFF2-40B4-BE49-F238E27FC236}">
+                <a16:creationId xmlns:a16="http://schemas.microsoft.com/office/drawing/2014/main" id="{6EE6396C-46A4-D589-FC11-45FAA77A1FB5}"/>
+              </a:ext>
+            </a:extLst>
+          </p:cNvPr>
+          <p:cNvGraphicFramePr/>
+          <p:nvPr>
+            <p:extLst>
+              <p:ext uri="{D42A27DB-BD31-4B8C-83A1-F6EECF244321}">
+                <p14:modId xmlns:p14="http://schemas.microsoft.com/office/powerpoint/2010/main" val="46836721"/>
+              </p:ext>
+            </p:extLst>
+          </p:nvPr>
+        </p:nvGraphicFramePr>
+        <p:xfrm>
+          <a:off x="2898898" y="2181937"/>
+          <a:ext cx="8128000" cy="5418667"/>
+        </p:xfrm>
+        <a:graphic>
+          <a:graphicData uri="http://schemas.openxmlformats.org/drawingml/2006/diagram">
+            <dgm:relIds xmlns:dgm="http://schemas.openxmlformats.org/drawingml/2006/diagram" xmlns:r="http://schemas.openxmlformats.org/officeDocument/2006/relationships" r:dm="rId7" r:lo="rId8" r:qs="rId9" r:cs="rId10"/>
+          </a:graphicData>
+        </a:graphic>
+      </p:graphicFrame>
+    </p:spTree>
+    <p:extLst>
+      <p:ext uri="{BB962C8B-B14F-4D97-AF65-F5344CB8AC3E}">
+        <p14:creationId xmlns:p14="http://schemas.microsoft.com/office/powerpoint/2010/main" val="3216299963"/>
+      </p:ext>
+    </p:extLst>
+  </p:cSld>
+  <p:clrMapOvr>
+    <a:masterClrMapping/>
+  </p:clrMapOvr>
+</p:sld>
+</file>
+
 <file path=ppt/slides/slide2.xml><?xml version="1.0" encoding="utf-8"?>
 <p:sld xmlns:a="http://schemas.openxmlformats.org/drawingml/2006/main" xmlns:r="http://schemas.openxmlformats.org/officeDocument/2006/relationships" xmlns:p="http://schemas.openxmlformats.org/presentationml/2006/main">
   <p:cSld>
